--- a/CV_FROMAGER.pptx
+++ b/CV_FROMAGER.pptx
@@ -208,7 +208,7 @@
           </a:lstStyle>
           <a:p>
             <a:fld id="{6BFF9852-8A9D-FA43-9BC6-1FE6D867865C}" type="datetimeFigureOut">
-              <a:t>30/01/2020</a:t>
+              <a:t>14/02/2020</a:t>
             </a:fld>
             <a:endParaRPr lang="en-US"/>
           </a:p>
@@ -678,10 +678,9 @@
           <a:lstStyle/>
           <a:p>
             <a:r>
-              <a:rPr lang="fr-FR" smtClean="0"/>
+              <a:rPr lang="fr-FR"/>
               <a:t>Cliquez et modifiez le titre</a:t>
             </a:r>
-            <a:endParaRPr lang="fr-FR"/>
           </a:p>
         </p:txBody>
       </p:sp>
@@ -797,10 +796,9 @@
           </a:lstStyle>
           <a:p>
             <a:r>
-              <a:rPr lang="fr-FR" smtClean="0"/>
+              <a:rPr lang="fr-FR"/>
               <a:t>Cliquez pour modifier le style des sous-titres du masque</a:t>
             </a:r>
-            <a:endParaRPr lang="fr-FR"/>
           </a:p>
         </p:txBody>
       </p:sp>
@@ -821,7 +819,7 @@
           <a:p>
             <a:fld id="{8CF0904D-930F-FD46-A326-BF7152BF9E0A}" type="datetimeFigureOut">
               <a:rPr lang="fr-FR" smtClean="0"/>
-              <a:t>30/01/2020</a:t>
+              <a:t>14/02/2020</a:t>
             </a:fld>
             <a:endParaRPr lang="fr-FR"/>
           </a:p>
@@ -915,10 +913,9 @@
           <a:lstStyle/>
           <a:p>
             <a:r>
-              <a:rPr lang="fr-FR" smtClean="0"/>
+              <a:rPr lang="fr-FR"/>
               <a:t>Cliquez et modifiez le titre</a:t>
             </a:r>
-            <a:endParaRPr lang="fr-FR"/>
           </a:p>
         </p:txBody>
       </p:sp>
@@ -939,38 +936,37 @@
           <a:p>
             <a:pPr lvl="0"/>
             <a:r>
-              <a:rPr lang="fr-FR" smtClean="0"/>
+              <a:rPr lang="fr-FR"/>
               <a:t>Cliquez pour modifier les styles du texte du masque</a:t>
             </a:r>
           </a:p>
           <a:p>
             <a:pPr lvl="1"/>
             <a:r>
-              <a:rPr lang="fr-FR" smtClean="0"/>
+              <a:rPr lang="fr-FR"/>
               <a:t>Deuxième niveau</a:t>
             </a:r>
           </a:p>
           <a:p>
             <a:pPr lvl="2"/>
             <a:r>
-              <a:rPr lang="fr-FR" smtClean="0"/>
+              <a:rPr lang="fr-FR"/>
               <a:t>Troisième niveau</a:t>
             </a:r>
           </a:p>
           <a:p>
             <a:pPr lvl="3"/>
             <a:r>
-              <a:rPr lang="fr-FR" smtClean="0"/>
+              <a:rPr lang="fr-FR"/>
               <a:t>Quatrième niveau</a:t>
             </a:r>
           </a:p>
           <a:p>
             <a:pPr lvl="4"/>
             <a:r>
-              <a:rPr lang="fr-FR" smtClean="0"/>
+              <a:rPr lang="fr-FR"/>
               <a:t>Cinquième niveau</a:t>
             </a:r>
-            <a:endParaRPr lang="fr-FR"/>
           </a:p>
         </p:txBody>
       </p:sp>
@@ -991,7 +987,7 @@
           <a:p>
             <a:fld id="{8CF0904D-930F-FD46-A326-BF7152BF9E0A}" type="datetimeFigureOut">
               <a:rPr lang="fr-FR" smtClean="0"/>
-              <a:t>30/01/2020</a:t>
+              <a:t>14/02/2020</a:t>
             </a:fld>
             <a:endParaRPr lang="fr-FR"/>
           </a:p>
@@ -1090,10 +1086,9 @@
           <a:lstStyle/>
           <a:p>
             <a:r>
-              <a:rPr lang="fr-FR" smtClean="0"/>
+              <a:rPr lang="fr-FR"/>
               <a:t>Cliquez et modifiez le titre</a:t>
             </a:r>
-            <a:endParaRPr lang="fr-FR"/>
           </a:p>
         </p:txBody>
       </p:sp>
@@ -1119,38 +1114,37 @@
           <a:p>
             <a:pPr lvl="0"/>
             <a:r>
-              <a:rPr lang="fr-FR" smtClean="0"/>
+              <a:rPr lang="fr-FR"/>
               <a:t>Cliquez pour modifier les styles du texte du masque</a:t>
             </a:r>
           </a:p>
           <a:p>
             <a:pPr lvl="1"/>
             <a:r>
-              <a:rPr lang="fr-FR" smtClean="0"/>
+              <a:rPr lang="fr-FR"/>
               <a:t>Deuxième niveau</a:t>
             </a:r>
           </a:p>
           <a:p>
             <a:pPr lvl="2"/>
             <a:r>
-              <a:rPr lang="fr-FR" smtClean="0"/>
+              <a:rPr lang="fr-FR"/>
               <a:t>Troisième niveau</a:t>
             </a:r>
           </a:p>
           <a:p>
             <a:pPr lvl="3"/>
             <a:r>
-              <a:rPr lang="fr-FR" smtClean="0"/>
+              <a:rPr lang="fr-FR"/>
               <a:t>Quatrième niveau</a:t>
             </a:r>
           </a:p>
           <a:p>
             <a:pPr lvl="4"/>
             <a:r>
-              <a:rPr lang="fr-FR" smtClean="0"/>
+              <a:rPr lang="fr-FR"/>
               <a:t>Cinquième niveau</a:t>
             </a:r>
-            <a:endParaRPr lang="fr-FR"/>
           </a:p>
         </p:txBody>
       </p:sp>
@@ -1171,7 +1165,7 @@
           <a:p>
             <a:fld id="{8CF0904D-930F-FD46-A326-BF7152BF9E0A}" type="datetimeFigureOut">
               <a:rPr lang="fr-FR" smtClean="0"/>
-              <a:t>30/01/2020</a:t>
+              <a:t>14/02/2020</a:t>
             </a:fld>
             <a:endParaRPr lang="fr-FR"/>
           </a:p>
@@ -1265,10 +1259,9 @@
           <a:lstStyle/>
           <a:p>
             <a:r>
-              <a:rPr lang="fr-FR" smtClean="0"/>
+              <a:rPr lang="fr-FR"/>
               <a:t>Cliquez et modifiez le titre</a:t>
             </a:r>
-            <a:endParaRPr lang="fr-FR"/>
           </a:p>
         </p:txBody>
       </p:sp>
@@ -1289,38 +1282,37 @@
           <a:p>
             <a:pPr lvl="0"/>
             <a:r>
-              <a:rPr lang="fr-FR" smtClean="0"/>
+              <a:rPr lang="fr-FR"/>
               <a:t>Cliquez pour modifier les styles du texte du masque</a:t>
             </a:r>
           </a:p>
           <a:p>
             <a:pPr lvl="1"/>
             <a:r>
-              <a:rPr lang="fr-FR" smtClean="0"/>
+              <a:rPr lang="fr-FR"/>
               <a:t>Deuxième niveau</a:t>
             </a:r>
           </a:p>
           <a:p>
             <a:pPr lvl="2"/>
             <a:r>
-              <a:rPr lang="fr-FR" smtClean="0"/>
+              <a:rPr lang="fr-FR"/>
               <a:t>Troisième niveau</a:t>
             </a:r>
           </a:p>
           <a:p>
             <a:pPr lvl="3"/>
             <a:r>
-              <a:rPr lang="fr-FR" smtClean="0"/>
+              <a:rPr lang="fr-FR"/>
               <a:t>Quatrième niveau</a:t>
             </a:r>
           </a:p>
           <a:p>
             <a:pPr lvl="4"/>
             <a:r>
-              <a:rPr lang="fr-FR" smtClean="0"/>
+              <a:rPr lang="fr-FR"/>
               <a:t>Cinquième niveau</a:t>
             </a:r>
-            <a:endParaRPr lang="fr-FR"/>
           </a:p>
         </p:txBody>
       </p:sp>
@@ -1341,7 +1333,7 @@
           <a:p>
             <a:fld id="{8CF0904D-930F-FD46-A326-BF7152BF9E0A}" type="datetimeFigureOut">
               <a:rPr lang="fr-FR" smtClean="0"/>
-              <a:t>30/01/2020</a:t>
+              <a:t>14/02/2020</a:t>
             </a:fld>
             <a:endParaRPr lang="fr-FR"/>
           </a:p>
@@ -1444,10 +1436,9 @@
           </a:lstStyle>
           <a:p>
             <a:r>
-              <a:rPr lang="fr-FR" smtClean="0"/>
+              <a:rPr lang="fr-FR"/>
               <a:t>Cliquez et modifiez le titre</a:t>
             </a:r>
-            <a:endParaRPr lang="fr-FR"/>
           </a:p>
         </p:txBody>
       </p:sp>
@@ -1564,7 +1555,7 @@
           <a:p>
             <a:pPr lvl="0"/>
             <a:r>
-              <a:rPr lang="fr-FR" smtClean="0"/>
+              <a:rPr lang="fr-FR"/>
               <a:t>Cliquez pour modifier les styles du texte du masque</a:t>
             </a:r>
           </a:p>
@@ -1587,7 +1578,7 @@
           <a:p>
             <a:fld id="{8CF0904D-930F-FD46-A326-BF7152BF9E0A}" type="datetimeFigureOut">
               <a:rPr lang="fr-FR" smtClean="0"/>
-              <a:t>30/01/2020</a:t>
+              <a:t>14/02/2020</a:t>
             </a:fld>
             <a:endParaRPr lang="fr-FR"/>
           </a:p>
@@ -1681,10 +1672,9 @@
           <a:lstStyle/>
           <a:p>
             <a:r>
-              <a:rPr lang="fr-FR" smtClean="0"/>
+              <a:rPr lang="fr-FR"/>
               <a:t>Cliquez et modifiez le titre</a:t>
             </a:r>
-            <a:endParaRPr lang="fr-FR"/>
           </a:p>
         </p:txBody>
       </p:sp>
@@ -1738,38 +1728,37 @@
           <a:p>
             <a:pPr lvl="0"/>
             <a:r>
-              <a:rPr lang="fr-FR" smtClean="0"/>
+              <a:rPr lang="fr-FR"/>
               <a:t>Cliquez pour modifier les styles du texte du masque</a:t>
             </a:r>
           </a:p>
           <a:p>
             <a:pPr lvl="1"/>
             <a:r>
-              <a:rPr lang="fr-FR" smtClean="0"/>
+              <a:rPr lang="fr-FR"/>
               <a:t>Deuxième niveau</a:t>
             </a:r>
           </a:p>
           <a:p>
             <a:pPr lvl="2"/>
             <a:r>
-              <a:rPr lang="fr-FR" smtClean="0"/>
+              <a:rPr lang="fr-FR"/>
               <a:t>Troisième niveau</a:t>
             </a:r>
           </a:p>
           <a:p>
             <a:pPr lvl="3"/>
             <a:r>
-              <a:rPr lang="fr-FR" smtClean="0"/>
+              <a:rPr lang="fr-FR"/>
               <a:t>Quatrième niveau</a:t>
             </a:r>
           </a:p>
           <a:p>
             <a:pPr lvl="4"/>
             <a:r>
-              <a:rPr lang="fr-FR" smtClean="0"/>
+              <a:rPr lang="fr-FR"/>
               <a:t>Cinquième niveau</a:t>
             </a:r>
-            <a:endParaRPr lang="fr-FR"/>
           </a:p>
         </p:txBody>
       </p:sp>
@@ -1823,38 +1812,37 @@
           <a:p>
             <a:pPr lvl="0"/>
             <a:r>
-              <a:rPr lang="fr-FR" smtClean="0"/>
+              <a:rPr lang="fr-FR"/>
               <a:t>Cliquez pour modifier les styles du texte du masque</a:t>
             </a:r>
           </a:p>
           <a:p>
             <a:pPr lvl="1"/>
             <a:r>
-              <a:rPr lang="fr-FR" smtClean="0"/>
+              <a:rPr lang="fr-FR"/>
               <a:t>Deuxième niveau</a:t>
             </a:r>
           </a:p>
           <a:p>
             <a:pPr lvl="2"/>
             <a:r>
-              <a:rPr lang="fr-FR" smtClean="0"/>
+              <a:rPr lang="fr-FR"/>
               <a:t>Troisième niveau</a:t>
             </a:r>
           </a:p>
           <a:p>
             <a:pPr lvl="3"/>
             <a:r>
-              <a:rPr lang="fr-FR" smtClean="0"/>
+              <a:rPr lang="fr-FR"/>
               <a:t>Quatrième niveau</a:t>
             </a:r>
           </a:p>
           <a:p>
             <a:pPr lvl="4"/>
             <a:r>
-              <a:rPr lang="fr-FR" smtClean="0"/>
+              <a:rPr lang="fr-FR"/>
               <a:t>Cinquième niveau</a:t>
             </a:r>
-            <a:endParaRPr lang="fr-FR"/>
           </a:p>
         </p:txBody>
       </p:sp>
@@ -1875,7 +1863,7 @@
           <a:p>
             <a:fld id="{8CF0904D-930F-FD46-A326-BF7152BF9E0A}" type="datetimeFigureOut">
               <a:rPr lang="fr-FR" smtClean="0"/>
-              <a:t>30/01/2020</a:t>
+              <a:t>14/02/2020</a:t>
             </a:fld>
             <a:endParaRPr lang="fr-FR"/>
           </a:p>
@@ -1978,10 +1966,9 @@
           </a:lstStyle>
           <a:p>
             <a:r>
-              <a:rPr lang="fr-FR" smtClean="0"/>
+              <a:rPr lang="fr-FR"/>
               <a:t>Cliquez et modifiez le titre</a:t>
             </a:r>
-            <a:endParaRPr lang="fr-FR"/>
           </a:p>
         </p:txBody>
       </p:sp>
@@ -2044,7 +2031,7 @@
           <a:p>
             <a:pPr lvl="0"/>
             <a:r>
-              <a:rPr lang="fr-FR" smtClean="0"/>
+              <a:rPr lang="fr-FR"/>
               <a:t>Cliquez pour modifier les styles du texte du masque</a:t>
             </a:r>
           </a:p>
@@ -2100,38 +2087,37 @@
           <a:p>
             <a:pPr lvl="0"/>
             <a:r>
-              <a:rPr lang="fr-FR" smtClean="0"/>
+              <a:rPr lang="fr-FR"/>
               <a:t>Cliquez pour modifier les styles du texte du masque</a:t>
             </a:r>
           </a:p>
           <a:p>
             <a:pPr lvl="1"/>
             <a:r>
-              <a:rPr lang="fr-FR" smtClean="0"/>
+              <a:rPr lang="fr-FR"/>
               <a:t>Deuxième niveau</a:t>
             </a:r>
           </a:p>
           <a:p>
             <a:pPr lvl="2"/>
             <a:r>
-              <a:rPr lang="fr-FR" smtClean="0"/>
+              <a:rPr lang="fr-FR"/>
               <a:t>Troisième niveau</a:t>
             </a:r>
           </a:p>
           <a:p>
             <a:pPr lvl="3"/>
             <a:r>
-              <a:rPr lang="fr-FR" smtClean="0"/>
+              <a:rPr lang="fr-FR"/>
               <a:t>Quatrième niveau</a:t>
             </a:r>
           </a:p>
           <a:p>
             <a:pPr lvl="4"/>
             <a:r>
-              <a:rPr lang="fr-FR" smtClean="0"/>
+              <a:rPr lang="fr-FR"/>
               <a:t>Cinquième niveau</a:t>
             </a:r>
-            <a:endParaRPr lang="fr-FR"/>
           </a:p>
         </p:txBody>
       </p:sp>
@@ -2194,7 +2180,7 @@
           <a:p>
             <a:pPr lvl="0"/>
             <a:r>
-              <a:rPr lang="fr-FR" smtClean="0"/>
+              <a:rPr lang="fr-FR"/>
               <a:t>Cliquez pour modifier les styles du texte du masque</a:t>
             </a:r>
           </a:p>
@@ -2250,38 +2236,37 @@
           <a:p>
             <a:pPr lvl="0"/>
             <a:r>
-              <a:rPr lang="fr-FR" smtClean="0"/>
+              <a:rPr lang="fr-FR"/>
               <a:t>Cliquez pour modifier les styles du texte du masque</a:t>
             </a:r>
           </a:p>
           <a:p>
             <a:pPr lvl="1"/>
             <a:r>
-              <a:rPr lang="fr-FR" smtClean="0"/>
+              <a:rPr lang="fr-FR"/>
               <a:t>Deuxième niveau</a:t>
             </a:r>
           </a:p>
           <a:p>
             <a:pPr lvl="2"/>
             <a:r>
-              <a:rPr lang="fr-FR" smtClean="0"/>
+              <a:rPr lang="fr-FR"/>
               <a:t>Troisième niveau</a:t>
             </a:r>
           </a:p>
           <a:p>
             <a:pPr lvl="3"/>
             <a:r>
-              <a:rPr lang="fr-FR" smtClean="0"/>
+              <a:rPr lang="fr-FR"/>
               <a:t>Quatrième niveau</a:t>
             </a:r>
           </a:p>
           <a:p>
             <a:pPr lvl="4"/>
             <a:r>
-              <a:rPr lang="fr-FR" smtClean="0"/>
+              <a:rPr lang="fr-FR"/>
               <a:t>Cinquième niveau</a:t>
             </a:r>
-            <a:endParaRPr lang="fr-FR"/>
           </a:p>
         </p:txBody>
       </p:sp>
@@ -2302,7 +2287,7 @@
           <a:p>
             <a:fld id="{8CF0904D-930F-FD46-A326-BF7152BF9E0A}" type="datetimeFigureOut">
               <a:rPr lang="fr-FR" smtClean="0"/>
-              <a:t>30/01/2020</a:t>
+              <a:t>14/02/2020</a:t>
             </a:fld>
             <a:endParaRPr lang="fr-FR"/>
           </a:p>
@@ -2396,10 +2381,9 @@
           <a:lstStyle/>
           <a:p>
             <a:r>
-              <a:rPr lang="fr-FR" smtClean="0"/>
+              <a:rPr lang="fr-FR"/>
               <a:t>Cliquez et modifiez le titre</a:t>
             </a:r>
-            <a:endParaRPr lang="fr-FR"/>
           </a:p>
         </p:txBody>
       </p:sp>
@@ -2420,7 +2404,7 @@
           <a:p>
             <a:fld id="{8CF0904D-930F-FD46-A326-BF7152BF9E0A}" type="datetimeFigureOut">
               <a:rPr lang="fr-FR" smtClean="0"/>
-              <a:t>30/01/2020</a:t>
+              <a:t>14/02/2020</a:t>
             </a:fld>
             <a:endParaRPr lang="fr-FR"/>
           </a:p>
@@ -2515,7 +2499,7 @@
           <a:p>
             <a:fld id="{8CF0904D-930F-FD46-A326-BF7152BF9E0A}" type="datetimeFigureOut">
               <a:rPr lang="fr-FR" smtClean="0"/>
-              <a:t>30/01/2020</a:t>
+              <a:t>14/02/2020</a:t>
             </a:fld>
             <a:endParaRPr lang="fr-FR"/>
           </a:p>
@@ -2618,10 +2602,9 @@
           </a:lstStyle>
           <a:p>
             <a:r>
-              <a:rPr lang="fr-FR" smtClean="0"/>
+              <a:rPr lang="fr-FR"/>
               <a:t>Cliquez et modifiez le titre</a:t>
             </a:r>
-            <a:endParaRPr lang="fr-FR"/>
           </a:p>
         </p:txBody>
       </p:sp>
@@ -2675,38 +2658,37 @@
           <a:p>
             <a:pPr lvl="0"/>
             <a:r>
-              <a:rPr lang="fr-FR" smtClean="0"/>
+              <a:rPr lang="fr-FR"/>
               <a:t>Cliquez pour modifier les styles du texte du masque</a:t>
             </a:r>
           </a:p>
           <a:p>
             <a:pPr lvl="1"/>
             <a:r>
-              <a:rPr lang="fr-FR" smtClean="0"/>
+              <a:rPr lang="fr-FR"/>
               <a:t>Deuxième niveau</a:t>
             </a:r>
           </a:p>
           <a:p>
             <a:pPr lvl="2"/>
             <a:r>
-              <a:rPr lang="fr-FR" smtClean="0"/>
+              <a:rPr lang="fr-FR"/>
               <a:t>Troisième niveau</a:t>
             </a:r>
           </a:p>
           <a:p>
             <a:pPr lvl="3"/>
             <a:r>
-              <a:rPr lang="fr-FR" smtClean="0"/>
+              <a:rPr lang="fr-FR"/>
               <a:t>Quatrième niveau</a:t>
             </a:r>
           </a:p>
           <a:p>
             <a:pPr lvl="4"/>
             <a:r>
-              <a:rPr lang="fr-FR" smtClean="0"/>
+              <a:rPr lang="fr-FR"/>
               <a:t>Cinquième niveau</a:t>
             </a:r>
-            <a:endParaRPr lang="fr-FR"/>
           </a:p>
         </p:txBody>
       </p:sp>
@@ -2769,7 +2751,7 @@
           <a:p>
             <a:pPr lvl="0"/>
             <a:r>
-              <a:rPr lang="fr-FR" smtClean="0"/>
+              <a:rPr lang="fr-FR"/>
               <a:t>Cliquez pour modifier les styles du texte du masque</a:t>
             </a:r>
           </a:p>
@@ -2792,7 +2774,7 @@
           <a:p>
             <a:fld id="{8CF0904D-930F-FD46-A326-BF7152BF9E0A}" type="datetimeFigureOut">
               <a:rPr lang="fr-FR" smtClean="0"/>
-              <a:t>30/01/2020</a:t>
+              <a:t>14/02/2020</a:t>
             </a:fld>
             <a:endParaRPr lang="fr-FR"/>
           </a:p>
@@ -2895,10 +2877,9 @@
           </a:lstStyle>
           <a:p>
             <a:r>
-              <a:rPr lang="fr-FR" smtClean="0"/>
+              <a:rPr lang="fr-FR"/>
               <a:t>Cliquez et modifiez le titre</a:t>
             </a:r>
-            <a:endParaRPr lang="fr-FR"/>
           </a:p>
         </p:txBody>
       </p:sp>
@@ -3022,7 +3003,7 @@
           <a:p>
             <a:pPr lvl="0"/>
             <a:r>
-              <a:rPr lang="fr-FR" smtClean="0"/>
+              <a:rPr lang="fr-FR"/>
               <a:t>Cliquez pour modifier les styles du texte du masque</a:t>
             </a:r>
           </a:p>
@@ -3045,7 +3026,7 @@
           <a:p>
             <a:fld id="{8CF0904D-930F-FD46-A326-BF7152BF9E0A}" type="datetimeFigureOut">
               <a:rPr lang="fr-FR" smtClean="0"/>
-              <a:t>30/01/2020</a:t>
+              <a:t>14/02/2020</a:t>
             </a:fld>
             <a:endParaRPr lang="fr-FR"/>
           </a:p>
@@ -3154,10 +3135,9 @@
           <a:lstStyle/>
           <a:p>
             <a:r>
-              <a:rPr lang="fr-FR" smtClean="0"/>
+              <a:rPr lang="fr-FR"/>
               <a:t>Cliquez et modifiez le titre</a:t>
             </a:r>
-            <a:endParaRPr lang="fr-FR"/>
           </a:p>
         </p:txBody>
       </p:sp>
@@ -3188,38 +3168,37 @@
           <a:p>
             <a:pPr lvl="0"/>
             <a:r>
-              <a:rPr lang="fr-FR" smtClean="0"/>
+              <a:rPr lang="fr-FR"/>
               <a:t>Cliquez pour modifier les styles du texte du masque</a:t>
             </a:r>
           </a:p>
           <a:p>
             <a:pPr lvl="1"/>
             <a:r>
-              <a:rPr lang="fr-FR" smtClean="0"/>
+              <a:rPr lang="fr-FR"/>
               <a:t>Deuxième niveau</a:t>
             </a:r>
           </a:p>
           <a:p>
             <a:pPr lvl="2"/>
             <a:r>
-              <a:rPr lang="fr-FR" smtClean="0"/>
+              <a:rPr lang="fr-FR"/>
               <a:t>Troisième niveau</a:t>
             </a:r>
           </a:p>
           <a:p>
             <a:pPr lvl="3"/>
             <a:r>
-              <a:rPr lang="fr-FR" smtClean="0"/>
+              <a:rPr lang="fr-FR"/>
               <a:t>Quatrième niveau</a:t>
             </a:r>
           </a:p>
           <a:p>
             <a:pPr lvl="4"/>
             <a:r>
-              <a:rPr lang="fr-FR" smtClean="0"/>
+              <a:rPr lang="fr-FR"/>
               <a:t>Cinquième niveau</a:t>
             </a:r>
-            <a:endParaRPr lang="fr-FR"/>
           </a:p>
         </p:txBody>
       </p:sp>
@@ -3258,7 +3237,7 @@
           <a:p>
             <a:fld id="{8CF0904D-930F-FD46-A326-BF7152BF9E0A}" type="datetimeFigureOut">
               <a:rPr lang="fr-FR" smtClean="0"/>
-              <a:t>30/01/2020</a:t>
+              <a:t>14/02/2020</a:t>
             </a:fld>
             <a:endParaRPr lang="fr-FR"/>
           </a:p>
@@ -3840,18 +3819,13 @@
           <a:lstStyle/>
           <a:p>
             <a:r>
-              <a:rPr lang="en-US" sz="2800" b="1" dirty="0" smtClean="0">
+              <a:rPr lang="en-US" sz="2800" b="1" dirty="0">
                 <a:solidFill>
                   <a:schemeClr val="bg1"/>
                 </a:solidFill>
               </a:rPr>
               <a:t>Frédéric FROMAGER</a:t>
             </a:r>
-            <a:endParaRPr lang="en-US" sz="2800" b="1" dirty="0">
-              <a:solidFill>
-                <a:schemeClr val="bg1"/>
-              </a:solidFill>
-            </a:endParaRPr>
           </a:p>
         </p:txBody>
       </p:sp>
@@ -3883,20 +3857,12 @@
                   <a:schemeClr val="bg1"/>
                 </a:solidFill>
               </a:rPr>
-              <a:t>ARCHITECTE /CHEF DE PROJETS </a:t>
+              <a:t>ARCHITECTE /CHEF DE PROJETS APPLICATION</a:t>
             </a:r>
+          </a:p>
+          <a:p>
             <a:r>
-              <a:rPr lang="fr-FR" sz="1600" b="1" dirty="0" smtClean="0">
-                <a:solidFill>
-                  <a:schemeClr val="bg1"/>
-                </a:solidFill>
-              </a:rPr>
-              <a:t>APPLICATION</a:t>
-            </a:r>
-          </a:p>
-          <a:p>
-            <a:r>
-              <a:rPr lang="fr-FR" sz="1200" dirty="0" smtClean="0">
+              <a:rPr lang="fr-FR" sz="1200" dirty="0">
                 <a:solidFill>
                   <a:schemeClr val="bg1"/>
                 </a:solidFill>
@@ -3904,7 +3870,7 @@
               <a:t>Conduite de projets R&amp;D, Anglais courant</a:t>
             </a:r>
             <a:r>
-              <a:rPr lang="fr-FR" sz="1600" b="1" dirty="0" smtClean="0">
+              <a:rPr lang="fr-FR" sz="1600" b="1" dirty="0">
                 <a:solidFill>
                   <a:schemeClr val="bg1"/>
                 </a:solidFill>
@@ -4155,11 +4121,11 @@
           <a:p>
             <a:pPr marL="711200"/>
             <a:r>
-              <a:rPr lang="en-US" sz="1400" b="1" dirty="0" smtClean="0"/>
+              <a:rPr lang="en-US" sz="1400" b="1" dirty="0"/>
               <a:t>Savoir-</a:t>
             </a:r>
             <a:r>
-              <a:rPr lang="en-US" sz="1400" b="1" dirty="0" err="1" smtClean="0"/>
+              <a:rPr lang="en-US" sz="1400" b="1" dirty="0" err="1"/>
               <a:t>être</a:t>
             </a:r>
             <a:endParaRPr lang="en-US" sz="1400" b="1" dirty="0"/>
@@ -4232,7 +4198,13 @@
                 <a:tableStyleId>{2D5ABB26-0587-4C30-8999-92F81FD0307C}</a:tableStyleId>
               </a:tblPr>
               <a:tblGrid>
-                <a:gridCol w="1958340"/>
+                <a:gridCol w="1958340">
+                  <a:extLst>
+                    <a:ext uri="{9D8B030D-6E8A-4147-A177-3AD203B41FA5}">
+                      <a16:colId xmlns:a16="http://schemas.microsoft.com/office/drawing/2014/main" val="20000"/>
+                    </a:ext>
+                  </a:extLst>
+                </a:gridCol>
               </a:tblGrid>
               <a:tr h="273600">
                 <a:tc>
@@ -4249,7 +4221,7 @@
                         <a:tabLst/>
                       </a:pPr>
                       <a:r>
-                        <a:rPr lang="fr-FR" sz="1100" b="1" i="0" noProof="0" dirty="0" smtClean="0">
+                        <a:rPr lang="fr-FR" sz="1100" b="1" i="0" noProof="0" dirty="0">
                           <a:solidFill>
                             <a:srgbClr val="58585A"/>
                           </a:solidFill>
@@ -4259,18 +4231,15 @@
                         </a:rPr>
                         <a:t>+33 7 82 63 53 28</a:t>
                       </a:r>
-                      <a:endParaRPr lang="fr-FR" sz="1100" b="1" i="0" noProof="0" dirty="0">
-                        <a:solidFill>
-                          <a:srgbClr val="58585A"/>
-                        </a:solidFill>
-                        <a:latin typeface="+mn-lt"/>
-                        <a:ea typeface="Times New Roman" charset="0"/>
-                        <a:cs typeface="Times New Roman" charset="0"/>
-                      </a:endParaRPr>
                     </a:p>
                   </a:txBody>
                   <a:tcPr anchor="ctr"/>
                 </a:tc>
+                <a:extLst>
+                  <a:ext uri="{0D108BD9-81ED-4DB2-BD59-A6C34878D82A}">
+                    <a16:rowId xmlns:a16="http://schemas.microsoft.com/office/drawing/2014/main" val="10000"/>
+                  </a:ext>
+                </a:extLst>
               </a:tr>
               <a:tr h="273600">
                 <a:tc>
@@ -4287,7 +4256,7 @@
                         <a:tabLst/>
                       </a:pPr>
                       <a:r>
-                        <a:rPr lang="fr-FR" sz="1100" b="1" i="0" noProof="0" dirty="0" smtClean="0">
+                        <a:rPr lang="fr-FR" sz="1100" b="1" i="0" noProof="0" dirty="0">
                           <a:solidFill>
                             <a:srgbClr val="58585A"/>
                           </a:solidFill>
@@ -4297,18 +4266,15 @@
                         </a:rPr>
                         <a:t>fred.fromager@gmail.com</a:t>
                       </a:r>
-                      <a:endParaRPr lang="fr-FR" sz="1100" b="1" i="0" noProof="0" dirty="0">
-                        <a:solidFill>
-                          <a:srgbClr val="58585A"/>
-                        </a:solidFill>
-                        <a:latin typeface="+mn-lt"/>
-                        <a:ea typeface="Times New Roman" charset="0"/>
-                        <a:cs typeface="Times New Roman" charset="0"/>
-                      </a:endParaRPr>
                     </a:p>
                   </a:txBody>
                   <a:tcPr anchor="ctr"/>
                 </a:tc>
+                <a:extLst>
+                  <a:ext uri="{0D108BD9-81ED-4DB2-BD59-A6C34878D82A}">
+                    <a16:rowId xmlns:a16="http://schemas.microsoft.com/office/drawing/2014/main" val="10001"/>
+                  </a:ext>
+                </a:extLst>
               </a:tr>
               <a:tr h="273600">
                 <a:tc>
@@ -4325,7 +4291,7 @@
                         <a:tabLst/>
                       </a:pPr>
                       <a:r>
-                        <a:rPr lang="fr-FR" sz="1100" b="1" i="0" noProof="0" dirty="0" smtClean="0">
+                        <a:rPr lang="fr-FR" sz="1100" b="1" i="0" noProof="0" dirty="0">
                           <a:solidFill>
                             <a:srgbClr val="58585A"/>
                           </a:solidFill>
@@ -4336,7 +4302,7 @@
                         <a:t>71 place de la Cluse</a:t>
                       </a:r>
                       <a:r>
-                        <a:rPr lang="fr-FR" sz="1100" b="1" i="0" baseline="0" noProof="0" dirty="0" smtClean="0">
+                        <a:rPr lang="fr-FR" sz="1100" b="1" i="0" baseline="0" noProof="0" dirty="0">
                           <a:solidFill>
                             <a:srgbClr val="58585A"/>
                           </a:solidFill>
@@ -4358,6 +4324,11 @@
                   </a:txBody>
                   <a:tcPr anchor="ctr"/>
                 </a:tc>
+                <a:extLst>
+                  <a:ext uri="{0D108BD9-81ED-4DB2-BD59-A6C34878D82A}">
+                    <a16:rowId xmlns:a16="http://schemas.microsoft.com/office/drawing/2014/main" val="10002"/>
+                  </a:ext>
+                </a:extLst>
               </a:tr>
             </a:tbl>
           </a:graphicData>
@@ -4424,8 +4395,20 @@
                 <a:tableStyleId>{5940675A-B579-460E-94D1-54222C63F5DA}</a:tableStyleId>
               </a:tblPr>
               <a:tblGrid>
-                <a:gridCol w="974089"/>
-                <a:gridCol w="4676775"/>
+                <a:gridCol w="974089">
+                  <a:extLst>
+                    <a:ext uri="{9D8B030D-6E8A-4147-A177-3AD203B41FA5}">
+                      <a16:colId xmlns:a16="http://schemas.microsoft.com/office/drawing/2014/main" val="20000"/>
+                    </a:ext>
+                  </a:extLst>
+                </a:gridCol>
+                <a:gridCol w="4676775">
+                  <a:extLst>
+                    <a:ext uri="{9D8B030D-6E8A-4147-A177-3AD203B41FA5}">
+                      <a16:colId xmlns:a16="http://schemas.microsoft.com/office/drawing/2014/main" val="20001"/>
+                    </a:ext>
+                  </a:extLst>
+                </a:gridCol>
               </a:tblGrid>
               <a:tr h="3746111">
                 <a:tc>
@@ -4450,7 +4433,7 @@
                         <a:tabLst/>
                         <a:defRPr/>
                       </a:pPr>
-                      <a:endParaRPr lang="fr-FR" sz="1200" b="1" i="0" dirty="0" smtClean="0">
+                      <a:endParaRPr lang="fr-FR" sz="1200" b="1" i="0" dirty="0">
                         <a:solidFill>
                           <a:srgbClr val="58585A"/>
                         </a:solidFill>
@@ -4508,7 +4491,7 @@
                         </a:spcAft>
                       </a:pPr>
                       <a:r>
-                        <a:rPr lang="fr-FR" sz="1200" b="1" kern="1200" cap="small" dirty="0" smtClean="0">
+                        <a:rPr lang="fr-FR" sz="1200" b="1" kern="1200" cap="small" dirty="0">
                           <a:solidFill>
                             <a:srgbClr val="4F81BD"/>
                           </a:solidFill>
@@ -4520,7 +4503,7 @@
                         <a:t>Industrialisation de </a:t>
                       </a:r>
                       <a:r>
-                        <a:rPr lang="fr-FR" sz="1200" b="1" kern="1200" cap="small" dirty="0" err="1" smtClean="0">
+                        <a:rPr lang="fr-FR" sz="1200" b="1" kern="1200" cap="small" dirty="0" err="1">
                           <a:solidFill>
                             <a:srgbClr val="4F81BD"/>
                           </a:solidFill>
@@ -4532,7 +4515,7 @@
                         <a:t>process</a:t>
                       </a:r>
                       <a:r>
-                        <a:rPr lang="fr-FR" sz="1200" b="1" cap="small" dirty="0" smtClean="0">
+                        <a:rPr lang="fr-FR" sz="1200" b="1" cap="small" dirty="0">
                           <a:solidFill>
                             <a:schemeClr val="tx1"/>
                           </a:solidFill>
@@ -4544,7 +4527,7 @@
                         <a:t> </a:t>
                       </a:r>
                       <a:r>
-                        <a:rPr lang="fr-FR" sz="1050" b="1" cap="small" dirty="0" smtClean="0">
+                        <a:rPr lang="fr-FR" sz="1050" b="1" cap="small" dirty="0">
                           <a:solidFill>
                             <a:schemeClr val="tx1"/>
                           </a:solidFill>
@@ -4556,7 +4539,7 @@
                         <a:t>:</a:t>
                       </a:r>
                       <a:r>
-                        <a:rPr lang="fr-FR" sz="1050" dirty="0" smtClean="0">
+                        <a:rPr lang="fr-FR" sz="1050" dirty="0">
                           <a:solidFill>
                             <a:schemeClr val="tx1"/>
                           </a:solidFill>
@@ -4568,7 +4551,7 @@
                         <a:t> </a:t>
                       </a:r>
                       <a:r>
-                        <a:rPr lang="fr-FR" sz="1100" dirty="0" smtClean="0">
+                        <a:rPr lang="fr-FR" sz="1100" dirty="0">
                           <a:solidFill>
                             <a:schemeClr val="tx1"/>
                           </a:solidFill>
@@ -4580,7 +4563,7 @@
                         <a:t>automatisation du processus d’installation du logiciel </a:t>
                       </a:r>
                       <a:r>
-                        <a:rPr lang="fr-FR" sz="1100" dirty="0" err="1" smtClean="0">
+                        <a:rPr lang="fr-FR" sz="1100" dirty="0" err="1">
                           <a:solidFill>
                             <a:schemeClr val="tx1"/>
                           </a:solidFill>
@@ -4592,7 +4575,7 @@
                         <a:t>Graphtalk</a:t>
                       </a:r>
                       <a:r>
-                        <a:rPr lang="fr-FR" sz="1100" dirty="0" smtClean="0">
+                        <a:rPr lang="fr-FR" sz="1100" dirty="0">
                           <a:solidFill>
                             <a:schemeClr val="tx1"/>
                           </a:solidFill>
@@ -4604,7 +4587,7 @@
                         <a:t> AIA de DXC, et des composants de la plateforme d’</a:t>
                       </a:r>
                       <a:r>
-                        <a:rPr lang="fr-FR" sz="1100" dirty="0" err="1" smtClean="0">
+                        <a:rPr lang="fr-FR" sz="1100" dirty="0" err="1">
                           <a:solidFill>
                             <a:schemeClr val="tx1"/>
                           </a:solidFill>
@@ -4616,7 +4599,7 @@
                         <a:t>Iot</a:t>
                       </a:r>
                       <a:r>
-                        <a:rPr lang="fr-FR" sz="1100" dirty="0" smtClean="0">
+                        <a:rPr lang="fr-FR" sz="1100" dirty="0">
                           <a:solidFill>
                             <a:schemeClr val="tx1"/>
                           </a:solidFill>
@@ -4628,7 +4611,7 @@
                         <a:t> DSP chez Schneider. Intégration Continue, sécurisation des données à l’aide de Docker, Jenkins, Azure </a:t>
                       </a:r>
                       <a:r>
-                        <a:rPr lang="fr-FR" sz="1100" dirty="0" err="1" smtClean="0">
+                        <a:rPr lang="fr-FR" sz="1100" dirty="0" err="1">
                           <a:solidFill>
                             <a:schemeClr val="tx1"/>
                           </a:solidFill>
@@ -4640,7 +4623,7 @@
                         <a:t>DevOps</a:t>
                       </a:r>
                       <a:r>
-                        <a:rPr lang="fr-FR" sz="1100" dirty="0" smtClean="0">
+                        <a:rPr lang="fr-FR" sz="1100" dirty="0">
                           <a:solidFill>
                             <a:schemeClr val="tx1"/>
                           </a:solidFill>
@@ -4651,7 +4634,7 @@
                         </a:rPr>
                         <a:t> et des outils DEVOPS.  </a:t>
                       </a:r>
-                      <a:endParaRPr lang="fr-FR" sz="1100" dirty="0" smtClean="0">
+                      <a:endParaRPr lang="fr-FR" sz="1100" dirty="0">
                         <a:solidFill>
                           <a:schemeClr val="tx1"/>
                         </a:solidFill>
@@ -4674,7 +4657,7 @@
                         </a:spcAft>
                       </a:pPr>
                       <a:r>
-                        <a:rPr lang="fr-FR" sz="1200" b="1" kern="1200" cap="small" dirty="0" err="1" smtClean="0">
+                        <a:rPr lang="fr-FR" sz="1200" b="1" kern="1200" cap="small" dirty="0" err="1">
                           <a:solidFill>
                             <a:srgbClr val="4F81BD"/>
                           </a:solidFill>
@@ -4686,7 +4669,7 @@
                         <a:t>DevOps</a:t>
                       </a:r>
                       <a:r>
-                        <a:rPr lang="fr-FR" sz="1050" dirty="0" smtClean="0">
+                        <a:rPr lang="fr-FR" sz="1050" dirty="0">
                           <a:solidFill>
                             <a:schemeClr val="tx1"/>
                           </a:solidFill>
@@ -4698,7 +4681,7 @@
                         <a:t> : </a:t>
                       </a:r>
                       <a:r>
-                        <a:rPr lang="fr-FR" sz="1100" kern="1200" dirty="0" smtClean="0">
+                        <a:rPr lang="fr-FR" sz="1100" kern="1200" dirty="0">
                           <a:solidFill>
                             <a:schemeClr val="tx1"/>
                           </a:solidFill>
@@ -4707,29 +4690,8 @@
                           <a:ea typeface="Cambria" panose="02040503050406030204" pitchFamily="18" charset="0"/>
                           <a:cs typeface="Calibri" panose="020F0502020204030204" pitchFamily="34" charset="0"/>
                         </a:rPr>
-                        <a:t>mise en production, intégration continue, tests</a:t>
-                      </a:r>
-                      <a:r>
-                        <a:rPr lang="fr-FR" sz="1100" kern="1200" dirty="0" smtClean="0">
-                          <a:solidFill>
-                            <a:schemeClr val="tx1"/>
-                          </a:solidFill>
-                          <a:effectLst/>
-                          <a:latin typeface="+mj-lt"/>
-                          <a:ea typeface="Cambria" panose="02040503050406030204" pitchFamily="18" charset="0"/>
-                          <a:cs typeface="Calibri" panose="020F0502020204030204" pitchFamily="34" charset="0"/>
-                        </a:rPr>
-                        <a:t>.</a:t>
-                      </a:r>
-                      <a:endParaRPr lang="fr-FR" sz="1100" kern="1200" dirty="0" smtClean="0">
-                        <a:solidFill>
-                          <a:schemeClr val="tx1"/>
-                        </a:solidFill>
-                        <a:effectLst/>
-                        <a:latin typeface="+mj-lt"/>
-                        <a:ea typeface="Cambria" panose="02040503050406030204" pitchFamily="18" charset="0"/>
-                        <a:cs typeface="Calibri" panose="020F0502020204030204" pitchFamily="34" charset="0"/>
-                      </a:endParaRPr>
+                        <a:t>mise en production, intégration continue, tests.</a:t>
+                      </a:r>
                     </a:p>
                     <a:p>
                       <a:pPr algn="just">
@@ -4744,7 +4706,7 @@
                         </a:spcAft>
                       </a:pPr>
                       <a:r>
-                        <a:rPr lang="fr-FR" sz="1200" b="1" kern="1200" cap="small" dirty="0" smtClean="0">
+                        <a:rPr lang="fr-FR" sz="1200" b="1" kern="1200" cap="small" dirty="0">
                           <a:solidFill>
                             <a:srgbClr val="4F81BD"/>
                           </a:solidFill>
@@ -4756,7 +4718,7 @@
                         <a:t>Management Technique</a:t>
                       </a:r>
                       <a:r>
-                        <a:rPr lang="fr-FR" sz="1050" dirty="0" smtClean="0">
+                        <a:rPr lang="fr-FR" sz="1050" dirty="0">
                           <a:solidFill>
                             <a:schemeClr val="tx1"/>
                           </a:solidFill>
@@ -4768,7 +4730,7 @@
                         <a:t> : </a:t>
                       </a:r>
                       <a:r>
-                        <a:rPr lang="fr-FR" sz="1100" kern="1200" dirty="0" smtClean="0">
+                        <a:rPr lang="fr-FR" sz="1100" kern="1200" dirty="0">
                           <a:solidFill>
                             <a:schemeClr val="tx1"/>
                           </a:solidFill>
@@ -4777,10 +4739,10 @@
                           <a:ea typeface="Cambria" panose="02040503050406030204" pitchFamily="18" charset="0"/>
                           <a:cs typeface="Calibri" panose="020F0502020204030204" pitchFamily="34" charset="0"/>
                         </a:rPr>
-                        <a:t>Chef </a:t>
-                      </a:r>
-                      <a:r>
-                        <a:rPr lang="fr-FR" sz="1100" kern="1200" dirty="0" smtClean="0">
+                        <a:t>Chef de projets R&amp;D organisation, gestion des moyens et suivi des développements informatiques, optimisation du résultat ; Management Agile utilisation du protocole </a:t>
+                      </a:r>
+                      <a:r>
+                        <a:rPr lang="fr-FR" sz="1100" kern="1200" dirty="0" err="1">
                           <a:solidFill>
                             <a:schemeClr val="tx1"/>
                           </a:solidFill>
@@ -4789,10 +4751,10 @@
                           <a:ea typeface="Cambria" panose="02040503050406030204" pitchFamily="18" charset="0"/>
                           <a:cs typeface="Calibri" panose="020F0502020204030204" pitchFamily="34" charset="0"/>
                         </a:rPr>
-                        <a:t>de projets R&amp;D organisation, gestion des moyens et suivi des développements informatiques, optimisation du résultat ; Management Agile utilisation du protocole </a:t>
-                      </a:r>
-                      <a:r>
-                        <a:rPr lang="fr-FR" sz="1100" kern="1200" dirty="0" err="1" smtClean="0">
+                        <a:t>Scrum</a:t>
+                      </a:r>
+                      <a:r>
+                        <a:rPr lang="fr-FR" sz="1100" kern="1200" dirty="0">
                           <a:solidFill>
                             <a:schemeClr val="tx1"/>
                           </a:solidFill>
@@ -4801,41 +4763,8 @@
                           <a:ea typeface="Cambria" panose="02040503050406030204" pitchFamily="18" charset="0"/>
                           <a:cs typeface="Calibri" panose="020F0502020204030204" pitchFamily="34" charset="0"/>
                         </a:rPr>
-                        <a:t>Scrum</a:t>
-                      </a:r>
-                      <a:r>
-                        <a:rPr lang="fr-FR" sz="1100" kern="1200" dirty="0" smtClean="0">
-                          <a:solidFill>
-                            <a:schemeClr val="tx1"/>
-                          </a:solidFill>
-                          <a:effectLst/>
-                          <a:latin typeface="+mj-lt"/>
-                          <a:ea typeface="Cambria" panose="02040503050406030204" pitchFamily="18" charset="0"/>
-                          <a:cs typeface="Calibri" panose="020F0502020204030204" pitchFamily="34" charset="0"/>
-                        </a:rPr>
-                        <a:t> : un suivi régulier afin d’anticiper les problèmes à résoudre et les améliorations à apporter</a:t>
-                      </a:r>
-                      <a:r>
-                        <a:rPr lang="fr-FR" sz="1100" kern="1200" dirty="0" smtClean="0">
-                          <a:solidFill>
-                            <a:schemeClr val="tx1"/>
-                          </a:solidFill>
-                          <a:effectLst/>
-                          <a:latin typeface="+mj-lt"/>
-                          <a:ea typeface="Cambria" panose="02040503050406030204" pitchFamily="18" charset="0"/>
-                          <a:cs typeface="Calibri" panose="020F0502020204030204" pitchFamily="34" charset="0"/>
-                        </a:rPr>
-                        <a:t>.</a:t>
-                      </a:r>
-                      <a:endParaRPr lang="fr-FR" sz="1100" kern="1200" dirty="0" smtClean="0">
-                        <a:solidFill>
-                          <a:schemeClr val="tx1"/>
-                        </a:solidFill>
-                        <a:effectLst/>
-                        <a:latin typeface="+mj-lt"/>
-                        <a:ea typeface="Cambria" panose="02040503050406030204" pitchFamily="18" charset="0"/>
-                        <a:cs typeface="Calibri" panose="020F0502020204030204" pitchFamily="34" charset="0"/>
-                      </a:endParaRPr>
+                        <a:t> : un suivi régulier afin d’anticiper les problèmes à résoudre et les améliorations à apporter.</a:t>
+                      </a:r>
                     </a:p>
                     <a:p>
                       <a:pPr algn="just">
@@ -4850,7 +4779,7 @@
                         </a:spcAft>
                       </a:pPr>
                       <a:r>
-                        <a:rPr lang="fr-FR" sz="1200" b="1" kern="1200" cap="small" dirty="0" smtClean="0">
+                        <a:rPr lang="fr-FR" sz="1200" b="1" kern="1200" cap="small" dirty="0">
                           <a:solidFill>
                             <a:srgbClr val="4F81BD"/>
                           </a:solidFill>
@@ -4862,7 +4791,7 @@
                         <a:t>Certification cloud</a:t>
                       </a:r>
                       <a:r>
-                        <a:rPr lang="fr-FR" sz="1200" b="1" cap="small" dirty="0" smtClean="0">
+                        <a:rPr lang="fr-FR" sz="1200" b="1" cap="small" dirty="0">
                           <a:solidFill>
                             <a:schemeClr val="tx1"/>
                           </a:solidFill>
@@ -4874,7 +4803,7 @@
                         <a:t> </a:t>
                       </a:r>
                       <a:r>
-                        <a:rPr lang="fr-FR" sz="1050" b="1" cap="small" dirty="0" smtClean="0">
+                        <a:rPr lang="fr-FR" sz="1050" b="1" cap="small" dirty="0">
                           <a:solidFill>
                             <a:schemeClr val="tx1"/>
                           </a:solidFill>
@@ -4886,7 +4815,7 @@
                         <a:t>:</a:t>
                       </a:r>
                       <a:r>
-                        <a:rPr lang="fr-FR" sz="1050" dirty="0" smtClean="0">
+                        <a:rPr lang="fr-FR" sz="1050" dirty="0">
                           <a:solidFill>
                             <a:schemeClr val="tx1"/>
                           </a:solidFill>
@@ -4898,7 +4827,7 @@
                         <a:t> </a:t>
                       </a:r>
                       <a:r>
-                        <a:rPr lang="fr-FR" sz="1100" kern="1200" dirty="0" smtClean="0">
+                        <a:rPr lang="fr-FR" sz="1100" kern="1200" dirty="0">
                           <a:solidFill>
                             <a:schemeClr val="tx1"/>
                           </a:solidFill>
@@ -4910,7 +4839,7 @@
                         <a:t>AWS Business Professional </a:t>
                       </a:r>
                       <a:r>
-                        <a:rPr lang="fr-FR" sz="1100" kern="1200" dirty="0" err="1" smtClean="0">
+                        <a:rPr lang="fr-FR" sz="1100" kern="1200" dirty="0" err="1">
                           <a:solidFill>
                             <a:schemeClr val="tx1"/>
                           </a:solidFill>
@@ -4922,7 +4851,7 @@
                         <a:t>Accreditation</a:t>
                       </a:r>
                       <a:r>
-                        <a:rPr lang="fr-FR" sz="1100" kern="1200" dirty="0" smtClean="0">
+                        <a:rPr lang="fr-FR" sz="1100" kern="1200" dirty="0">
                           <a:solidFill>
                             <a:schemeClr val="tx1"/>
                           </a:solidFill>
@@ -4934,7 +4863,7 @@
                         <a:t>, AWS </a:t>
                       </a:r>
                       <a:r>
-                        <a:rPr lang="fr-FR" sz="1100" kern="1200" dirty="0" err="1" smtClean="0">
+                        <a:rPr lang="fr-FR" sz="1100" kern="1200" dirty="0" err="1">
                           <a:solidFill>
                             <a:schemeClr val="tx1"/>
                           </a:solidFill>
@@ -4946,7 +4875,7 @@
                         <a:t>Technical</a:t>
                       </a:r>
                       <a:r>
-                        <a:rPr lang="fr-FR" sz="1100" kern="1200" dirty="0" smtClean="0">
+                        <a:rPr lang="fr-FR" sz="1100" kern="1200" dirty="0">
                           <a:solidFill>
                             <a:schemeClr val="tx1"/>
                           </a:solidFill>
@@ -4958,7 +4887,7 @@
                         <a:t> Professional </a:t>
                       </a:r>
                       <a:r>
-                        <a:rPr lang="fr-FR" sz="1100" kern="1200" dirty="0" err="1" smtClean="0">
+                        <a:rPr lang="fr-FR" sz="1100" kern="1200" dirty="0" err="1">
                           <a:solidFill>
                             <a:schemeClr val="tx1"/>
                           </a:solidFill>
@@ -4970,7 +4899,7 @@
                         <a:t>Accreditation</a:t>
                       </a:r>
                       <a:r>
-                        <a:rPr lang="fr-FR" sz="1100" kern="1200" dirty="0" smtClean="0">
+                        <a:rPr lang="fr-FR" sz="1100" kern="1200" dirty="0">
                           <a:solidFill>
                             <a:schemeClr val="tx1"/>
                           </a:solidFill>
@@ -4995,7 +4924,7 @@
                         </a:spcAft>
                       </a:pPr>
                       <a:r>
-                        <a:rPr lang="fr-FR" sz="1200" b="1" kern="1200" cap="small" dirty="0" smtClean="0">
+                        <a:rPr lang="fr-FR" sz="1200" b="1" kern="1200" cap="small" dirty="0">
                           <a:solidFill>
                             <a:srgbClr val="4F81BD"/>
                           </a:solidFill>
@@ -5007,7 +4936,7 @@
                         <a:t>Environnements de Travail </a:t>
                       </a:r>
                       <a:r>
-                        <a:rPr lang="fr-FR" sz="1200" b="1" cap="small" dirty="0" smtClean="0">
+                        <a:rPr lang="fr-FR" sz="1200" b="1" cap="small" dirty="0">
                           <a:solidFill>
                             <a:schemeClr val="tx1"/>
                           </a:solidFill>
@@ -5019,7 +4948,7 @@
                         <a:t>:</a:t>
                       </a:r>
                       <a:r>
-                        <a:rPr lang="fr-FR" sz="1050" dirty="0" smtClean="0">
+                        <a:rPr lang="fr-FR" sz="1050" dirty="0">
                           <a:solidFill>
                             <a:schemeClr val="tx1"/>
                           </a:solidFill>
@@ -5031,7 +4960,7 @@
                         <a:t> </a:t>
                       </a:r>
                       <a:r>
-                        <a:rPr lang="fr-FR" sz="1100" kern="1200" dirty="0" smtClean="0">
+                        <a:rPr lang="fr-FR" sz="1100" kern="1200" dirty="0">
                           <a:solidFill>
                             <a:schemeClr val="tx1"/>
                           </a:solidFill>
@@ -5043,7 +4972,7 @@
                         <a:t>langages Java/JEE, C/C++, C#/.NET, </a:t>
                       </a:r>
                       <a:r>
-                        <a:rPr lang="fr-FR" sz="1100" kern="1200" dirty="0" err="1" smtClean="0">
+                        <a:rPr lang="fr-FR" sz="1100" kern="1200" dirty="0" err="1">
                           <a:solidFill>
                             <a:schemeClr val="tx1"/>
                           </a:solidFill>
@@ -5055,7 +4984,7 @@
                         <a:t>AngularJS</a:t>
                       </a:r>
                       <a:r>
-                        <a:rPr lang="fr-FR" sz="1100" kern="1200" dirty="0" smtClean="0">
+                        <a:rPr lang="fr-FR" sz="1100" kern="1200" dirty="0">
                           <a:solidFill>
                             <a:schemeClr val="tx1"/>
                           </a:solidFill>
@@ -5067,7 +4996,7 @@
                         <a:t>, SQL, Ruby/Chef, Systèmes d’exploitation Windows et Linux, Environnement Amazon AWS, Environnement Azure </a:t>
                       </a:r>
                       <a:r>
-                        <a:rPr lang="fr-FR" sz="1100" kern="1200" dirty="0" err="1" smtClean="0">
+                        <a:rPr lang="fr-FR" sz="1100" kern="1200" dirty="0" err="1">
                           <a:solidFill>
                             <a:schemeClr val="tx1"/>
                           </a:solidFill>
@@ -5079,7 +5008,7 @@
                         <a:t>DevOps</a:t>
                       </a:r>
                       <a:r>
-                        <a:rPr lang="fr-FR" sz="1100" kern="1200" dirty="0" smtClean="0">
+                        <a:rPr lang="fr-FR" sz="1100" kern="1200" dirty="0">
                           <a:solidFill>
                             <a:schemeClr val="tx1"/>
                           </a:solidFill>
@@ -5104,7 +5033,7 @@
                         </a:spcAft>
                       </a:pPr>
                       <a:r>
-                        <a:rPr lang="en-US" sz="1200" b="1" kern="1200" cap="small" dirty="0" err="1" smtClean="0">
+                        <a:rPr lang="en-US" sz="1200" b="1" kern="1200" cap="small" dirty="0" err="1">
                           <a:solidFill>
                             <a:srgbClr val="4F81BD"/>
                           </a:solidFill>
@@ -5116,7 +5045,7 @@
                         <a:t>Outils</a:t>
                       </a:r>
                       <a:r>
-                        <a:rPr lang="en-US" sz="1050" b="1" cap="small" dirty="0" smtClean="0">
+                        <a:rPr lang="en-US" sz="1050" b="1" cap="small" dirty="0">
                           <a:solidFill>
                             <a:schemeClr val="tx1"/>
                           </a:solidFill>
@@ -5128,7 +5057,7 @@
                         <a:t> :</a:t>
                       </a:r>
                       <a:r>
-                        <a:rPr lang="en-US" sz="1050" dirty="0" smtClean="0">
+                        <a:rPr lang="en-US" sz="1050" dirty="0">
                           <a:solidFill>
                             <a:schemeClr val="tx1"/>
                           </a:solidFill>
@@ -5140,7 +5069,7 @@
                         <a:t> </a:t>
                       </a:r>
                       <a:r>
-                        <a:rPr lang="en-US" sz="1100" dirty="0" err="1" smtClean="0">
+                        <a:rPr lang="en-US" sz="1100" dirty="0" err="1">
                           <a:solidFill>
                             <a:schemeClr val="tx1"/>
                           </a:solidFill>
@@ -5152,7 +5081,7 @@
                         <a:t>Conteneurs</a:t>
                       </a:r>
                       <a:r>
-                        <a:rPr lang="en-US" sz="1100" dirty="0" smtClean="0">
+                        <a:rPr lang="en-US" sz="1100" dirty="0">
                           <a:solidFill>
                             <a:schemeClr val="tx1"/>
                           </a:solidFill>
@@ -5164,7 +5093,7 @@
                         <a:t> Docker (</a:t>
                       </a:r>
                       <a:r>
-                        <a:rPr lang="en-US" sz="1100" dirty="0" err="1" smtClean="0">
+                        <a:rPr lang="en-US" sz="1100" dirty="0" err="1">
                           <a:solidFill>
                             <a:schemeClr val="tx1"/>
                           </a:solidFill>
@@ -5176,7 +5105,7 @@
                         <a:t>docker</a:t>
                       </a:r>
                       <a:r>
-                        <a:rPr lang="en-US" sz="1100" dirty="0" smtClean="0">
+                        <a:rPr lang="en-US" sz="1100" dirty="0">
                           <a:solidFill>
                             <a:schemeClr val="tx1"/>
                           </a:solidFill>
@@ -5188,7 +5117,7 @@
                         <a:t>-compose, Helm…)  </a:t>
                       </a:r>
                       <a:r>
-                        <a:rPr lang="fr-FR" sz="1100" dirty="0" smtClean="0">
+                        <a:rPr lang="fr-FR" sz="1100" dirty="0">
                           <a:solidFill>
                             <a:schemeClr val="tx1"/>
                           </a:solidFill>
@@ -5200,7 +5129,7 @@
                         <a:t>sous Amazon AWS et Microsoft Azure, </a:t>
                       </a:r>
                       <a:r>
-                        <a:rPr lang="fr-FR" sz="1100" dirty="0" err="1" smtClean="0">
+                        <a:rPr lang="fr-FR" sz="1100" dirty="0" err="1">
                           <a:solidFill>
                             <a:schemeClr val="tx1"/>
                           </a:solidFill>
@@ -5212,7 +5141,7 @@
                         <a:t>VirtualBox</a:t>
                       </a:r>
                       <a:r>
-                        <a:rPr lang="fr-FR" sz="1100" dirty="0" smtClean="0">
+                        <a:rPr lang="fr-FR" sz="1100" dirty="0">
                           <a:solidFill>
                             <a:schemeClr val="tx1"/>
                           </a:solidFill>
@@ -5224,7 +5153,7 @@
                         <a:t>, </a:t>
                       </a:r>
                       <a:r>
-                        <a:rPr lang="fr-FR" sz="1100" dirty="0" err="1" smtClean="0">
+                        <a:rPr lang="fr-FR" sz="1100" dirty="0" err="1">
                           <a:solidFill>
                             <a:schemeClr val="tx1"/>
                           </a:solidFill>
@@ -5236,7 +5165,7 @@
                         <a:t>Vagrant</a:t>
                       </a:r>
                       <a:r>
-                        <a:rPr lang="fr-FR" sz="1100" dirty="0" smtClean="0">
+                        <a:rPr lang="fr-FR" sz="1100" dirty="0">
                           <a:solidFill>
                             <a:schemeClr val="tx1"/>
                           </a:solidFill>
@@ -5248,7 +5177,7 @@
                         <a:t>, Ruby, Jenkins, </a:t>
                       </a:r>
                       <a:r>
-                        <a:rPr lang="fr-FR" sz="1100" dirty="0" err="1" smtClean="0">
+                        <a:rPr lang="fr-FR" sz="1100" dirty="0" err="1">
                           <a:solidFill>
                             <a:schemeClr val="tx1"/>
                           </a:solidFill>
@@ -5260,7 +5189,7 @@
                         <a:t>Cucumber</a:t>
                       </a:r>
                       <a:r>
-                        <a:rPr lang="fr-FR" sz="1100" dirty="0" smtClean="0">
+                        <a:rPr lang="fr-FR" sz="1100" dirty="0">
                           <a:solidFill>
                             <a:schemeClr val="tx1"/>
                           </a:solidFill>
@@ -5272,7 +5201,7 @@
                         <a:t>, </a:t>
                       </a:r>
                       <a:r>
-                        <a:rPr lang="fr-FR" sz="1100" dirty="0" err="1" smtClean="0">
+                        <a:rPr lang="fr-FR" sz="1100" dirty="0" err="1">
                           <a:solidFill>
                             <a:schemeClr val="tx1"/>
                           </a:solidFill>
@@ -5284,7 +5213,7 @@
                         <a:t>Ansible</a:t>
                       </a:r>
                       <a:r>
-                        <a:rPr lang="fr-FR" sz="1100" dirty="0" smtClean="0">
+                        <a:rPr lang="fr-FR" sz="1100" dirty="0">
                           <a:solidFill>
                             <a:schemeClr val="tx1"/>
                           </a:solidFill>
@@ -5296,7 +5225,7 @@
                         <a:t>, </a:t>
                       </a:r>
                       <a:r>
-                        <a:rPr lang="fr-FR" sz="1100" dirty="0" err="1" smtClean="0">
+                        <a:rPr lang="fr-FR" sz="1100" dirty="0" err="1">
                           <a:solidFill>
                             <a:schemeClr val="tx1"/>
                           </a:solidFill>
@@ -5308,7 +5237,7 @@
                         <a:t>Terraform</a:t>
                       </a:r>
                       <a:r>
-                        <a:rPr lang="fr-FR" sz="1100" dirty="0" smtClean="0">
+                        <a:rPr lang="fr-FR" sz="1100" dirty="0">
                           <a:solidFill>
                             <a:schemeClr val="tx1"/>
                           </a:solidFill>
@@ -5320,7 +5249,7 @@
                         <a:t>, AKS. Azure </a:t>
                       </a:r>
                       <a:r>
-                        <a:rPr lang="fr-FR" sz="1100" dirty="0" err="1" smtClean="0">
+                        <a:rPr lang="fr-FR" sz="1100" dirty="0" err="1">
                           <a:solidFill>
                             <a:schemeClr val="tx1"/>
                           </a:solidFill>
@@ -5373,6 +5302,11 @@
                     </a:lnBlToTr>
                   </a:tcPr>
                 </a:tc>
+                <a:extLst>
+                  <a:ext uri="{0D108BD9-81ED-4DB2-BD59-A6C34878D82A}">
+                    <a16:rowId xmlns:a16="http://schemas.microsoft.com/office/drawing/2014/main" val="10000"/>
+                  </a:ext>
+                </a:extLst>
               </a:tr>
             </a:tbl>
           </a:graphicData>
@@ -5401,7 +5335,7 @@
           <a:lstStyle/>
           <a:p>
             <a:r>
-              <a:rPr lang="en-US" sz="1500" b="1" dirty="0" err="1" smtClean="0">
+              <a:rPr lang="en-US" sz="1500" b="1" dirty="0" err="1">
                 <a:solidFill>
                   <a:srgbClr val="404042"/>
                 </a:solidFill>
@@ -5494,7 +5428,7 @@
               <a:tabLst/>
             </a:pPr>
             <a:r>
-              <a:rPr lang="fr-FR" dirty="0" smtClean="0">
+              <a:rPr lang="fr-FR" dirty="0">
                 <a:solidFill>
                   <a:schemeClr val="bg1"/>
                 </a:solidFill>
@@ -5503,13 +5437,6 @@
               </a:rPr>
               <a:t>Contact</a:t>
             </a:r>
-            <a:endParaRPr lang="fr-FR" dirty="0">
-              <a:solidFill>
-                <a:schemeClr val="bg1"/>
-              </a:solidFill>
-              <a:ea typeface="Times New Roman" charset="0"/>
-              <a:cs typeface="Times New Roman" charset="0"/>
-            </a:endParaRPr>
           </a:p>
         </p:txBody>
       </p:sp>
@@ -5662,7 +5589,7 @@
           <a:lstStyle/>
           <a:p>
             <a:r>
-              <a:rPr lang="en-US" sz="1500" b="1" dirty="0" err="1" smtClean="0">
+              <a:rPr lang="en-US" sz="1500" b="1" dirty="0" err="1">
                 <a:solidFill>
                   <a:srgbClr val="404042"/>
                 </a:solidFill>
@@ -5670,7 +5597,7 @@
               <a:t>Expérience</a:t>
             </a:r>
             <a:r>
-              <a:rPr lang="en-US" sz="1500" b="1" dirty="0" smtClean="0">
+              <a:rPr lang="en-US" sz="1500" b="1" dirty="0">
                 <a:solidFill>
                   <a:srgbClr val="404042"/>
                 </a:solidFill>
@@ -5678,7 +5605,7 @@
               <a:t> </a:t>
             </a:r>
             <a:r>
-              <a:rPr lang="en-US" sz="1500" b="1" dirty="0" err="1" smtClean="0">
+              <a:rPr lang="en-US" sz="1500" b="1" dirty="0" err="1">
                 <a:solidFill>
                   <a:srgbClr val="404042"/>
                 </a:solidFill>
@@ -5748,8 +5675,20 @@
                 <a:tableStyleId>{5940675A-B579-460E-94D1-54222C63F5DA}</a:tableStyleId>
               </a:tblPr>
               <a:tblGrid>
-                <a:gridCol w="912283"/>
-                <a:gridCol w="4114799"/>
+                <a:gridCol w="912283">
+                  <a:extLst>
+                    <a:ext uri="{9D8B030D-6E8A-4147-A177-3AD203B41FA5}">
+                      <a16:colId xmlns:a16="http://schemas.microsoft.com/office/drawing/2014/main" val="20000"/>
+                    </a:ext>
+                  </a:extLst>
+                </a:gridCol>
+                <a:gridCol w="4114799">
+                  <a:extLst>
+                    <a:ext uri="{9D8B030D-6E8A-4147-A177-3AD203B41FA5}">
+                      <a16:colId xmlns:a16="http://schemas.microsoft.com/office/drawing/2014/main" val="20001"/>
+                    </a:ext>
+                  </a:extLst>
+                </a:gridCol>
               </a:tblGrid>
               <a:tr h="324722">
                 <a:tc>
@@ -5775,7 +5714,7 @@
                         <a:defRPr/>
                       </a:pPr>
                       <a:r>
-                        <a:rPr lang="fr-FR" sz="1100" b="1" i="0" dirty="0" smtClean="0">
+                        <a:rPr lang="fr-FR" sz="1100" b="1" i="0" dirty="0">
                           <a:solidFill>
                             <a:srgbClr val="58585A"/>
                           </a:solidFill>
@@ -5835,7 +5774,7 @@
                         </a:spcAft>
                       </a:pPr>
                       <a:r>
-                        <a:rPr lang="fr-FR" sz="1050" b="1" cap="all" dirty="0" smtClean="0">
+                        <a:rPr lang="fr-FR" sz="1050" b="1" cap="all" dirty="0">
                           <a:solidFill>
                             <a:srgbClr val="00000A"/>
                           </a:solidFill>
@@ -5847,7 +5786,7 @@
                         <a:t>S</a:t>
                       </a:r>
                       <a:r>
-                        <a:rPr lang="fr-FR" sz="1050" b="1" cap="all" dirty="0" smtClean="0">
+                        <a:rPr lang="fr-FR" sz="1050" b="1" cap="all" dirty="0">
                           <a:solidFill>
                             <a:srgbClr val="00000A"/>
                           </a:solidFill>
@@ -5858,7 +5797,7 @@
                         </a:rPr>
                         <a:t>CHNEIDER POUR CONAN JEKEN CONSULTING DEPUIS AVRIL 2019 </a:t>
                       </a:r>
-                      <a:endParaRPr lang="fr-FR" sz="1000" b="1" cap="all" dirty="0" smtClean="0">
+                      <a:endParaRPr lang="fr-FR" sz="1000" b="1" cap="all" dirty="0">
                         <a:solidFill>
                           <a:srgbClr val="404040"/>
                         </a:solidFill>
@@ -5881,7 +5820,7 @@
                         </a:spcAft>
                       </a:pPr>
                       <a:r>
-                        <a:rPr lang="fr-FR" sz="1000" dirty="0" smtClean="0">
+                        <a:rPr lang="fr-FR" sz="1000" dirty="0">
                           <a:solidFill>
                             <a:srgbClr val="595959"/>
                           </a:solidFill>
@@ -5893,7 +5832,7 @@
                         <a:t>Poste occupé : </a:t>
                       </a:r>
                       <a:r>
-                        <a:rPr lang="fr-FR" sz="1100" b="1" cap="small" dirty="0" smtClean="0">
+                        <a:rPr lang="fr-FR" sz="1100" b="1" cap="small" dirty="0">
                           <a:solidFill>
                             <a:srgbClr val="4F81BD"/>
                           </a:solidFill>
@@ -5905,7 +5844,7 @@
                         <a:t>Consultant </a:t>
                       </a:r>
                       <a:r>
-                        <a:rPr lang="fr-FR" sz="1100" b="1" cap="small" dirty="0" err="1" smtClean="0">
+                        <a:rPr lang="fr-FR" sz="1100" b="1" cap="small" dirty="0" err="1">
                           <a:solidFill>
                             <a:srgbClr val="4F81BD"/>
                           </a:solidFill>
@@ -5917,7 +5856,7 @@
                         <a:t>DevOps</a:t>
                       </a:r>
                       <a:r>
-                        <a:rPr lang="fr-FR" sz="1100" b="1" cap="small" dirty="0" smtClean="0">
+                        <a:rPr lang="fr-FR" sz="1100" b="1" cap="small" dirty="0">
                           <a:solidFill>
                             <a:srgbClr val="4F81BD"/>
                           </a:solidFill>
@@ -5929,7 +5868,7 @@
                         <a:t> dans l’équipe R&amp;D </a:t>
                       </a:r>
                       <a:r>
-                        <a:rPr lang="fr-FR" sz="1100" b="1" cap="small" dirty="0" err="1" smtClean="0">
+                        <a:rPr lang="fr-FR" sz="1100" b="1" cap="small" dirty="0" err="1">
                           <a:solidFill>
                             <a:srgbClr val="4F81BD"/>
                           </a:solidFill>
@@ -5941,7 +5880,7 @@
                         <a:t>DmnPint</a:t>
                       </a:r>
                       <a:r>
-                        <a:rPr lang="fr-FR" sz="1100" b="1" cap="small" dirty="0" smtClean="0">
+                        <a:rPr lang="fr-FR" sz="1100" b="1" cap="small" dirty="0">
                           <a:solidFill>
                             <a:srgbClr val="4F81BD"/>
                           </a:solidFill>
@@ -5953,7 +5892,7 @@
                         <a:t> sur la plateforme de gestion d’objets connectés ETP (</a:t>
                       </a:r>
                       <a:r>
-                        <a:rPr lang="fr-FR" sz="1100" b="1" cap="small" dirty="0" err="1" smtClean="0">
+                        <a:rPr lang="fr-FR" sz="1100" b="1" cap="small" dirty="0" err="1">
                           <a:solidFill>
                             <a:srgbClr val="4F81BD"/>
                           </a:solidFill>
@@ -5965,7 +5904,7 @@
                         <a:t>Exostruxure</a:t>
                       </a:r>
                       <a:r>
-                        <a:rPr lang="fr-FR" sz="1100" b="1" cap="small" dirty="0" smtClean="0">
+                        <a:rPr lang="fr-FR" sz="1100" b="1" cap="small" dirty="0">
                           <a:solidFill>
                             <a:srgbClr val="4F81BD"/>
                           </a:solidFill>
@@ -5977,7 +5916,7 @@
                         <a:t> </a:t>
                       </a:r>
                       <a:r>
-                        <a:rPr lang="fr-FR" sz="1100" b="1" cap="small" dirty="0" err="1" smtClean="0">
+                        <a:rPr lang="fr-FR" sz="1100" b="1" cap="small" dirty="0" err="1">
                           <a:solidFill>
                             <a:srgbClr val="4F81BD"/>
                           </a:solidFill>
@@ -5989,7 +5928,7 @@
                         <a:t>Technology</a:t>
                       </a:r>
                       <a:r>
-                        <a:rPr lang="fr-FR" sz="1100" b="1" cap="small" dirty="0" smtClean="0">
+                        <a:rPr lang="fr-FR" sz="1100" b="1" cap="small" dirty="0">
                           <a:solidFill>
                             <a:srgbClr val="4F81BD"/>
                           </a:solidFill>
@@ -6001,7 +5940,7 @@
                         <a:t> </a:t>
                       </a:r>
                       <a:r>
-                        <a:rPr lang="fr-FR" sz="1100" b="1" cap="small" dirty="0" err="1" smtClean="0">
+                        <a:rPr lang="fr-FR" sz="1100" b="1" cap="small" dirty="0" err="1">
                           <a:solidFill>
                             <a:srgbClr val="4F81BD"/>
                           </a:solidFill>
@@ -6013,7 +5952,7 @@
                         <a:t>Plateform</a:t>
                       </a:r>
                       <a:r>
-                        <a:rPr lang="fr-FR" sz="1100" b="1" cap="small" dirty="0" smtClean="0">
+                        <a:rPr lang="fr-FR" sz="1100" b="1" cap="small" dirty="0">
                           <a:solidFill>
                             <a:srgbClr val="4F81BD"/>
                           </a:solidFill>
@@ -6025,7 +5964,7 @@
                         <a:t>)</a:t>
                       </a:r>
                       <a:r>
-                        <a:rPr lang="fr-FR" sz="1000" dirty="0" smtClean="0">
+                        <a:rPr lang="fr-FR" sz="1000" dirty="0">
                           <a:solidFill>
                             <a:srgbClr val="595959"/>
                           </a:solidFill>
@@ -6053,7 +5992,7 @@
                         <a:buChar char=""/>
                       </a:pPr>
                       <a:r>
-                        <a:rPr lang="fr-FR" sz="1000" b="1" dirty="0" smtClean="0">
+                        <a:rPr lang="fr-FR" sz="1000" b="1" dirty="0">
                           <a:solidFill>
                             <a:srgbClr val="595959"/>
                           </a:solidFill>
@@ -6065,7 +6004,7 @@
                         <a:t>Amélioration des processus de livraison sous Azure </a:t>
                       </a:r>
                       <a:r>
-                        <a:rPr lang="fr-FR" sz="1000" b="1" dirty="0" err="1" smtClean="0">
+                        <a:rPr lang="fr-FR" sz="1000" b="1" dirty="0" err="1">
                           <a:solidFill>
                             <a:srgbClr val="595959"/>
                           </a:solidFill>
@@ -6077,7 +6016,7 @@
                         <a:t>DevOps</a:t>
                       </a:r>
                       <a:r>
-                        <a:rPr lang="fr-FR" sz="1000" b="1" dirty="0" smtClean="0">
+                        <a:rPr lang="fr-FR" sz="1000" b="1" dirty="0">
                           <a:solidFill>
                             <a:srgbClr val="595959"/>
                           </a:solidFill>
@@ -6088,7 +6027,7 @@
                         </a:rPr>
                         <a:t> dans l’environnement de production (pipelines)</a:t>
                       </a:r>
-                      <a:endParaRPr lang="fr-FR" sz="1000" dirty="0" smtClean="0">
+                      <a:endParaRPr lang="fr-FR" sz="1000" dirty="0">
                         <a:solidFill>
                           <a:srgbClr val="595959"/>
                         </a:solidFill>
@@ -6111,7 +6050,7 @@
                         <a:buChar char=""/>
                       </a:pPr>
                       <a:r>
-                        <a:rPr lang="fr-FR" sz="1000" b="1" dirty="0" smtClean="0">
+                        <a:rPr lang="fr-FR" sz="1000" b="1" dirty="0">
                           <a:solidFill>
                             <a:srgbClr val="595959"/>
                           </a:solidFill>
@@ -6122,7 +6061,7 @@
                         </a:rPr>
                         <a:t>Intégration continue des composants dans la plateforme </a:t>
                       </a:r>
-                      <a:endParaRPr lang="fr-FR" sz="1000" dirty="0" smtClean="0">
+                      <a:endParaRPr lang="fr-FR" sz="1000" dirty="0">
                         <a:solidFill>
                           <a:srgbClr val="595959"/>
                         </a:solidFill>
@@ -6145,7 +6084,7 @@
                         <a:buChar char=""/>
                       </a:pPr>
                       <a:r>
-                        <a:rPr lang="fr-FR" sz="1000" b="1" dirty="0" smtClean="0">
+                        <a:rPr lang="fr-FR" sz="1000" b="1" dirty="0">
                           <a:solidFill>
                             <a:srgbClr val="595959"/>
                           </a:solidFill>
@@ -6157,7 +6096,7 @@
                         <a:t>Intervention dans les différents processus </a:t>
                       </a:r>
                       <a:r>
-                        <a:rPr lang="fr-FR" sz="1000" b="1" dirty="0" err="1" smtClean="0">
+                        <a:rPr lang="fr-FR" sz="1000" b="1" dirty="0" err="1">
                           <a:solidFill>
                             <a:srgbClr val="595959"/>
                           </a:solidFill>
@@ -6169,7 +6108,7 @@
                         <a:t>DevOps</a:t>
                       </a:r>
                       <a:r>
-                        <a:rPr lang="fr-FR" sz="1000" b="1" dirty="0" smtClean="0">
+                        <a:rPr lang="fr-FR" sz="1000" b="1" dirty="0">
                           <a:solidFill>
                             <a:srgbClr val="595959"/>
                           </a:solidFill>
@@ -6180,7 +6119,7 @@
                         </a:rPr>
                         <a:t> au cœur de l’équipe R&amp;D</a:t>
                       </a:r>
-                      <a:endParaRPr lang="fr-FR" sz="1000" dirty="0" smtClean="0">
+                      <a:endParaRPr lang="fr-FR" sz="1000" dirty="0">
                         <a:solidFill>
                           <a:srgbClr val="595959"/>
                         </a:solidFill>
@@ -6200,7 +6139,7 @@
                         </a:spcAft>
                       </a:pPr>
                       <a:r>
-                        <a:rPr lang="fr-FR" sz="1000" b="1" dirty="0" smtClean="0">
+                        <a:rPr lang="fr-FR" sz="1000" b="1" dirty="0">
                           <a:solidFill>
                             <a:srgbClr val="595959"/>
                           </a:solidFill>
@@ -6211,7 +6150,7 @@
                         </a:rPr>
                         <a:t> </a:t>
                       </a:r>
-                      <a:endParaRPr lang="fr-FR" sz="1000" dirty="0" smtClean="0">
+                      <a:endParaRPr lang="fr-FR" sz="1000" dirty="0">
                         <a:solidFill>
                           <a:srgbClr val="595959"/>
                         </a:solidFill>
@@ -6234,7 +6173,7 @@
                         </a:spcAft>
                       </a:pPr>
                       <a:r>
-                        <a:rPr lang="fr-FR" sz="1050" b="1" cap="all" dirty="0" smtClean="0">
+                        <a:rPr lang="fr-FR" sz="1050" b="1" cap="all" dirty="0">
                           <a:solidFill>
                             <a:srgbClr val="00000A"/>
                           </a:solidFill>
@@ -6246,7 +6185,7 @@
                         <a:t>HARDIS GROUP D</a:t>
                       </a:r>
                       <a:r>
-                        <a:rPr lang="fr-FR" sz="1050" b="1" cap="all" dirty="0" smtClean="0">
+                        <a:rPr lang="fr-FR" sz="1050" b="1" cap="all" dirty="0">
                           <a:solidFill>
                             <a:srgbClr val="00000A"/>
                           </a:solidFill>
@@ -6258,7 +6197,7 @@
                         <a:t>E</a:t>
                       </a:r>
                       <a:r>
-                        <a:rPr lang="fr-FR" sz="1050" b="1" cap="all" dirty="0" smtClean="0">
+                        <a:rPr lang="fr-FR" sz="1050" b="1" cap="all" dirty="0">
                           <a:solidFill>
                             <a:srgbClr val="00000A"/>
                           </a:solidFill>
@@ -6270,7 +6209,7 @@
                         <a:t> A</a:t>
                       </a:r>
                       <a:r>
-                        <a:rPr lang="fr-FR" sz="1050" b="1" cap="all" dirty="0" smtClean="0">
+                        <a:rPr lang="fr-FR" sz="1050" b="1" cap="all" dirty="0">
                           <a:solidFill>
                             <a:srgbClr val="00000A"/>
                           </a:solidFill>
@@ -6282,7 +6221,7 @@
                         <a:t>VRIL</a:t>
                       </a:r>
                       <a:r>
-                        <a:rPr lang="fr-FR" sz="1050" b="1" cap="all" dirty="0" smtClean="0">
+                        <a:rPr lang="fr-FR" sz="1050" b="1" cap="all" dirty="0">
                           <a:solidFill>
                             <a:srgbClr val="00000A"/>
                           </a:solidFill>
@@ -6294,7 +6233,7 @@
                         <a:t> 2018 </a:t>
                       </a:r>
                       <a:r>
-                        <a:rPr lang="fr-FR" sz="1050" b="1" cap="all" dirty="0" smtClean="0">
+                        <a:rPr lang="fr-FR" sz="1050" b="1" cap="all" dirty="0">
                           <a:solidFill>
                             <a:srgbClr val="00000A"/>
                           </a:solidFill>
@@ -6305,7 +6244,7 @@
                         </a:rPr>
                         <a:t>A JANVIER 2019</a:t>
                       </a:r>
-                      <a:endParaRPr lang="fr-FR" sz="1000" b="1" cap="all" dirty="0" smtClean="0">
+                      <a:endParaRPr lang="fr-FR" sz="1000" b="1" cap="all" dirty="0">
                         <a:solidFill>
                           <a:srgbClr val="404040"/>
                         </a:solidFill>
@@ -6328,7 +6267,7 @@
                         </a:spcAft>
                       </a:pPr>
                       <a:r>
-                        <a:rPr lang="fr-FR" sz="1000" dirty="0" smtClean="0">
+                        <a:rPr lang="fr-FR" sz="1000" dirty="0">
                           <a:solidFill>
                             <a:srgbClr val="595959"/>
                           </a:solidFill>
@@ -6340,7 +6279,7 @@
                         <a:t>Poste occupé : </a:t>
                       </a:r>
                       <a:r>
-                        <a:rPr lang="fr-FR" sz="1100" b="1" cap="small" dirty="0" smtClean="0">
+                        <a:rPr lang="fr-FR" sz="1100" b="1" cap="small" dirty="0">
                           <a:solidFill>
                             <a:srgbClr val="4F81BD"/>
                           </a:solidFill>
@@ -6352,7 +6291,7 @@
                         <a:t>Architecte </a:t>
                       </a:r>
                       <a:r>
-                        <a:rPr lang="fr-FR" sz="1100" b="1" cap="small" dirty="0" err="1" smtClean="0">
+                        <a:rPr lang="fr-FR" sz="1100" b="1" cap="small" dirty="0" err="1">
                           <a:solidFill>
                             <a:srgbClr val="4F81BD"/>
                           </a:solidFill>
@@ -6364,7 +6303,7 @@
                         <a:t>DevOps</a:t>
                       </a:r>
                       <a:r>
-                        <a:rPr lang="fr-FR" sz="1100" b="1" cap="small" dirty="0" smtClean="0">
+                        <a:rPr lang="fr-FR" sz="1100" b="1" cap="small" dirty="0">
                           <a:solidFill>
                             <a:srgbClr val="4F81BD"/>
                           </a:solidFill>
@@ -6375,7 +6314,7 @@
                         </a:rPr>
                         <a:t>, docker</a:t>
                       </a:r>
-                      <a:endParaRPr lang="fr-FR" sz="1000" dirty="0" smtClean="0">
+                      <a:endParaRPr lang="fr-FR" sz="1000" dirty="0">
                         <a:solidFill>
                           <a:srgbClr val="595959"/>
                         </a:solidFill>
@@ -6404,7 +6343,7 @@
                         </a:tabLst>
                       </a:pPr>
                       <a:r>
-                        <a:rPr lang="fr-FR" sz="1000" b="1" i="1" dirty="0" smtClean="0">
+                        <a:rPr lang="fr-FR" sz="1000" b="1" i="1" dirty="0">
                           <a:solidFill>
                             <a:srgbClr val="0070C0"/>
                           </a:solidFill>
@@ -6416,7 +6355,7 @@
                         <a:t>DOCKERISATION ADELIA/REFLEX </a:t>
                       </a:r>
                       <a:r>
-                        <a:rPr lang="fr-FR" sz="1000" dirty="0" smtClean="0">
+                        <a:rPr lang="fr-FR" sz="1000" dirty="0">
                           <a:solidFill>
                             <a:srgbClr val="595959"/>
                           </a:solidFill>
@@ -6427,7 +6366,7 @@
                         </a:rPr>
                         <a:t>Participation à la transformation de l’application REFLEX sous forme de conteneurs Docker. Le but est d’utiliser l’application sur le Cloud Public et/ou privé.</a:t>
                       </a:r>
-                      <a:endParaRPr lang="fr-FR" sz="1000" dirty="0" smtClean="0">
+                      <a:endParaRPr lang="fr-FR" sz="1000" dirty="0">
                         <a:solidFill>
                           <a:srgbClr val="595959"/>
                         </a:solidFill>
@@ -6453,7 +6392,7 @@
                         </a:tabLst>
                       </a:pPr>
                       <a:r>
-                        <a:rPr lang="fr-FR" sz="1000" b="1" i="1" dirty="0" smtClean="0">
+                        <a:rPr lang="fr-FR" sz="1000" b="1" i="1" dirty="0">
                           <a:solidFill>
                             <a:srgbClr val="0070C0"/>
                           </a:solidFill>
@@ -6465,7 +6404,7 @@
                         <a:t>CONSULTANT CLOUD PUBLIC POUR PLUSIEURS CLIENTS </a:t>
                       </a:r>
                       <a:r>
-                        <a:rPr lang="fr-FR" sz="1000" dirty="0" smtClean="0">
+                        <a:rPr lang="fr-FR" sz="1000" dirty="0">
                           <a:solidFill>
                             <a:srgbClr val="595959"/>
                           </a:solidFill>
@@ -6476,7 +6415,7 @@
                         </a:rPr>
                         <a:t>Participation à plusieurs projets clients autour du Cloud Public AWS et Azure.</a:t>
                       </a:r>
-                      <a:endParaRPr lang="fr-FR" sz="1000" dirty="0" smtClean="0">
+                      <a:endParaRPr lang="fr-FR" sz="1000" dirty="0">
                         <a:solidFill>
                           <a:srgbClr val="595959"/>
                         </a:solidFill>
@@ -6502,7 +6441,7 @@
                         </a:tabLst>
                       </a:pPr>
                       <a:r>
-                        <a:rPr lang="fr-FR" sz="1000" b="1" i="1" dirty="0" smtClean="0">
+                        <a:rPr lang="fr-FR" sz="1000" b="1" i="1" dirty="0">
                           <a:solidFill>
                             <a:srgbClr val="0070C0"/>
                           </a:solidFill>
@@ -6514,7 +6453,7 @@
                         <a:t>DEVELOPPEMENT SCRIPTS PYTHON </a:t>
                       </a:r>
                       <a:r>
-                        <a:rPr lang="fr-FR" sz="1000" dirty="0" smtClean="0">
+                        <a:rPr lang="fr-FR" sz="1000" dirty="0">
                           <a:solidFill>
                             <a:srgbClr val="595959"/>
                           </a:solidFill>
@@ -6525,7 +6464,7 @@
                         </a:rPr>
                         <a:t>Développement de scripts pour la supervision de serveurs et pour la gestion de tickets sous ITOP.</a:t>
                       </a:r>
-                      <a:endParaRPr lang="fr-FR" sz="1000" dirty="0" smtClean="0">
+                      <a:endParaRPr lang="fr-FR" sz="1000" dirty="0">
                         <a:solidFill>
                           <a:srgbClr val="595959"/>
                         </a:solidFill>
@@ -6567,6 +6506,11 @@
                     </a:lnBlToTr>
                   </a:tcPr>
                 </a:tc>
+                <a:extLst>
+                  <a:ext uri="{0D108BD9-81ED-4DB2-BD59-A6C34878D82A}">
+                    <a16:rowId xmlns:a16="http://schemas.microsoft.com/office/drawing/2014/main" val="10000"/>
+                  </a:ext>
+                </a:extLst>
               </a:tr>
               <a:tr h="324722">
                 <a:tc>
@@ -6592,7 +6536,7 @@
                         <a:defRPr/>
                       </a:pPr>
                       <a:r>
-                        <a:rPr lang="fr-FR" sz="1100" b="1" i="0" dirty="0" smtClean="0">
+                        <a:rPr lang="fr-FR" sz="1100" b="1" i="0" dirty="0">
                           <a:solidFill>
                             <a:srgbClr val="58585A"/>
                           </a:solidFill>
@@ -6652,7 +6596,7 @@
                         </a:spcAft>
                       </a:pPr>
                       <a:r>
-                        <a:rPr lang="fr-FR" sz="1050" b="1" cap="all" dirty="0" smtClean="0">
+                        <a:rPr lang="fr-FR" sz="1050" b="1" cap="all" dirty="0">
                           <a:solidFill>
                             <a:srgbClr val="00000A"/>
                           </a:solidFill>
@@ -6664,7 +6608,7 @@
                         <a:t>dxc </a:t>
                       </a:r>
                       <a:r>
-                        <a:rPr lang="fr-FR" sz="1050" b="1" cap="all" dirty="0" err="1" smtClean="0">
+                        <a:rPr lang="fr-FR" sz="1050" b="1" cap="all" dirty="0" err="1">
                           <a:solidFill>
                             <a:srgbClr val="00000A"/>
                           </a:solidFill>
@@ -6676,7 +6620,7 @@
                         <a:t>technology</a:t>
                       </a:r>
                       <a:r>
-                        <a:rPr lang="fr-FR" sz="1050" b="1" cap="all" dirty="0" smtClean="0">
+                        <a:rPr lang="fr-FR" sz="1050" b="1" cap="all" dirty="0">
                           <a:solidFill>
                             <a:srgbClr val="00000A"/>
                           </a:solidFill>
@@ -6687,7 +6631,7 @@
                         </a:rPr>
                         <a:t> FINANCIAL SERVICES (anciennement CSC Financial Services) de 2000 à 2018</a:t>
                       </a:r>
-                      <a:endParaRPr lang="fr-FR" sz="1000" b="1" cap="all" dirty="0" smtClean="0">
+                      <a:endParaRPr lang="fr-FR" sz="1000" b="1" cap="all" dirty="0">
                         <a:solidFill>
                           <a:srgbClr val="404040"/>
                         </a:solidFill>
@@ -6710,7 +6654,7 @@
                         </a:spcAft>
                       </a:pPr>
                       <a:r>
-                        <a:rPr lang="fr-FR" sz="800" b="0" cap="all" dirty="0" smtClean="0">
+                        <a:rPr lang="fr-FR" sz="800" b="0" cap="all" dirty="0">
                           <a:solidFill>
                             <a:srgbClr val="404040"/>
                           </a:solidFill>
@@ -6721,7 +6665,7 @@
                         </a:rPr>
                         <a:t>secteur d’activité : DEVELOPPEMENT DE PRODUITS INFORMATIQUES DESTINES AUX ASSURANCES</a:t>
                       </a:r>
-                      <a:endParaRPr lang="fr-FR" sz="1000" b="1" cap="all" dirty="0" smtClean="0">
+                      <a:endParaRPr lang="fr-FR" sz="1000" b="1" cap="all" dirty="0">
                         <a:solidFill>
                           <a:srgbClr val="404040"/>
                         </a:solidFill>
@@ -6744,7 +6688,7 @@
                         </a:spcAft>
                       </a:pPr>
                       <a:r>
-                        <a:rPr lang="fr-FR" sz="1000" dirty="0" smtClean="0">
+                        <a:rPr lang="fr-FR" sz="1000" dirty="0">
                           <a:solidFill>
                             <a:srgbClr val="595959"/>
                           </a:solidFill>
@@ -6756,7 +6700,7 @@
                         <a:t>Dernier Poste occupé : </a:t>
                       </a:r>
                       <a:r>
-                        <a:rPr lang="fr-FR" sz="1100" b="1" cap="small" dirty="0" smtClean="0">
+                        <a:rPr lang="fr-FR" sz="1100" b="1" cap="small" dirty="0">
                           <a:solidFill>
                             <a:srgbClr val="4F81BD"/>
                           </a:solidFill>
@@ -6768,7 +6712,7 @@
                         <a:t>Architecte </a:t>
                       </a:r>
                       <a:r>
-                        <a:rPr lang="fr-FR" sz="1100" b="1" cap="small" dirty="0" err="1" smtClean="0">
+                        <a:rPr lang="fr-FR" sz="1100" b="1" cap="small" dirty="0" err="1">
                           <a:solidFill>
                             <a:srgbClr val="4F81BD"/>
                           </a:solidFill>
@@ -6780,7 +6724,7 @@
                         <a:t>DevOps</a:t>
                       </a:r>
                       <a:r>
-                        <a:rPr lang="fr-FR" sz="1100" b="1" cap="small" dirty="0" smtClean="0">
+                        <a:rPr lang="fr-FR" sz="1100" b="1" cap="small" dirty="0">
                           <a:solidFill>
                             <a:srgbClr val="4F81BD"/>
                           </a:solidFill>
@@ -6791,7 +6735,7 @@
                         </a:rPr>
                         <a:t>, docker 2014-2018</a:t>
                       </a:r>
-                      <a:endParaRPr lang="fr-FR" sz="1000" dirty="0" smtClean="0">
+                      <a:endParaRPr lang="fr-FR" sz="1000" dirty="0">
                         <a:solidFill>
                           <a:srgbClr val="595959"/>
                         </a:solidFill>
@@ -6814,7 +6758,7 @@
                         </a:spcAft>
                       </a:pPr>
                       <a:r>
-                        <a:rPr lang="fr-FR" sz="1000" dirty="0" smtClean="0">
+                        <a:rPr lang="fr-FR" sz="1000" dirty="0">
                           <a:solidFill>
                             <a:srgbClr val="595959"/>
                           </a:solidFill>
@@ -6826,7 +6770,7 @@
                         <a:t>Postes précédents : </a:t>
                       </a:r>
                       <a:r>
-                        <a:rPr lang="fr-FR" sz="1100" b="1" cap="small" dirty="0" smtClean="0">
+                        <a:rPr lang="fr-FR" sz="1100" b="1" cap="small" dirty="0">
                           <a:solidFill>
                             <a:srgbClr val="4F81BD"/>
                           </a:solidFill>
@@ -6838,7 +6782,7 @@
                         <a:t>Chef de projets R&amp;D</a:t>
                       </a:r>
                       <a:r>
-                        <a:rPr lang="fr-FR" sz="1000" dirty="0" smtClean="0">
+                        <a:rPr lang="fr-FR" sz="1000" dirty="0">
                           <a:solidFill>
                             <a:srgbClr val="595959"/>
                           </a:solidFill>
@@ -6850,7 +6794,7 @@
                         <a:t> autour de GRAPHTALK AIA, m</a:t>
                       </a:r>
                       <a:r>
-                        <a:rPr lang="fr-FR" sz="1000" dirty="0" smtClean="0">
+                        <a:rPr lang="fr-FR" sz="1000" dirty="0">
                           <a:solidFill>
                             <a:srgbClr val="595959"/>
                           </a:solidFill>
@@ -6861,7 +6805,7 @@
                         </a:rPr>
                         <a:t>anagement de plusieurs équipes R&amp;D en France et en Bulgarie jusqu’à 8 personnes.</a:t>
                       </a:r>
-                      <a:endParaRPr lang="fr-FR" sz="1000" dirty="0" smtClean="0">
+                      <a:endParaRPr lang="fr-FR" sz="1000" dirty="0">
                         <a:solidFill>
                           <a:srgbClr val="595959"/>
                         </a:solidFill>
@@ -6887,7 +6831,7 @@
                         </a:tabLst>
                       </a:pPr>
                       <a:r>
-                        <a:rPr lang="fr-FR" sz="1000" dirty="0" smtClean="0">
+                        <a:rPr lang="fr-FR" sz="1000" dirty="0">
                           <a:solidFill>
                             <a:srgbClr val="595959"/>
                           </a:solidFill>
@@ -6898,7 +6842,7 @@
                         </a:rPr>
                         <a:t> </a:t>
                       </a:r>
-                      <a:endParaRPr lang="fr-FR" sz="1000" dirty="0" smtClean="0">
+                      <a:endParaRPr lang="fr-FR" sz="1000" dirty="0">
                         <a:solidFill>
                           <a:srgbClr val="595959"/>
                         </a:solidFill>
@@ -6924,7 +6868,7 @@
                         </a:tabLst>
                       </a:pPr>
                       <a:r>
-                        <a:rPr lang="fr-FR" sz="1000" b="1" i="1" dirty="0" smtClean="0">
+                        <a:rPr lang="fr-FR" sz="1000" b="1" i="1" dirty="0">
                           <a:solidFill>
                             <a:srgbClr val="595959"/>
                           </a:solidFill>
@@ -6935,7 +6879,7 @@
                         </a:rPr>
                         <a:t>Exemples de projets réalisés :</a:t>
                       </a:r>
-                      <a:endParaRPr lang="fr-FR" sz="1000" dirty="0" smtClean="0">
+                      <a:endParaRPr lang="fr-FR" sz="1000" dirty="0">
                         <a:solidFill>
                           <a:srgbClr val="595959"/>
                         </a:solidFill>
@@ -6964,7 +6908,7 @@
                         </a:tabLst>
                       </a:pPr>
                       <a:r>
-                        <a:rPr lang="fr-FR" sz="1000" b="1" i="1" dirty="0" smtClean="0">
+                        <a:rPr lang="fr-FR" sz="1000" b="1" i="1" dirty="0">
                           <a:solidFill>
                             <a:srgbClr val="0070C0"/>
                           </a:solidFill>
@@ -6976,7 +6920,7 @@
                         <a:t>MIGRATION DOCKER </a:t>
                       </a:r>
                       <a:r>
-                        <a:rPr lang="fr-FR" sz="1000" dirty="0" smtClean="0">
+                        <a:rPr lang="fr-FR" sz="1000" dirty="0">
                           <a:solidFill>
                             <a:srgbClr val="595959"/>
                           </a:solidFill>
@@ -6988,7 +6932,7 @@
                         <a:t>Transformation de l’application GRAPHTALK et de son environnement en conteneurs Docker, </a:t>
                       </a:r>
                       <a:r>
-                        <a:rPr lang="fr-FR" sz="1000" dirty="0" smtClean="0">
+                        <a:rPr lang="fr-FR" sz="1000" dirty="0">
                           <a:solidFill>
                             <a:srgbClr val="595959"/>
                           </a:solidFill>
@@ -7016,7 +6960,7 @@
                         </a:tabLst>
                       </a:pPr>
                       <a:r>
-                        <a:rPr lang="fr-FR" sz="1000" b="1" i="1" dirty="0" smtClean="0">
+                        <a:rPr lang="fr-FR" sz="1000" b="1" i="1" dirty="0">
                           <a:solidFill>
                             <a:srgbClr val="0070C0"/>
                           </a:solidFill>
@@ -7028,7 +6972,7 @@
                         <a:t>INTEGRATION CONTINUE </a:t>
                       </a:r>
                       <a:r>
-                        <a:rPr lang="fr-FR" sz="1000" dirty="0" smtClean="0">
+                        <a:rPr lang="fr-FR" sz="1000" dirty="0">
                           <a:solidFill>
                             <a:srgbClr val="595959"/>
                           </a:solidFill>
@@ -7056,7 +7000,7 @@
                         </a:tabLst>
                       </a:pPr>
                       <a:r>
-                        <a:rPr lang="fr-FR" sz="1000" b="1" i="1" dirty="0" smtClean="0">
+                        <a:rPr lang="fr-FR" sz="1000" b="1" i="1" dirty="0">
                           <a:solidFill>
                             <a:srgbClr val="0070C0"/>
                           </a:solidFill>
@@ -7068,7 +7012,7 @@
                         <a:t>DEVOPS SUR GRAPHTALK AIA </a:t>
                       </a:r>
                       <a:r>
-                        <a:rPr lang="fr-FR" sz="1000" dirty="0" smtClean="0">
+                        <a:rPr lang="fr-FR" sz="1000" dirty="0">
                           <a:solidFill>
                             <a:srgbClr val="595959"/>
                           </a:solidFill>
@@ -7079,7 +7023,7 @@
                         </a:rPr>
                         <a:t>Développement d’une chaine d’intégration continue sous Jenkins. Création d’une chaîne de validation continue du logiciel GRAPHTALK AIA avec tests et lancement d’alertes.</a:t>
                       </a:r>
-                      <a:endParaRPr lang="fr-FR" sz="1000" dirty="0" smtClean="0">
+                      <a:endParaRPr lang="fr-FR" sz="1000" dirty="0">
                         <a:solidFill>
                           <a:srgbClr val="595959"/>
                         </a:solidFill>
@@ -7105,7 +7049,7 @@
                         </a:tabLst>
                       </a:pPr>
                       <a:r>
-                        <a:rPr lang="fr-FR" sz="1000" b="1" i="1" dirty="0" smtClean="0">
+                        <a:rPr lang="fr-FR" sz="1000" b="1" i="1" dirty="0">
                           <a:solidFill>
                             <a:srgbClr val="0070C0"/>
                           </a:solidFill>
@@ -7116,7 +7060,7 @@
                         </a:rPr>
                         <a:t>INDUSTRIALISATION DE L’INSTALLATION DU LOGICIEL GRAPHTALK jusqu’en 2014</a:t>
                       </a:r>
-                      <a:endParaRPr lang="fr-FR" sz="1000" dirty="0" smtClean="0">
+                      <a:endParaRPr lang="fr-FR" sz="1000" dirty="0">
                         <a:solidFill>
                           <a:srgbClr val="595959"/>
                         </a:solidFill>
@@ -7141,7 +7085,7 @@
                         <a:buChar char="o"/>
                       </a:pPr>
                       <a:r>
-                        <a:rPr lang="fr-FR" sz="1000" b="1" i="1" dirty="0" smtClean="0">
+                        <a:rPr lang="fr-FR" sz="1000" b="1" i="1" dirty="0">
                           <a:solidFill>
                             <a:srgbClr val="595959"/>
                           </a:solidFill>
@@ -7152,7 +7096,7 @@
                         </a:rPr>
                         <a:t>Responsable du projet Delivery Manager 2007-2014 : équipe de 5 personnes</a:t>
                       </a:r>
-                      <a:endParaRPr lang="fr-FR" sz="1000" dirty="0" smtClean="0">
+                      <a:endParaRPr lang="fr-FR" sz="1000" dirty="0">
                         <a:solidFill>
                           <a:srgbClr val="595959"/>
                         </a:solidFill>
@@ -7172,7 +7116,7 @@
                         </a:spcAft>
                       </a:pPr>
                       <a:r>
-                        <a:rPr lang="fr-FR" sz="1000" dirty="0" smtClean="0">
+                        <a:rPr lang="fr-FR" sz="1000" dirty="0">
                           <a:solidFill>
                             <a:srgbClr val="595959"/>
                           </a:solidFill>
@@ -7184,7 +7128,7 @@
                         <a:t>Outil d’automatisation de l’installation de </a:t>
                       </a:r>
                       <a:r>
-                        <a:rPr lang="fr-FR" sz="1000" dirty="0" err="1" smtClean="0">
+                        <a:rPr lang="fr-FR" sz="1000" dirty="0" err="1">
                           <a:solidFill>
                             <a:srgbClr val="595959"/>
                           </a:solidFill>
@@ -7196,7 +7140,7 @@
                         <a:t>Graphtalk</a:t>
                       </a:r>
                       <a:r>
-                        <a:rPr lang="fr-FR" sz="1000" dirty="0" smtClean="0">
+                        <a:rPr lang="fr-FR" sz="1000" dirty="0">
                           <a:solidFill>
                             <a:srgbClr val="595959"/>
                           </a:solidFill>
@@ -7207,7 +7151,7 @@
                         </a:rPr>
                         <a:t> AIA sur sites de production</a:t>
                       </a:r>
-                      <a:endParaRPr lang="fr-FR" sz="1000" dirty="0" smtClean="0">
+                      <a:endParaRPr lang="fr-FR" sz="1000" dirty="0">
                         <a:solidFill>
                           <a:srgbClr val="595959"/>
                         </a:solidFill>
@@ -7232,7 +7176,7 @@
                         <a:buChar char="o"/>
                       </a:pPr>
                       <a:r>
-                        <a:rPr lang="fr-FR" sz="1000" b="1" i="1" dirty="0" smtClean="0">
+                        <a:rPr lang="fr-FR" sz="1000" b="1" i="1" dirty="0">
                           <a:solidFill>
                             <a:srgbClr val="595959"/>
                           </a:solidFill>
@@ -7244,7 +7188,7 @@
                         <a:t>Proxy Product </a:t>
                       </a:r>
                       <a:r>
-                        <a:rPr lang="fr-FR" sz="1000" b="1" i="1" dirty="0" err="1" smtClean="0">
+                        <a:rPr lang="fr-FR" sz="1000" b="1" i="1" dirty="0" err="1">
                           <a:solidFill>
                             <a:srgbClr val="595959"/>
                           </a:solidFill>
@@ -7256,7 +7200,7 @@
                         <a:t>Owner</a:t>
                       </a:r>
                       <a:r>
-                        <a:rPr lang="fr-FR" sz="1000" b="1" i="1" dirty="0" smtClean="0">
+                        <a:rPr lang="fr-FR" sz="1000" b="1" i="1" dirty="0">
                           <a:solidFill>
                             <a:srgbClr val="595959"/>
                           </a:solidFill>
@@ -7268,7 +7212,7 @@
                         <a:t>, Gestion de la </a:t>
                       </a:r>
                       <a:r>
-                        <a:rPr lang="fr-FR" sz="1000" b="1" i="1" dirty="0" err="1" smtClean="0">
+                        <a:rPr lang="fr-FR" sz="1000" b="1" i="1" dirty="0" err="1">
                           <a:solidFill>
                             <a:srgbClr val="595959"/>
                           </a:solidFill>
@@ -7280,7 +7224,7 @@
                         <a:t>backlog</a:t>
                       </a:r>
                       <a:r>
-                        <a:rPr lang="fr-FR" sz="1000" b="1" i="1" dirty="0" smtClean="0">
+                        <a:rPr lang="fr-FR" sz="1000" b="1" i="1" dirty="0">
                           <a:solidFill>
                             <a:srgbClr val="595959"/>
                           </a:solidFill>
@@ -7292,7 +7236,7 @@
                         <a:t> du projet, Consultant </a:t>
                       </a:r>
                       <a:r>
-                        <a:rPr lang="fr-FR" sz="1000" b="1" i="1" dirty="0" smtClean="0">
+                        <a:rPr lang="fr-FR" sz="1000" b="1" i="1" dirty="0">
                           <a:solidFill>
                             <a:srgbClr val="595959"/>
                           </a:solidFill>
@@ -7303,7 +7247,7 @@
                         </a:rPr>
                         <a:t>2013-2014</a:t>
                       </a:r>
-                      <a:endParaRPr lang="fr-FR" sz="1000" dirty="0" smtClean="0">
+                      <a:endParaRPr lang="fr-FR" sz="1000" dirty="0">
                         <a:solidFill>
                           <a:srgbClr val="595959"/>
                         </a:solidFill>
@@ -7323,7 +7267,7 @@
                         </a:spcAft>
                       </a:pPr>
                       <a:r>
-                        <a:rPr lang="fr-FR" sz="1000" dirty="0" smtClean="0">
+                        <a:rPr lang="fr-FR" sz="1000" dirty="0">
                           <a:solidFill>
                             <a:srgbClr val="595959"/>
                           </a:solidFill>
@@ -7335,7 +7279,7 @@
                         <a:t>Migration du logiciel </a:t>
                       </a:r>
                       <a:r>
-                        <a:rPr lang="fr-FR" sz="1000" dirty="0" err="1" smtClean="0">
+                        <a:rPr lang="fr-FR" sz="1000" dirty="0" err="1">
                           <a:solidFill>
                             <a:srgbClr val="595959"/>
                           </a:solidFill>
@@ -7347,7 +7291,7 @@
                         <a:t>Graphtalk</a:t>
                       </a:r>
                       <a:r>
-                        <a:rPr lang="fr-FR" sz="1000" dirty="0" smtClean="0">
+                        <a:rPr lang="fr-FR" sz="1000" dirty="0">
                           <a:solidFill>
                             <a:srgbClr val="595959"/>
                           </a:solidFill>
@@ -7358,7 +7302,7 @@
                         </a:rPr>
                         <a:t> AIA dans le Cloud AWS </a:t>
                       </a:r>
-                      <a:endParaRPr lang="fr-FR" sz="1000" dirty="0" smtClean="0">
+                      <a:endParaRPr lang="fr-FR" sz="1000" dirty="0">
                         <a:solidFill>
                           <a:srgbClr val="595959"/>
                         </a:solidFill>
@@ -7384,7 +7328,7 @@
                         </a:tabLst>
                       </a:pPr>
                       <a:r>
-                        <a:rPr lang="fr-FR" sz="1000" b="1" i="1" dirty="0" smtClean="0">
+                        <a:rPr lang="fr-FR" sz="1000" b="1" i="1" dirty="0">
                           <a:solidFill>
                             <a:srgbClr val="0070C0"/>
                           </a:solidFill>
@@ -7395,7 +7339,7 @@
                         </a:rPr>
                         <a:t>PROJETS JOB MANAGER et IPE SOUS GRAPHTALK AIA 2003-2007</a:t>
                       </a:r>
-                      <a:endParaRPr lang="fr-FR" sz="1000" dirty="0" smtClean="0">
+                      <a:endParaRPr lang="fr-FR" sz="1000" dirty="0">
                         <a:solidFill>
                           <a:srgbClr val="595959"/>
                         </a:solidFill>
@@ -7423,7 +7367,7 @@
                         </a:tabLst>
                       </a:pPr>
                       <a:r>
-                        <a:rPr lang="fr-FR" sz="1000" b="1" i="1" dirty="0" smtClean="0">
+                        <a:rPr lang="fr-FR" sz="1000" b="1" i="1" dirty="0">
                           <a:solidFill>
                             <a:srgbClr val="595959"/>
                           </a:solidFill>
@@ -7434,7 +7378,7 @@
                         </a:rPr>
                         <a:t>Responsable des projets : équipe de 8 personnes en France et Bulgarie</a:t>
                       </a:r>
-                      <a:endParaRPr lang="fr-FR" sz="1000" dirty="0" smtClean="0">
+                      <a:endParaRPr lang="fr-FR" sz="1000" dirty="0">
                         <a:solidFill>
                           <a:srgbClr val="595959"/>
                         </a:solidFill>
@@ -7457,7 +7401,7 @@
                         </a:tabLst>
                       </a:pPr>
                       <a:r>
-                        <a:rPr lang="fr-FR" sz="1000" dirty="0" smtClean="0">
+                        <a:rPr lang="fr-FR" sz="1000" dirty="0">
                           <a:solidFill>
                             <a:srgbClr val="595959"/>
                           </a:solidFill>
@@ -7468,7 +7412,7 @@
                         </a:rPr>
                         <a:t>Job Manager : Logiciel de Lancement et d’organisation de processus asynchrones lors du traitement de contrats d’assurances </a:t>
                       </a:r>
-                      <a:endParaRPr lang="fr-FR" sz="1000" dirty="0" smtClean="0">
+                      <a:endParaRPr lang="fr-FR" sz="1000" dirty="0">
                         <a:solidFill>
                           <a:srgbClr val="595959"/>
                         </a:solidFill>
@@ -7491,7 +7435,7 @@
                         </a:tabLst>
                       </a:pPr>
                       <a:r>
-                        <a:rPr lang="fr-FR" sz="1000" dirty="0" smtClean="0">
+                        <a:rPr lang="fr-FR" sz="1000" dirty="0">
                           <a:solidFill>
                             <a:srgbClr val="595959"/>
                           </a:solidFill>
@@ -7502,7 +7446,7 @@
                         </a:rPr>
                         <a:t>IPE : logiciel de gestion des environnements de production </a:t>
                       </a:r>
-                      <a:endParaRPr lang="fr-FR" sz="1000" dirty="0" smtClean="0">
+                      <a:endParaRPr lang="fr-FR" sz="1000" dirty="0">
                         <a:solidFill>
                           <a:srgbClr val="595959"/>
                         </a:solidFill>
@@ -7528,7 +7472,7 @@
                         </a:tabLst>
                       </a:pPr>
                       <a:r>
-                        <a:rPr lang="fr-FR" sz="1000" b="1" i="1" dirty="0" smtClean="0">
+                        <a:rPr lang="fr-FR" sz="1000" b="1" i="1" dirty="0">
                           <a:solidFill>
                             <a:srgbClr val="0070C0"/>
                           </a:solidFill>
@@ -7539,7 +7483,7 @@
                         </a:rPr>
                         <a:t>PROJET INTERFACE GRAPHIQUE (GUI) DE GRAPHTALK AIA 2000-2003</a:t>
                       </a:r>
-                      <a:endParaRPr lang="fr-FR" sz="1000" dirty="0" smtClean="0">
+                      <a:endParaRPr lang="fr-FR" sz="1000" dirty="0">
                         <a:solidFill>
                           <a:srgbClr val="595959"/>
                         </a:solidFill>
@@ -7567,7 +7511,7 @@
                         </a:tabLst>
                       </a:pPr>
                       <a:r>
-                        <a:rPr lang="fr-FR" sz="1000" b="1" i="1" dirty="0" smtClean="0">
+                        <a:rPr lang="fr-FR" sz="1000" b="1" i="1" dirty="0">
                           <a:solidFill>
                             <a:srgbClr val="595959"/>
                           </a:solidFill>
@@ -7578,7 +7522,7 @@
                         </a:rPr>
                         <a:t>Responsable du projet : équipe de 5 personnes en France</a:t>
                       </a:r>
-                      <a:endParaRPr lang="fr-FR" sz="1000" dirty="0" smtClean="0">
+                      <a:endParaRPr lang="fr-FR" sz="1000" dirty="0">
                         <a:solidFill>
                           <a:srgbClr val="595959"/>
                         </a:solidFill>
@@ -7604,7 +7548,7 @@
                         </a:tabLst>
                       </a:pPr>
                       <a:r>
-                        <a:rPr lang="fr-FR" sz="1000" dirty="0" smtClean="0">
+                        <a:rPr lang="fr-FR" sz="1000" dirty="0">
                           <a:solidFill>
                             <a:srgbClr val="595959"/>
                           </a:solidFill>
@@ -7616,7 +7560,7 @@
                         <a:t>Organisation et participation au développement de l’interface Graphique (Windows et Web) du logiciel GRAPHTALK AIA</a:t>
                       </a:r>
                       <a:r>
-                        <a:rPr lang="fr-FR" sz="1000" dirty="0" smtClean="0">
+                        <a:rPr lang="fr-FR" sz="1000" dirty="0">
                           <a:solidFill>
                             <a:srgbClr val="595959"/>
                           </a:solidFill>
@@ -7627,7 +7571,7 @@
                         </a:rPr>
                         <a:t>.</a:t>
                       </a:r>
-                      <a:endParaRPr lang="fr-FR" sz="1000" dirty="0" smtClean="0">
+                      <a:endParaRPr lang="fr-FR" sz="1000" dirty="0">
                         <a:solidFill>
                           <a:srgbClr val="595959"/>
                         </a:solidFill>
@@ -7669,6 +7613,11 @@
                     </a:lnBlToTr>
                   </a:tcPr>
                 </a:tc>
+                <a:extLst>
+                  <a:ext uri="{0D108BD9-81ED-4DB2-BD59-A6C34878D82A}">
+                    <a16:rowId xmlns:a16="http://schemas.microsoft.com/office/drawing/2014/main" val="10001"/>
+                  </a:ext>
+                </a:extLst>
               </a:tr>
               <a:tr h="324722">
                 <a:tc>
@@ -7694,7 +7643,7 @@
                         <a:defRPr/>
                       </a:pPr>
                       <a:r>
-                        <a:rPr lang="fr-FR" sz="1100" b="1" i="0" dirty="0" smtClean="0">
+                        <a:rPr lang="fr-FR" sz="1100" b="1" i="0" dirty="0">
                           <a:solidFill>
                             <a:srgbClr val="58585A"/>
                           </a:solidFill>
@@ -7754,7 +7703,7 @@
                         </a:spcAft>
                       </a:pPr>
                       <a:r>
-                        <a:rPr lang="fr-FR" sz="1050" b="1" cap="all" dirty="0" smtClean="0">
+                        <a:rPr lang="fr-FR" sz="1050" b="1" cap="all" dirty="0">
                           <a:solidFill>
                             <a:srgbClr val="00000A"/>
                           </a:solidFill>
@@ -7766,7 +7715,7 @@
                         <a:t>TAGG informatique </a:t>
                       </a:r>
                       <a:r>
-                        <a:rPr lang="fr-FR" sz="1100" b="1" cap="all" dirty="0" smtClean="0">
+                        <a:rPr lang="fr-FR" sz="1100" b="1" cap="all" dirty="0">
                           <a:solidFill>
                             <a:srgbClr val="00000A"/>
                           </a:solidFill>
@@ -7778,7 +7727,7 @@
                         <a:t>– </a:t>
                       </a:r>
                       <a:r>
-                        <a:rPr lang="fr-FR" sz="1000" b="0" cap="all" dirty="0" smtClean="0">
+                        <a:rPr lang="fr-FR" sz="1000" b="0" cap="all" dirty="0">
                           <a:solidFill>
                             <a:srgbClr val="404040"/>
                           </a:solidFill>
@@ -7789,7 +7738,7 @@
                         </a:rPr>
                         <a:t>1997 a 2000, secteur d’activité : TRAITEMENTS DE DONNEES, IMPRESSIONS PERSONNALISEES DE DOCUMENTS, SOLUTION DE VOTE</a:t>
                       </a:r>
-                      <a:endParaRPr lang="fr-FR" sz="1000" b="1" cap="all" dirty="0" smtClean="0">
+                      <a:endParaRPr lang="fr-FR" sz="1000" b="1" cap="all" dirty="0">
                         <a:solidFill>
                           <a:srgbClr val="404040"/>
                         </a:solidFill>
@@ -7812,7 +7761,7 @@
                         </a:spcAft>
                       </a:pPr>
                       <a:r>
-                        <a:rPr lang="fr-FR" sz="1000" dirty="0" smtClean="0">
+                        <a:rPr lang="fr-FR" sz="1000" dirty="0">
                           <a:solidFill>
                             <a:srgbClr val="595959"/>
                           </a:solidFill>
@@ -7824,7 +7773,7 @@
                         <a:t>Postes occupés : </a:t>
                       </a:r>
                       <a:r>
-                        <a:rPr lang="fr-FR" sz="1100" b="1" cap="small" dirty="0" smtClean="0">
+                        <a:rPr lang="fr-FR" sz="1100" b="1" cap="small" dirty="0">
                           <a:solidFill>
                             <a:srgbClr val="4F81BD"/>
                           </a:solidFill>
@@ -7835,7 +7784,7 @@
                         </a:rPr>
                         <a:t>Développeur à Chef de projets</a:t>
                       </a:r>
-                      <a:endParaRPr lang="fr-FR" sz="1000" dirty="0" smtClean="0">
+                      <a:endParaRPr lang="fr-FR" sz="1000" dirty="0">
                         <a:solidFill>
                           <a:srgbClr val="595959"/>
                         </a:solidFill>
@@ -7858,7 +7807,7 @@
                         </a:spcAft>
                       </a:pPr>
                       <a:r>
-                        <a:rPr lang="fr-FR" sz="400" dirty="0" smtClean="0">
+                        <a:rPr lang="fr-FR" sz="400" dirty="0">
                           <a:solidFill>
                             <a:srgbClr val="595959"/>
                           </a:solidFill>
@@ -7869,7 +7818,7 @@
                         </a:rPr>
                         <a:t> </a:t>
                       </a:r>
-                      <a:endParaRPr lang="fr-FR" sz="1000" dirty="0" smtClean="0">
+                      <a:endParaRPr lang="fr-FR" sz="1000" dirty="0">
                         <a:solidFill>
                           <a:srgbClr val="595959"/>
                         </a:solidFill>
@@ -7898,7 +7847,7 @@
                         </a:tabLst>
                       </a:pPr>
                       <a:r>
-                        <a:rPr lang="fr-FR" sz="1000" dirty="0" smtClean="0">
+                        <a:rPr lang="fr-FR" sz="1000" dirty="0">
                           <a:solidFill>
                             <a:srgbClr val="0070C0"/>
                           </a:solidFill>
@@ -7910,7 +7859,7 @@
                         <a:t>Responsable de l'équipe de développement</a:t>
                       </a:r>
                       <a:r>
-                        <a:rPr lang="fr-FR" sz="1000" dirty="0" smtClean="0">
+                        <a:rPr lang="fr-FR" sz="1000" dirty="0">
                           <a:solidFill>
                             <a:srgbClr val="595959"/>
                           </a:solidFill>
@@ -7921,7 +7870,7 @@
                         </a:rPr>
                         <a:t> : animation d’une équipe de 7 personnes.</a:t>
                       </a:r>
-                      <a:endParaRPr lang="fr-FR" sz="1000" dirty="0" smtClean="0">
+                      <a:endParaRPr lang="fr-FR" sz="1000" dirty="0">
                         <a:solidFill>
                           <a:srgbClr val="595959"/>
                         </a:solidFill>
@@ -7950,7 +7899,7 @@
                         </a:tabLst>
                       </a:pPr>
                       <a:r>
-                        <a:rPr lang="fr-FR" sz="1000" dirty="0" smtClean="0">
+                        <a:rPr lang="fr-FR" sz="1000" dirty="0">
                           <a:solidFill>
                             <a:srgbClr val="0070C0"/>
                           </a:solidFill>
@@ -7962,7 +7911,7 @@
                         <a:t>Responsable du projet </a:t>
                       </a:r>
                       <a:r>
-                        <a:rPr lang="fr-FR" sz="1000" dirty="0" err="1" smtClean="0">
+                        <a:rPr lang="fr-FR" sz="1000" dirty="0" err="1">
                           <a:solidFill>
                             <a:srgbClr val="0070C0"/>
                           </a:solidFill>
@@ -7974,7 +7923,7 @@
                         <a:t>TaggImage</a:t>
                       </a:r>
                       <a:r>
-                        <a:rPr lang="fr-FR" sz="1000" dirty="0" smtClean="0">
+                        <a:rPr lang="fr-FR" sz="1000" dirty="0">
                           <a:solidFill>
                             <a:srgbClr val="595959"/>
                           </a:solidFill>
@@ -7985,7 +7934,7 @@
                         </a:rPr>
                         <a:t> : Informatisation d'un contrôle caméra de documents imprimés par comparaison de modèles. Contrôle qualité sur des impressions en très grosses quantités (plusieurs dizaines de milliers) à très grande vitesse. </a:t>
                       </a:r>
-                      <a:endParaRPr lang="fr-FR" sz="1000" dirty="0" smtClean="0">
+                      <a:endParaRPr lang="fr-FR" sz="1000" dirty="0">
                         <a:solidFill>
                           <a:srgbClr val="595959"/>
                         </a:solidFill>
@@ -7997,7 +7946,7 @@
                     </a:p>
                     <a:p>
                       <a:r>
-                        <a:rPr lang="fr-FR" sz="1000" dirty="0" smtClean="0">
+                        <a:rPr lang="fr-FR" sz="1000" dirty="0">
                           <a:solidFill>
                             <a:srgbClr val="0070C0"/>
                           </a:solidFill>
@@ -8009,7 +7958,7 @@
                         <a:t>Développement et Exploitation</a:t>
                       </a:r>
                       <a:r>
-                        <a:rPr lang="fr-FR" sz="1000" dirty="0" smtClean="0">
+                        <a:rPr lang="fr-FR" sz="1000" dirty="0">
                           <a:effectLst/>
                           <a:latin typeface="Cambria" panose="02040503050406030204" pitchFamily="18" charset="0"/>
                           <a:ea typeface="Cambria" panose="02040503050406030204" pitchFamily="18" charset="0"/>
@@ -8018,7 +7967,7 @@
                         <a:t> du logiciel </a:t>
                       </a:r>
                       <a:r>
-                        <a:rPr lang="fr-FR" sz="1000" dirty="0" err="1" smtClean="0">
+                        <a:rPr lang="fr-FR" sz="1000" dirty="0" err="1">
                           <a:effectLst/>
                           <a:latin typeface="Cambria" panose="02040503050406030204" pitchFamily="18" charset="0"/>
                           <a:ea typeface="Cambria" panose="02040503050406030204" pitchFamily="18" charset="0"/>
@@ -8027,7 +7976,7 @@
                         <a:t>VotExpress</a:t>
                       </a:r>
                       <a:r>
-                        <a:rPr lang="fr-FR" sz="1000" dirty="0" smtClean="0">
+                        <a:rPr lang="fr-FR" sz="1000" dirty="0">
                           <a:effectLst/>
                           <a:latin typeface="Cambria" panose="02040503050406030204" pitchFamily="18" charset="0"/>
                           <a:ea typeface="Cambria" panose="02040503050406030204" pitchFamily="18" charset="0"/>
@@ -8035,7 +7984,7 @@
                         </a:rPr>
                         <a:t>, solution d’organisation d’élections professionnelles par traitement électronique des votes par correspondance. Ma mission a porté sur la conception, réalisation et mise en exploitation sur sites des premières versions du logiciel.</a:t>
                       </a:r>
-                      <a:endParaRPr lang="en-GB" sz="1050" b="0" i="0" kern="1200" dirty="0" smtClean="0">
+                      <a:endParaRPr lang="en-GB" sz="1050" b="0" i="0" kern="1200" dirty="0">
                         <a:solidFill>
                           <a:srgbClr val="7F7F7F"/>
                         </a:solidFill>
@@ -8076,6 +8025,11 @@
                     </a:lnBlToTr>
                   </a:tcPr>
                 </a:tc>
+                <a:extLst>
+                  <a:ext uri="{0D108BD9-81ED-4DB2-BD59-A6C34878D82A}">
+                    <a16:rowId xmlns:a16="http://schemas.microsoft.com/office/drawing/2014/main" val="10002"/>
+                  </a:ext>
+                </a:extLst>
               </a:tr>
             </a:tbl>
           </a:graphicData>
@@ -8116,7 +8070,7 @@
           <p:nvPr>
             <p:extLst>
               <p:ext uri="{D42A27DB-BD31-4B8C-83A1-F6EECF244321}">
-                <p14:modId xmlns:p14="http://schemas.microsoft.com/office/powerpoint/2010/main" val="3818925686"/>
+                <p14:modId xmlns:p14="http://schemas.microsoft.com/office/powerpoint/2010/main" val="3221015783"/>
               </p:ext>
             </p:extLst>
           </p:nvPr>
@@ -8132,8 +8086,20 @@
                 <a:tableStyleId>{5940675A-B579-460E-94D1-54222C63F5DA}</a:tableStyleId>
               </a:tblPr>
               <a:tblGrid>
-                <a:gridCol w="959419"/>
-                <a:gridCol w="4714875"/>
+                <a:gridCol w="959419">
+                  <a:extLst>
+                    <a:ext uri="{9D8B030D-6E8A-4147-A177-3AD203B41FA5}">
+                      <a16:colId xmlns:a16="http://schemas.microsoft.com/office/drawing/2014/main" val="20000"/>
+                    </a:ext>
+                  </a:extLst>
+                </a:gridCol>
+                <a:gridCol w="4714875">
+                  <a:extLst>
+                    <a:ext uri="{9D8B030D-6E8A-4147-A177-3AD203B41FA5}">
+                      <a16:colId xmlns:a16="http://schemas.microsoft.com/office/drawing/2014/main" val="20001"/>
+                    </a:ext>
+                  </a:extLst>
+                </a:gridCol>
               </a:tblGrid>
               <a:tr h="1552974">
                 <a:tc>
@@ -8159,7 +8125,7 @@
                         <a:defRPr/>
                       </a:pPr>
                       <a:r>
-                        <a:rPr lang="fr-FR" sz="1050" b="1" i="0" dirty="0" smtClean="0">
+                        <a:rPr lang="fr-FR" sz="1050" b="1" i="0" dirty="0">
                           <a:solidFill>
                             <a:srgbClr val="58585A"/>
                           </a:solidFill>
@@ -8219,7 +8185,7 @@
                         </a:spcAft>
                       </a:pPr>
                       <a:r>
-                        <a:rPr lang="fr-FR" sz="1100" b="1" cap="all" dirty="0" smtClean="0">
+                        <a:rPr lang="fr-FR" sz="1100" b="1" cap="all" dirty="0">
                           <a:solidFill>
                             <a:srgbClr val="00000A"/>
                           </a:solidFill>
@@ -8230,7 +8196,7 @@
                         </a:rPr>
                         <a:t>SCHNEIDER POUR CONAN JEKEN CONSULTING</a:t>
                       </a:r>
-                      <a:endParaRPr lang="fr-FR" sz="1100" b="1" cap="all" dirty="0" smtClean="0">
+                      <a:endParaRPr lang="fr-FR" sz="1100" b="1" cap="all" dirty="0">
                         <a:solidFill>
                           <a:srgbClr val="404040"/>
                         </a:solidFill>
@@ -8253,7 +8219,7 @@
                         </a:spcAft>
                       </a:pPr>
                       <a:r>
-                        <a:rPr lang="fr-FR" sz="1050" dirty="0" smtClean="0">
+                        <a:rPr lang="fr-FR" sz="1050" dirty="0">
                           <a:solidFill>
                             <a:srgbClr val="595959"/>
                           </a:solidFill>
@@ -8265,7 +8231,7 @@
                         <a:t>Poste occupé : </a:t>
                       </a:r>
                       <a:r>
-                        <a:rPr lang="fr-FR" sz="1050" b="1" cap="small" dirty="0" smtClean="0">
+                        <a:rPr lang="fr-FR" sz="1050" b="1" cap="small" dirty="0">
                           <a:solidFill>
                             <a:srgbClr val="4F81BD"/>
                           </a:solidFill>
@@ -8277,7 +8243,7 @@
                         <a:t>Consultant </a:t>
                       </a:r>
                       <a:r>
-                        <a:rPr lang="fr-FR" sz="1050" b="1" cap="small" dirty="0" err="1" smtClean="0">
+                        <a:rPr lang="fr-FR" sz="1050" b="1" cap="small" dirty="0" err="1">
                           <a:solidFill>
                             <a:srgbClr val="4F81BD"/>
                           </a:solidFill>
@@ -8289,7 +8255,7 @@
                         <a:t>DevOps</a:t>
                       </a:r>
                       <a:r>
-                        <a:rPr lang="fr-FR" sz="1050" b="1" cap="small" dirty="0" smtClean="0">
+                        <a:rPr lang="fr-FR" sz="1050" b="1" cap="small" dirty="0">
                           <a:solidFill>
                             <a:srgbClr val="4F81BD"/>
                           </a:solidFill>
@@ -8301,7 +8267,7 @@
                         <a:t> dans l’équipe R&amp;D </a:t>
                       </a:r>
                       <a:r>
-                        <a:rPr lang="fr-FR" sz="1050" b="1" cap="small" dirty="0" err="1" smtClean="0">
+                        <a:rPr lang="fr-FR" sz="1050" b="1" cap="small" dirty="0" err="1">
                           <a:solidFill>
                             <a:srgbClr val="4F81BD"/>
                           </a:solidFill>
@@ -8313,7 +8279,7 @@
                         <a:t>DmnPint</a:t>
                       </a:r>
                       <a:r>
-                        <a:rPr lang="fr-FR" sz="1050" b="1" cap="small" dirty="0" smtClean="0">
+                        <a:rPr lang="fr-FR" sz="1050" b="1" cap="small" dirty="0">
                           <a:solidFill>
                             <a:srgbClr val="4F81BD"/>
                           </a:solidFill>
@@ -8325,7 +8291,7 @@
                         <a:t> sur la plateforme de gestion d’objets connectés ETP (</a:t>
                       </a:r>
                       <a:r>
-                        <a:rPr lang="fr-FR" sz="1050" b="1" cap="small" dirty="0" err="1" smtClean="0">
+                        <a:rPr lang="fr-FR" sz="1050" b="1" cap="small" dirty="0" err="1">
                           <a:solidFill>
                             <a:srgbClr val="4F81BD"/>
                           </a:solidFill>
@@ -8337,7 +8303,7 @@
                         <a:t>Exostruxure</a:t>
                       </a:r>
                       <a:r>
-                        <a:rPr lang="fr-FR" sz="1050" b="1" cap="small" dirty="0" smtClean="0">
+                        <a:rPr lang="fr-FR" sz="1050" b="1" cap="small" dirty="0">
                           <a:solidFill>
                             <a:srgbClr val="4F81BD"/>
                           </a:solidFill>
@@ -8349,7 +8315,7 @@
                         <a:t> </a:t>
                       </a:r>
                       <a:r>
-                        <a:rPr lang="fr-FR" sz="1050" b="1" cap="small" dirty="0" err="1" smtClean="0">
+                        <a:rPr lang="fr-FR" sz="1050" b="1" cap="small" dirty="0" err="1">
                           <a:solidFill>
                             <a:srgbClr val="4F81BD"/>
                           </a:solidFill>
@@ -8361,7 +8327,7 @@
                         <a:t>Technology</a:t>
                       </a:r>
                       <a:r>
-                        <a:rPr lang="fr-FR" sz="1050" b="1" cap="small" dirty="0" smtClean="0">
+                        <a:rPr lang="fr-FR" sz="1050" b="1" cap="small" dirty="0">
                           <a:solidFill>
                             <a:srgbClr val="4F81BD"/>
                           </a:solidFill>
@@ -8373,7 +8339,7 @@
                         <a:t> </a:t>
                       </a:r>
                       <a:r>
-                        <a:rPr lang="fr-FR" sz="1050" b="1" cap="small" dirty="0" err="1" smtClean="0">
+                        <a:rPr lang="fr-FR" sz="1050" b="1" cap="small" dirty="0" err="1">
                           <a:solidFill>
                             <a:srgbClr val="4F81BD"/>
                           </a:solidFill>
@@ -8385,7 +8351,7 @@
                         <a:t>Plateform</a:t>
                       </a:r>
                       <a:r>
-                        <a:rPr lang="fr-FR" sz="1050" b="1" cap="small" dirty="0" smtClean="0">
+                        <a:rPr lang="fr-FR" sz="1050" b="1" cap="small" dirty="0">
                           <a:solidFill>
                             <a:srgbClr val="4F81BD"/>
                           </a:solidFill>
@@ -8397,7 +8363,7 @@
                         <a:t>)</a:t>
                       </a:r>
                       <a:r>
-                        <a:rPr lang="fr-FR" sz="1050" dirty="0" smtClean="0">
+                        <a:rPr lang="fr-FR" sz="1050" dirty="0">
                           <a:solidFill>
                             <a:srgbClr val="595959"/>
                           </a:solidFill>
@@ -8425,7 +8391,7 @@
                         <a:buNone/>
                       </a:pPr>
                       <a:r>
-                        <a:rPr lang="fr-FR" sz="1050" b="1" dirty="0" smtClean="0">
+                        <a:rPr lang="fr-FR" sz="1050" b="1" dirty="0">
                           <a:solidFill>
                             <a:srgbClr val="595959"/>
                           </a:solidFill>
@@ -8434,10 +8400,10 @@
                           <a:ea typeface="Cambria" panose="02040503050406030204" pitchFamily="18" charset="0"/>
                           <a:cs typeface="Angsana New"/>
                         </a:rPr>
-                        <a:t>Amélioration des processus de livraison sous Azure </a:t>
-                      </a:r>
-                      <a:r>
-                        <a:rPr lang="fr-FR" sz="1050" b="1" dirty="0" err="1" smtClean="0">
+                        <a:t>Optimisation </a:t>
+                      </a:r>
+                      <a:r>
+                        <a:rPr lang="fr-FR" sz="1050" b="1">
                           <a:solidFill>
                             <a:srgbClr val="595959"/>
                           </a:solidFill>
@@ -8446,10 +8412,34 @@
                           <a:ea typeface="Cambria" panose="02040503050406030204" pitchFamily="18" charset="0"/>
                           <a:cs typeface="Angsana New"/>
                         </a:rPr>
+                        <a:t>et création </a:t>
+                      </a:r>
+                      <a:r>
+                        <a:rPr lang="fr-FR" sz="1050" b="1" dirty="0">
+                          <a:solidFill>
+                            <a:srgbClr val="595959"/>
+                          </a:solidFill>
+                          <a:effectLst/>
+                          <a:latin typeface="+mj-lt"/>
+                          <a:ea typeface="Cambria" panose="02040503050406030204" pitchFamily="18" charset="0"/>
+                          <a:cs typeface="Angsana New"/>
+                        </a:rPr>
+                        <a:t>des processus de livraison sous Azure </a:t>
+                      </a:r>
+                      <a:r>
+                        <a:rPr lang="fr-FR" sz="1050" b="1" dirty="0" err="1">
+                          <a:solidFill>
+                            <a:srgbClr val="595959"/>
+                          </a:solidFill>
+                          <a:effectLst/>
+                          <a:latin typeface="+mj-lt"/>
+                          <a:ea typeface="Cambria" panose="02040503050406030204" pitchFamily="18" charset="0"/>
+                          <a:cs typeface="Angsana New"/>
+                        </a:rPr>
                         <a:t>DevOps</a:t>
                       </a:r>
                       <a:r>
-                        <a:rPr lang="fr-FR" sz="1050" b="1" dirty="0" smtClean="0">
+                        <a:rPr lang="fr-FR" sz="1050" b="1" dirty="0">
                           <a:solidFill>
                             <a:srgbClr val="595959"/>
                           </a:solidFill>
@@ -8460,7 +8450,7 @@
                         </a:rPr>
                         <a:t> dans l’environnement de production (pipelines)</a:t>
                       </a:r>
-                      <a:endParaRPr lang="fr-FR" sz="1050" dirty="0" smtClean="0">
+                      <a:endParaRPr lang="fr-FR" sz="1050" dirty="0">
                         <a:solidFill>
                           <a:srgbClr val="595959"/>
                         </a:solidFill>
@@ -8483,7 +8473,7 @@
                         <a:buNone/>
                       </a:pPr>
                       <a:r>
-                        <a:rPr lang="fr-FR" sz="1050" b="1" dirty="0" smtClean="0">
+                        <a:rPr lang="fr-FR" sz="1050" b="1" dirty="0">
                           <a:solidFill>
                             <a:srgbClr val="595959"/>
                           </a:solidFill>
@@ -8494,7 +8484,7 @@
                         </a:rPr>
                         <a:t>Intégration continue des composants dans la plateforme </a:t>
                       </a:r>
-                      <a:endParaRPr lang="fr-FR" sz="1050" dirty="0" smtClean="0">
+                      <a:endParaRPr lang="fr-FR" sz="1050" dirty="0">
                         <a:solidFill>
                           <a:srgbClr val="595959"/>
                         </a:solidFill>
@@ -8517,7 +8507,7 @@
                         <a:buNone/>
                       </a:pPr>
                       <a:r>
-                        <a:rPr lang="fr-FR" sz="1050" b="1" dirty="0" smtClean="0">
+                        <a:rPr lang="fr-FR" sz="1050" b="1" dirty="0">
                           <a:solidFill>
                             <a:srgbClr val="595959"/>
                           </a:solidFill>
@@ -8529,7 +8519,7 @@
                         <a:t>Intervention dans les différents processus </a:t>
                       </a:r>
                       <a:r>
-                        <a:rPr lang="fr-FR" sz="1050" b="1" dirty="0" err="1" smtClean="0">
+                        <a:rPr lang="fr-FR" sz="1050" b="1" dirty="0" err="1">
                           <a:solidFill>
                             <a:srgbClr val="595959"/>
                           </a:solidFill>
@@ -8541,7 +8531,7 @@
                         <a:t>DevOps</a:t>
                       </a:r>
                       <a:r>
-                        <a:rPr lang="fr-FR" sz="1050" b="1" dirty="0" smtClean="0">
+                        <a:rPr lang="fr-FR" sz="1050" b="1" dirty="0">
                           <a:solidFill>
                             <a:srgbClr val="595959"/>
                           </a:solidFill>
@@ -8552,7 +8542,7 @@
                         </a:rPr>
                         <a:t> au cœur de l’équipe R&amp;D </a:t>
                       </a:r>
-                      <a:endParaRPr lang="fr-FR" sz="1050" dirty="0" smtClean="0">
+                      <a:endParaRPr lang="fr-FR" sz="1050" dirty="0">
                         <a:solidFill>
                           <a:srgbClr val="595959"/>
                         </a:solidFill>
@@ -8594,6 +8584,11 @@
                     </a:lnBlToTr>
                   </a:tcPr>
                 </a:tc>
+                <a:extLst>
+                  <a:ext uri="{0D108BD9-81ED-4DB2-BD59-A6C34878D82A}">
+                    <a16:rowId xmlns:a16="http://schemas.microsoft.com/office/drawing/2014/main" val="10000"/>
+                  </a:ext>
+                </a:extLst>
               </a:tr>
               <a:tr h="2514870">
                 <a:tc>
@@ -8619,7 +8614,7 @@
                         <a:defRPr/>
                       </a:pPr>
                       <a:r>
-                        <a:rPr lang="fr-FR" sz="1050" b="1" i="0" dirty="0" smtClean="0">
+                        <a:rPr lang="fr-FR" sz="1050" b="1" i="0" dirty="0">
                           <a:solidFill>
                             <a:srgbClr val="58585A"/>
                           </a:solidFill>
@@ -8630,7 +8625,7 @@
                         <a:t>04/2</a:t>
                       </a:r>
                       <a:r>
-                        <a:rPr lang="fr-FR" sz="1050" b="1" i="0" baseline="0" dirty="0" smtClean="0">
+                        <a:rPr lang="fr-FR" sz="1050" b="1" i="0" baseline="0" dirty="0">
                           <a:solidFill>
                             <a:srgbClr val="58585A"/>
                           </a:solidFill>
@@ -8641,7 +8636,7 @@
                         <a:t>018</a:t>
                       </a:r>
                       <a:r>
-                        <a:rPr lang="fr-FR" sz="1050" b="1" i="0" dirty="0" smtClean="0">
+                        <a:rPr lang="fr-FR" sz="1050" b="1" i="0" dirty="0">
                           <a:solidFill>
                             <a:srgbClr val="58585A"/>
                           </a:solidFill>
@@ -8701,7 +8696,7 @@
                         </a:spcAft>
                       </a:pPr>
                       <a:r>
-                        <a:rPr lang="fr-FR" sz="1100" b="1" cap="all" dirty="0" smtClean="0">
+                        <a:rPr lang="fr-FR" sz="1100" b="1" cap="all" dirty="0">
                           <a:solidFill>
                             <a:srgbClr val="00000A"/>
                           </a:solidFill>
@@ -8712,7 +8707,7 @@
                         </a:rPr>
                         <a:t>HARDIS GROUP</a:t>
                       </a:r>
-                      <a:endParaRPr lang="fr-FR" sz="1100" b="1" cap="all" dirty="0" smtClean="0">
+                      <a:endParaRPr lang="fr-FR" sz="1100" b="1" cap="all" dirty="0">
                         <a:solidFill>
                           <a:srgbClr val="404040"/>
                         </a:solidFill>
@@ -8735,7 +8730,7 @@
                         </a:spcAft>
                       </a:pPr>
                       <a:r>
-                        <a:rPr lang="fr-FR" sz="1050" dirty="0" smtClean="0">
+                        <a:rPr lang="fr-FR" sz="1050" dirty="0">
                           <a:solidFill>
                             <a:srgbClr val="595959"/>
                           </a:solidFill>
@@ -8747,7 +8742,7 @@
                         <a:t>Poste occupé : </a:t>
                       </a:r>
                       <a:r>
-                        <a:rPr lang="fr-FR" sz="1050" b="1" cap="small" dirty="0" smtClean="0">
+                        <a:rPr lang="fr-FR" sz="1050" b="1" cap="small" dirty="0">
                           <a:solidFill>
                             <a:srgbClr val="4F81BD"/>
                           </a:solidFill>
@@ -8759,7 +8754,7 @@
                         <a:t>Architecte </a:t>
                       </a:r>
                       <a:r>
-                        <a:rPr lang="fr-FR" sz="1050" b="1" cap="small" dirty="0" err="1" smtClean="0">
+                        <a:rPr lang="fr-FR" sz="1050" b="1" cap="small" dirty="0" err="1">
                           <a:solidFill>
                             <a:srgbClr val="4F81BD"/>
                           </a:solidFill>
@@ -8771,7 +8766,7 @@
                         <a:t>DevOps</a:t>
                       </a:r>
                       <a:r>
-                        <a:rPr lang="fr-FR" sz="1050" b="1" cap="small" dirty="0" smtClean="0">
+                        <a:rPr lang="fr-FR" sz="1050" b="1" cap="small" dirty="0">
                           <a:solidFill>
                             <a:srgbClr val="4F81BD"/>
                           </a:solidFill>
@@ -8782,7 +8777,7 @@
                         </a:rPr>
                         <a:t>, docker</a:t>
                       </a:r>
-                      <a:endParaRPr lang="fr-FR" sz="1050" dirty="0" smtClean="0">
+                      <a:endParaRPr lang="fr-FR" sz="1050" dirty="0">
                         <a:solidFill>
                           <a:srgbClr val="595959"/>
                         </a:solidFill>
@@ -8811,7 +8806,7 @@
                         </a:tabLst>
                       </a:pPr>
                       <a:r>
-                        <a:rPr lang="fr-FR" sz="1050" b="1" i="1" dirty="0" smtClean="0">
+                        <a:rPr lang="fr-FR" sz="1050" b="1" i="1" dirty="0">
                           <a:solidFill>
                             <a:srgbClr val="0070C0"/>
                           </a:solidFill>
@@ -8823,7 +8818,7 @@
                         <a:t>DOCKERISATION ADELIA/REFLEX </a:t>
                       </a:r>
                       <a:r>
-                        <a:rPr lang="fr-FR" sz="1050" dirty="0" smtClean="0">
+                        <a:rPr lang="fr-FR" sz="1050" dirty="0">
                           <a:solidFill>
                             <a:srgbClr val="595959"/>
                           </a:solidFill>
@@ -8834,7 +8829,7 @@
                         </a:rPr>
                         <a:t>Participation à la transformation de l’application REFLEX sous forme de conteneurs Docker. Le but est d’utiliser l’application sur le Cloud Public et/ou privé.</a:t>
                       </a:r>
-                      <a:endParaRPr lang="fr-FR" sz="1050" dirty="0" smtClean="0">
+                      <a:endParaRPr lang="fr-FR" sz="1050" dirty="0">
                         <a:solidFill>
                           <a:srgbClr val="595959"/>
                         </a:solidFill>
@@ -8860,7 +8855,7 @@
                         </a:tabLst>
                       </a:pPr>
                       <a:r>
-                        <a:rPr lang="fr-FR" sz="1050" b="1" i="1" dirty="0" smtClean="0">
+                        <a:rPr lang="fr-FR" sz="1050" b="1" i="1" dirty="0">
                           <a:solidFill>
                             <a:srgbClr val="0070C0"/>
                           </a:solidFill>
@@ -8872,7 +8867,7 @@
                         <a:t>CONSULTANT CLOUD PUBLIC POUR PLUSIEURS CLIENTS </a:t>
                       </a:r>
                       <a:r>
-                        <a:rPr lang="fr-FR" sz="1050" dirty="0" smtClean="0">
+                        <a:rPr lang="fr-FR" sz="1050" dirty="0">
                           <a:solidFill>
                             <a:srgbClr val="595959"/>
                           </a:solidFill>
@@ -8883,7 +8878,7 @@
                         </a:rPr>
                         <a:t>Participation à plusieurs projets clients autour du Cloud Public AWS et Azure.</a:t>
                       </a:r>
-                      <a:endParaRPr lang="fr-FR" sz="1050" dirty="0" smtClean="0">
+                      <a:endParaRPr lang="fr-FR" sz="1050" dirty="0">
                         <a:solidFill>
                           <a:srgbClr val="595959"/>
                         </a:solidFill>
@@ -8909,7 +8904,7 @@
                         </a:tabLst>
                       </a:pPr>
                       <a:r>
-                        <a:rPr lang="fr-FR" sz="1050" b="1" i="1" dirty="0" smtClean="0">
+                        <a:rPr lang="fr-FR" sz="1050" b="1" i="1" dirty="0">
                           <a:solidFill>
                             <a:srgbClr val="0070C0"/>
                           </a:solidFill>
@@ -8921,7 +8916,7 @@
                         <a:t>DEVELOPPEMENT SCRIPTS PYTHON </a:t>
                       </a:r>
                       <a:r>
-                        <a:rPr lang="fr-FR" sz="1050" dirty="0" smtClean="0">
+                        <a:rPr lang="fr-FR" sz="1050" dirty="0">
                           <a:solidFill>
                             <a:srgbClr val="595959"/>
                           </a:solidFill>
@@ -8974,6 +8969,11 @@
                     </a:lnBlToTr>
                   </a:tcPr>
                 </a:tc>
+                <a:extLst>
+                  <a:ext uri="{0D108BD9-81ED-4DB2-BD59-A6C34878D82A}">
+                    <a16:rowId xmlns:a16="http://schemas.microsoft.com/office/drawing/2014/main" val="10001"/>
+                  </a:ext>
+                </a:extLst>
               </a:tr>
             </a:tbl>
           </a:graphicData>
@@ -9163,7 +9163,7 @@
           </a:p>
           <a:p>
             <a:pPr lvl="0"/>
-            <a:endParaRPr lang="fr-FR" sz="1050" dirty="0" smtClean="0">
+            <a:endParaRPr lang="fr-FR" sz="1050" dirty="0">
               <a:solidFill>
                 <a:schemeClr val="bg1"/>
               </a:solidFill>
@@ -9173,16 +9173,6 @@
           </a:p>
           <a:p>
             <a:pPr lvl="0"/>
-            <a:r>
-              <a:rPr lang="fr-FR" sz="1050" dirty="0" smtClean="0">
-                <a:solidFill>
-                  <a:schemeClr val="bg1"/>
-                </a:solidFill>
-                <a:latin typeface="Cambria" panose="02040503050406030204" pitchFamily="18" charset="0"/>
-                <a:ea typeface="Cambria" panose="02040503050406030204" pitchFamily="18" charset="0"/>
-              </a:rPr>
-              <a:t>Capacité </a:t>
-            </a:r>
             <a:r>
               <a:rPr lang="fr-FR" sz="1050" dirty="0">
                 <a:solidFill>
@@ -9191,17 +9181,7 @@
                 <a:latin typeface="Cambria" panose="02040503050406030204" pitchFamily="18" charset="0"/>
                 <a:ea typeface="Cambria" panose="02040503050406030204" pitchFamily="18" charset="0"/>
               </a:rPr>
-              <a:t>relationnelle : travail d’équipe, y compris à distance, </a:t>
-            </a:r>
-            <a:r>
-              <a:rPr lang="fr-FR" sz="1050" dirty="0" smtClean="0">
-                <a:solidFill>
-                  <a:schemeClr val="bg1"/>
-                </a:solidFill>
-                <a:latin typeface="Cambria" panose="02040503050406030204" pitchFamily="18" charset="0"/>
-                <a:ea typeface="Cambria" panose="02040503050406030204" pitchFamily="18" charset="0"/>
-              </a:rPr>
-              <a:t>écoute</a:t>
+              <a:t>Capacité relationnelle : travail d’équipe, y compris à distance, écoute</a:t>
             </a:r>
           </a:p>
           <a:p>
@@ -9476,7 +9456,7 @@
           <a:p>
             <a:pPr marL="711200"/>
             <a:r>
-              <a:rPr lang="en-US" sz="1400" b="1" dirty="0" err="1" smtClean="0"/>
+              <a:rPr lang="en-US" sz="1400" b="1" dirty="0" err="1"/>
               <a:t>Langues</a:t>
             </a:r>
             <a:endParaRPr lang="en-US" sz="1400" b="1" dirty="0"/>
@@ -9536,7 +9516,7 @@
           <a:lstStyle/>
           <a:p>
             <a:r>
-              <a:rPr lang="fr-FR" sz="1200" dirty="0" smtClean="0">
+              <a:rPr lang="fr-FR" sz="1200" dirty="0">
                 <a:solidFill>
                   <a:schemeClr val="bg1"/>
                 </a:solidFill>
@@ -9545,13 +9525,6 @@
               </a:rPr>
               <a:t>Anglais</a:t>
             </a:r>
-            <a:endParaRPr lang="fr-FR" sz="1200" dirty="0">
-              <a:solidFill>
-                <a:schemeClr val="bg1"/>
-              </a:solidFill>
-              <a:latin typeface="Cambria" panose="02040503050406030204" pitchFamily="18" charset="0"/>
-              <a:ea typeface="Cambria" panose="02040503050406030204" pitchFamily="18" charset="0"/>
-            </a:endParaRPr>
           </a:p>
         </p:txBody>
       </p:sp>
@@ -9674,14 +9647,13 @@
           <a:p>
             <a:pPr marL="711200"/>
             <a:r>
-              <a:rPr lang="en-US" sz="1400" b="1" dirty="0" err="1" smtClean="0"/>
+              <a:rPr lang="en-US" sz="1400" b="1" dirty="0" err="1"/>
               <a:t>Etat</a:t>
             </a:r>
             <a:r>
-              <a:rPr lang="en-US" sz="1400" b="1" dirty="0" smtClean="0"/>
+              <a:rPr lang="en-US" sz="1400" b="1" dirty="0"/>
               <a:t> civil</a:t>
             </a:r>
-            <a:endParaRPr lang="en-US" sz="1400" b="1" dirty="0"/>
           </a:p>
         </p:txBody>
       </p:sp>
@@ -9708,7 +9680,7 @@
           <a:lstStyle/>
           <a:p>
             <a:r>
-              <a:rPr lang="fr-FR" sz="1200" dirty="0" smtClean="0">
+              <a:rPr lang="fr-FR" sz="1200" dirty="0">
                 <a:solidFill>
                   <a:schemeClr val="bg1"/>
                 </a:solidFill>
@@ -9720,7 +9692,7 @@
           </a:p>
           <a:p>
             <a:r>
-              <a:rPr lang="fr-FR" sz="1200" dirty="0" smtClean="0">
+              <a:rPr lang="fr-FR" sz="1200" dirty="0">
                 <a:solidFill>
                   <a:schemeClr val="bg1"/>
                 </a:solidFill>
@@ -9729,13 +9701,6 @@
               </a:rPr>
               <a:t>Un enfant</a:t>
             </a:r>
-            <a:endParaRPr lang="fr-FR" sz="1200" dirty="0">
-              <a:solidFill>
-                <a:schemeClr val="bg1"/>
-              </a:solidFill>
-              <a:latin typeface="Cambria" panose="02040503050406030204" pitchFamily="18" charset="0"/>
-              <a:ea typeface="Cambria" panose="02040503050406030204" pitchFamily="18" charset="0"/>
-            </a:endParaRPr>
           </a:p>
         </p:txBody>
       </p:sp>
@@ -9813,13 +9778,6 @@
   <p:clrMapOvr>
     <a:masterClrMapping/>
   </p:clrMapOvr>
-  <p:timing>
-    <p:tnLst>
-      <p:par>
-        <p:cTn id="1" dur="indefinite" restart="never" nodeType="tmRoot"/>
-      </p:par>
-    </p:tnLst>
-  </p:timing>
 </p:sld>
 </file>
 
@@ -9999,7 +9957,7 @@
           <a:lstStyle/>
           <a:p>
             <a:r>
-              <a:rPr lang="en-US" sz="1500" b="1" dirty="0" err="1" smtClean="0">
+              <a:rPr lang="en-US" sz="1500" b="1" dirty="0" err="1">
                 <a:solidFill>
                   <a:srgbClr val="404042"/>
                 </a:solidFill>
@@ -10007,7 +9965,7 @@
               <a:t>Expérience</a:t>
             </a:r>
             <a:r>
-              <a:rPr lang="en-US" sz="1500" b="1" dirty="0" smtClean="0">
+              <a:rPr lang="en-US" sz="1500" b="1" dirty="0">
                 <a:solidFill>
                   <a:srgbClr val="404042"/>
                 </a:solidFill>
@@ -10015,7 +9973,7 @@
               <a:t> </a:t>
             </a:r>
             <a:r>
-              <a:rPr lang="en-US" sz="1500" b="1" dirty="0" err="1" smtClean="0">
+              <a:rPr lang="en-US" sz="1500" b="1" dirty="0" err="1">
                 <a:solidFill>
                   <a:srgbClr val="404042"/>
                 </a:solidFill>
@@ -10076,7 +10034,7 @@
         </p:nvGraphicFramePr>
         <p:xfrm>
           <a:off x="19050" y="516368"/>
-          <a:ext cx="7543799" cy="8402951"/>
+          <a:ext cx="7543799" cy="8390124"/>
         </p:xfrm>
         <a:graphic>
           <a:graphicData uri="http://schemas.openxmlformats.org/drawingml/2006/table">
@@ -10085,8 +10043,20 @@
                 <a:tableStyleId>{5940675A-B579-460E-94D1-54222C63F5DA}</a:tableStyleId>
               </a:tblPr>
               <a:tblGrid>
-                <a:gridCol w="923925"/>
-                <a:gridCol w="6619874"/>
+                <a:gridCol w="923925">
+                  <a:extLst>
+                    <a:ext uri="{9D8B030D-6E8A-4147-A177-3AD203B41FA5}">
+                      <a16:colId xmlns:a16="http://schemas.microsoft.com/office/drawing/2014/main" val="20000"/>
+                    </a:ext>
+                  </a:extLst>
+                </a:gridCol>
+                <a:gridCol w="6619874">
+                  <a:extLst>
+                    <a:ext uri="{9D8B030D-6E8A-4147-A177-3AD203B41FA5}">
+                      <a16:colId xmlns:a16="http://schemas.microsoft.com/office/drawing/2014/main" val="20001"/>
+                    </a:ext>
+                  </a:extLst>
+                </a:gridCol>
               </a:tblGrid>
               <a:tr h="5360557">
                 <a:tc>
@@ -10112,7 +10082,7 @@
                         <a:defRPr/>
                       </a:pPr>
                       <a:r>
-                        <a:rPr lang="fr-FR" sz="1200" b="1" i="0" dirty="0" smtClean="0">
+                        <a:rPr lang="fr-FR" sz="1200" b="1" i="0" dirty="0">
                           <a:solidFill>
                             <a:srgbClr val="58585A"/>
                           </a:solidFill>
@@ -10172,7 +10142,7 @@
                         </a:spcAft>
                       </a:pPr>
                       <a:r>
-                        <a:rPr lang="fr-FR" sz="1100" b="1" cap="all" dirty="0" smtClean="0">
+                        <a:rPr lang="fr-FR" sz="1100" b="1" cap="all" dirty="0">
                           <a:solidFill>
                             <a:srgbClr val="00000A"/>
                           </a:solidFill>
@@ -10184,7 +10154,7 @@
                         <a:t>dxc </a:t>
                       </a:r>
                       <a:r>
-                        <a:rPr lang="fr-FR" sz="1100" b="1" cap="all" dirty="0" err="1" smtClean="0">
+                        <a:rPr lang="fr-FR" sz="1100" b="1" cap="all" dirty="0" err="1">
                           <a:solidFill>
                             <a:srgbClr val="00000A"/>
                           </a:solidFill>
@@ -10196,7 +10166,7 @@
                         <a:t>technology</a:t>
                       </a:r>
                       <a:r>
-                        <a:rPr lang="fr-FR" sz="1100" b="1" cap="all" dirty="0" smtClean="0">
+                        <a:rPr lang="fr-FR" sz="1100" b="1" cap="all" dirty="0">
                           <a:solidFill>
                             <a:srgbClr val="00000A"/>
                           </a:solidFill>
@@ -10221,7 +10191,7 @@
                         </a:spcAft>
                       </a:pPr>
                       <a:r>
-                        <a:rPr lang="fr-FR" sz="900" b="0" cap="all" dirty="0" smtClean="0">
+                        <a:rPr lang="fr-FR" sz="900" b="0" cap="all" dirty="0">
                           <a:solidFill>
                             <a:srgbClr val="404040"/>
                           </a:solidFill>
@@ -10232,7 +10202,7 @@
                         </a:rPr>
                         <a:t>secteur d’activité : DEVELOPPEMENT DE PRODUITS INFORMATIQUES DESTINES AUX ASSURANCES</a:t>
                       </a:r>
-                      <a:endParaRPr lang="fr-FR" sz="1050" b="1" cap="all" dirty="0" smtClean="0">
+                      <a:endParaRPr lang="fr-FR" sz="1050" b="1" cap="all" dirty="0">
                         <a:solidFill>
                           <a:srgbClr val="404040"/>
                         </a:solidFill>
@@ -10255,7 +10225,7 @@
                         </a:spcAft>
                       </a:pPr>
                       <a:r>
-                        <a:rPr lang="fr-FR" sz="1050" dirty="0" smtClean="0">
+                        <a:rPr lang="fr-FR" sz="1050" dirty="0">
                           <a:solidFill>
                             <a:srgbClr val="595959"/>
                           </a:solidFill>
@@ -10267,7 +10237,7 @@
                         <a:t>Dernier Poste occupé : </a:t>
                       </a:r>
                       <a:r>
-                        <a:rPr lang="fr-FR" sz="1200" b="1" cap="small" dirty="0" smtClean="0">
+                        <a:rPr lang="fr-FR" sz="1200" b="1" cap="small" dirty="0">
                           <a:solidFill>
                             <a:srgbClr val="4F81BD"/>
                           </a:solidFill>
@@ -10279,7 +10249,7 @@
                         <a:t>Architecte </a:t>
                       </a:r>
                       <a:r>
-                        <a:rPr lang="fr-FR" sz="1200" b="1" cap="small" dirty="0" err="1" smtClean="0">
+                        <a:rPr lang="fr-FR" sz="1200" b="1" cap="small" dirty="0" err="1">
                           <a:solidFill>
                             <a:srgbClr val="4F81BD"/>
                           </a:solidFill>
@@ -10291,7 +10261,7 @@
                         <a:t>DevOps</a:t>
                       </a:r>
                       <a:r>
-                        <a:rPr lang="fr-FR" sz="1200" b="1" cap="small" dirty="0" smtClean="0">
+                        <a:rPr lang="fr-FR" sz="1200" b="1" cap="small" dirty="0">
                           <a:solidFill>
                             <a:srgbClr val="4F81BD"/>
                           </a:solidFill>
@@ -10302,7 +10272,7 @@
                         </a:rPr>
                         <a:t>, docker 2014-2018</a:t>
                       </a:r>
-                      <a:endParaRPr lang="fr-FR" sz="1050" dirty="0" smtClean="0">
+                      <a:endParaRPr lang="fr-FR" sz="1050" dirty="0">
                         <a:solidFill>
                           <a:srgbClr val="595959"/>
                         </a:solidFill>
@@ -10325,7 +10295,7 @@
                         </a:spcAft>
                       </a:pPr>
                       <a:r>
-                        <a:rPr lang="fr-FR" sz="1050" dirty="0" smtClean="0">
+                        <a:rPr lang="fr-FR" sz="1050" dirty="0">
                           <a:solidFill>
                             <a:srgbClr val="595959"/>
                           </a:solidFill>
@@ -10337,7 +10307,7 @@
                         <a:t>Postes précédents : </a:t>
                       </a:r>
                       <a:r>
-                        <a:rPr lang="fr-FR" sz="1200" b="1" cap="small" dirty="0" smtClean="0">
+                        <a:rPr lang="fr-FR" sz="1200" b="1" cap="small" dirty="0">
                           <a:solidFill>
                             <a:srgbClr val="4F81BD"/>
                           </a:solidFill>
@@ -10349,7 +10319,7 @@
                         <a:t>Chef de projets R&amp;D</a:t>
                       </a:r>
                       <a:r>
-                        <a:rPr lang="fr-FR" sz="1050" dirty="0" smtClean="0">
+                        <a:rPr lang="fr-FR" sz="1050" dirty="0">
                           <a:solidFill>
                             <a:srgbClr val="595959"/>
                           </a:solidFill>
@@ -10361,7 +10331,7 @@
                         <a:t> autour de GRAPHTALK AIA, m</a:t>
                       </a:r>
                       <a:r>
-                        <a:rPr lang="fr-FR" sz="1050" dirty="0" smtClean="0">
+                        <a:rPr lang="fr-FR" sz="1050" dirty="0">
                           <a:solidFill>
                             <a:srgbClr val="595959"/>
                           </a:solidFill>
@@ -10372,7 +10342,7 @@
                         </a:rPr>
                         <a:t>anagement de plusieurs équipes R&amp;D en France et en Bulgarie jusqu’à 8 personnes.</a:t>
                       </a:r>
-                      <a:endParaRPr lang="fr-FR" sz="1050" dirty="0" smtClean="0">
+                      <a:endParaRPr lang="fr-FR" sz="1050" dirty="0">
                         <a:solidFill>
                           <a:srgbClr val="595959"/>
                         </a:solidFill>
@@ -10398,7 +10368,7 @@
                         </a:tabLst>
                       </a:pPr>
                       <a:r>
-                        <a:rPr lang="fr-FR" sz="1050" dirty="0" smtClean="0">
+                        <a:rPr lang="fr-FR" sz="1050" dirty="0">
                           <a:solidFill>
                             <a:srgbClr val="595959"/>
                           </a:solidFill>
@@ -10409,7 +10379,7 @@
                         </a:rPr>
                         <a:t> </a:t>
                       </a:r>
-                      <a:endParaRPr lang="fr-FR" sz="1050" dirty="0" smtClean="0">
+                      <a:endParaRPr lang="fr-FR" sz="1050" dirty="0">
                         <a:solidFill>
                           <a:srgbClr val="595959"/>
                         </a:solidFill>
@@ -10435,7 +10405,7 @@
                         </a:tabLst>
                       </a:pPr>
                       <a:r>
-                        <a:rPr lang="fr-FR" sz="1050" b="1" i="1" dirty="0" smtClean="0">
+                        <a:rPr lang="fr-FR" sz="1050" b="1" i="1" dirty="0">
                           <a:solidFill>
                             <a:srgbClr val="595959"/>
                           </a:solidFill>
@@ -10446,7 +10416,7 @@
                         </a:rPr>
                         <a:t>Exemples de projets réalisés :</a:t>
                       </a:r>
-                      <a:endParaRPr lang="fr-FR" sz="1050" dirty="0" smtClean="0">
+                      <a:endParaRPr lang="fr-FR" sz="1050" dirty="0">
                         <a:solidFill>
                           <a:srgbClr val="595959"/>
                         </a:solidFill>
@@ -10475,7 +10445,7 @@
                         </a:tabLst>
                       </a:pPr>
                       <a:r>
-                        <a:rPr lang="fr-FR" sz="1050" b="1" i="1" dirty="0" smtClean="0">
+                        <a:rPr lang="fr-FR" sz="1050" b="1" i="1" dirty="0">
                           <a:solidFill>
                             <a:srgbClr val="0070C0"/>
                           </a:solidFill>
@@ -10487,7 +10457,7 @@
                         <a:t>MIGRATION DOCKER </a:t>
                       </a:r>
                       <a:r>
-                        <a:rPr lang="fr-FR" sz="1050" dirty="0" smtClean="0">
+                        <a:rPr lang="fr-FR" sz="1050" dirty="0">
                           <a:solidFill>
                             <a:srgbClr val="595959"/>
                           </a:solidFill>
@@ -10499,7 +10469,7 @@
                         <a:t>Transformation de l’application GRAPHTALK et de son environnement en conteneurs Docker, </a:t>
                       </a:r>
                       <a:r>
-                        <a:rPr lang="fr-FR" sz="1050" dirty="0" smtClean="0">
+                        <a:rPr lang="fr-FR" sz="1050" dirty="0">
                           <a:solidFill>
                             <a:srgbClr val="595959"/>
                           </a:solidFill>
@@ -10527,7 +10497,7 @@
                         </a:tabLst>
                       </a:pPr>
                       <a:r>
-                        <a:rPr lang="fr-FR" sz="1050" b="1" i="1" dirty="0" smtClean="0">
+                        <a:rPr lang="fr-FR" sz="1050" b="1" i="1" dirty="0">
                           <a:solidFill>
                             <a:srgbClr val="0070C0"/>
                           </a:solidFill>
@@ -10539,7 +10509,7 @@
                         <a:t>INTEGRATION CONTINUE </a:t>
                       </a:r>
                       <a:r>
-                        <a:rPr lang="fr-FR" sz="1050" dirty="0" smtClean="0">
+                        <a:rPr lang="fr-FR" sz="1050" dirty="0">
                           <a:solidFill>
                             <a:srgbClr val="595959"/>
                           </a:solidFill>
@@ -10567,7 +10537,7 @@
                         </a:tabLst>
                       </a:pPr>
                       <a:r>
-                        <a:rPr lang="fr-FR" sz="1050" b="1" i="1" dirty="0" smtClean="0">
+                        <a:rPr lang="fr-FR" sz="1050" b="1" i="1" dirty="0">
                           <a:solidFill>
                             <a:srgbClr val="0070C0"/>
                           </a:solidFill>
@@ -10579,7 +10549,7 @@
                         <a:t>DEVOPS SUR GRAPHTALK AIA </a:t>
                       </a:r>
                       <a:r>
-                        <a:rPr lang="fr-FR" sz="1050" dirty="0" smtClean="0">
+                        <a:rPr lang="fr-FR" sz="1050" dirty="0">
                           <a:solidFill>
                             <a:srgbClr val="595959"/>
                           </a:solidFill>
@@ -10590,7 +10560,7 @@
                         </a:rPr>
                         <a:t>Développement d’une chaine d’intégration continue sous Jenkins. Création d’une chaîne de validation continue du logiciel GRAPHTALK AIA avec tests et lancement d’alertes.</a:t>
                       </a:r>
-                      <a:endParaRPr lang="fr-FR" sz="1050" dirty="0" smtClean="0">
+                      <a:endParaRPr lang="fr-FR" sz="1050" dirty="0">
                         <a:solidFill>
                           <a:srgbClr val="595959"/>
                         </a:solidFill>
@@ -10616,7 +10586,7 @@
                         </a:tabLst>
                       </a:pPr>
                       <a:r>
-                        <a:rPr lang="fr-FR" sz="1050" b="1" i="1" dirty="0" smtClean="0">
+                        <a:rPr lang="fr-FR" sz="1050" b="1" i="1" dirty="0">
                           <a:solidFill>
                             <a:srgbClr val="0070C0"/>
                           </a:solidFill>
@@ -10627,7 +10597,7 @@
                         </a:rPr>
                         <a:t>INDUSTRIALISATION DE L’INSTALLATION DU LOGICIEL GRAPHTALK jusqu’en 2014</a:t>
                       </a:r>
-                      <a:endParaRPr lang="fr-FR" sz="1050" dirty="0" smtClean="0">
+                      <a:endParaRPr lang="fr-FR" sz="1050" dirty="0">
                         <a:solidFill>
                           <a:srgbClr val="595959"/>
                         </a:solidFill>
@@ -10652,7 +10622,7 @@
                         <a:buChar char="o"/>
                       </a:pPr>
                       <a:r>
-                        <a:rPr lang="fr-FR" sz="1050" b="1" i="1" dirty="0" smtClean="0">
+                        <a:rPr lang="fr-FR" sz="1050" b="1" i="1" dirty="0">
                           <a:solidFill>
                             <a:srgbClr val="595959"/>
                           </a:solidFill>
@@ -10663,7 +10633,7 @@
                         </a:rPr>
                         <a:t>Responsable du projet Delivery Manager 2007-2014 : équipe de 5 personnes</a:t>
                       </a:r>
-                      <a:endParaRPr lang="fr-FR" sz="1050" dirty="0" smtClean="0">
+                      <a:endParaRPr lang="fr-FR" sz="1050" dirty="0">
                         <a:solidFill>
                           <a:srgbClr val="595959"/>
                         </a:solidFill>
@@ -10683,7 +10653,7 @@
                         </a:spcAft>
                       </a:pPr>
                       <a:r>
-                        <a:rPr lang="fr-FR" sz="1050" dirty="0" smtClean="0">
+                        <a:rPr lang="fr-FR" sz="1050" dirty="0">
                           <a:solidFill>
                             <a:srgbClr val="595959"/>
                           </a:solidFill>
@@ -10695,7 +10665,7 @@
                         <a:t>Outil d’automatisation de l’installation de </a:t>
                       </a:r>
                       <a:r>
-                        <a:rPr lang="fr-FR" sz="1050" dirty="0" err="1" smtClean="0">
+                        <a:rPr lang="fr-FR" sz="1050" dirty="0" err="1">
                           <a:solidFill>
                             <a:srgbClr val="595959"/>
                           </a:solidFill>
@@ -10707,7 +10677,7 @@
                         <a:t>Graphtalk</a:t>
                       </a:r>
                       <a:r>
-                        <a:rPr lang="fr-FR" sz="1050" dirty="0" smtClean="0">
+                        <a:rPr lang="fr-FR" sz="1050" dirty="0">
                           <a:solidFill>
                             <a:srgbClr val="595959"/>
                           </a:solidFill>
@@ -10718,7 +10688,7 @@
                         </a:rPr>
                         <a:t> AIA sur sites de production</a:t>
                       </a:r>
-                      <a:endParaRPr lang="fr-FR" sz="1050" dirty="0" smtClean="0">
+                      <a:endParaRPr lang="fr-FR" sz="1050" dirty="0">
                         <a:solidFill>
                           <a:srgbClr val="595959"/>
                         </a:solidFill>
@@ -10743,7 +10713,7 @@
                         <a:buChar char="o"/>
                       </a:pPr>
                       <a:r>
-                        <a:rPr lang="fr-FR" sz="1050" b="1" i="1" dirty="0" smtClean="0">
+                        <a:rPr lang="fr-FR" sz="1050" b="1" i="1" dirty="0">
                           <a:solidFill>
                             <a:srgbClr val="595959"/>
                           </a:solidFill>
@@ -10755,7 +10725,7 @@
                         <a:t>Proxy Product </a:t>
                       </a:r>
                       <a:r>
-                        <a:rPr lang="fr-FR" sz="1050" b="1" i="1" dirty="0" err="1" smtClean="0">
+                        <a:rPr lang="fr-FR" sz="1050" b="1" i="1" dirty="0" err="1">
                           <a:solidFill>
                             <a:srgbClr val="595959"/>
                           </a:solidFill>
@@ -10767,7 +10737,7 @@
                         <a:t>Owner</a:t>
                       </a:r>
                       <a:r>
-                        <a:rPr lang="fr-FR" sz="1050" b="1" i="1" dirty="0" smtClean="0">
+                        <a:rPr lang="fr-FR" sz="1050" b="1" i="1" dirty="0">
                           <a:solidFill>
                             <a:srgbClr val="595959"/>
                           </a:solidFill>
@@ -10779,7 +10749,7 @@
                         <a:t>, Gestion de la </a:t>
                       </a:r>
                       <a:r>
-                        <a:rPr lang="fr-FR" sz="1050" b="1" i="1" dirty="0" err="1" smtClean="0">
+                        <a:rPr lang="fr-FR" sz="1050" b="1" i="1" dirty="0" err="1">
                           <a:solidFill>
                             <a:srgbClr val="595959"/>
                           </a:solidFill>
@@ -10791,7 +10761,7 @@
                         <a:t>backlog</a:t>
                       </a:r>
                       <a:r>
-                        <a:rPr lang="fr-FR" sz="1050" b="1" i="1" dirty="0" smtClean="0">
+                        <a:rPr lang="fr-FR" sz="1050" b="1" i="1" dirty="0">
                           <a:solidFill>
                             <a:srgbClr val="595959"/>
                           </a:solidFill>
@@ -10803,7 +10773,7 @@
                         <a:t> du projet, Consultant </a:t>
                       </a:r>
                       <a:r>
-                        <a:rPr lang="fr-FR" sz="1050" b="1" i="1" dirty="0" smtClean="0">
+                        <a:rPr lang="fr-FR" sz="1050" b="1" i="1" dirty="0">
                           <a:solidFill>
                             <a:srgbClr val="595959"/>
                           </a:solidFill>
@@ -10814,7 +10784,7 @@
                         </a:rPr>
                         <a:t>2013-2014</a:t>
                       </a:r>
-                      <a:endParaRPr lang="fr-FR" sz="1050" dirty="0" smtClean="0">
+                      <a:endParaRPr lang="fr-FR" sz="1050" dirty="0">
                         <a:solidFill>
                           <a:srgbClr val="595959"/>
                         </a:solidFill>
@@ -10834,7 +10804,7 @@
                         </a:spcAft>
                       </a:pPr>
                       <a:r>
-                        <a:rPr lang="fr-FR" sz="1050" dirty="0" smtClean="0">
+                        <a:rPr lang="fr-FR" sz="1050" dirty="0">
                           <a:solidFill>
                             <a:srgbClr val="595959"/>
                           </a:solidFill>
@@ -10846,7 +10816,7 @@
                         <a:t>Migration du logiciel </a:t>
                       </a:r>
                       <a:r>
-                        <a:rPr lang="fr-FR" sz="1050" dirty="0" err="1" smtClean="0">
+                        <a:rPr lang="fr-FR" sz="1050" dirty="0" err="1">
                           <a:solidFill>
                             <a:srgbClr val="595959"/>
                           </a:solidFill>
@@ -10858,7 +10828,7 @@
                         <a:t>Graphtalk</a:t>
                       </a:r>
                       <a:r>
-                        <a:rPr lang="fr-FR" sz="1050" dirty="0" smtClean="0">
+                        <a:rPr lang="fr-FR" sz="1050" dirty="0">
                           <a:solidFill>
                             <a:srgbClr val="595959"/>
                           </a:solidFill>
@@ -10869,7 +10839,7 @@
                         </a:rPr>
                         <a:t> AIA dans le Cloud AWS </a:t>
                       </a:r>
-                      <a:endParaRPr lang="fr-FR" sz="1050" dirty="0" smtClean="0">
+                      <a:endParaRPr lang="fr-FR" sz="1050" dirty="0">
                         <a:solidFill>
                           <a:srgbClr val="595959"/>
                         </a:solidFill>
@@ -10895,7 +10865,7 @@
                         </a:tabLst>
                       </a:pPr>
                       <a:r>
-                        <a:rPr lang="fr-FR" sz="1050" b="1" i="1" dirty="0" smtClean="0">
+                        <a:rPr lang="fr-FR" sz="1050" b="1" i="1" dirty="0">
                           <a:solidFill>
                             <a:srgbClr val="0070C0"/>
                           </a:solidFill>
@@ -10906,7 +10876,7 @@
                         </a:rPr>
                         <a:t>PROJETS JOB MANAGER et IPE SOUS GRAPHTALK AIA 2003-2007</a:t>
                       </a:r>
-                      <a:endParaRPr lang="fr-FR" sz="1050" dirty="0" smtClean="0">
+                      <a:endParaRPr lang="fr-FR" sz="1050" dirty="0">
                         <a:solidFill>
                           <a:srgbClr val="595959"/>
                         </a:solidFill>
@@ -10934,7 +10904,7 @@
                         </a:tabLst>
                       </a:pPr>
                       <a:r>
-                        <a:rPr lang="fr-FR" sz="1050" b="1" i="1" dirty="0" smtClean="0">
+                        <a:rPr lang="fr-FR" sz="1050" b="1" i="1" dirty="0">
                           <a:solidFill>
                             <a:srgbClr val="595959"/>
                           </a:solidFill>
@@ -10945,7 +10915,7 @@
                         </a:rPr>
                         <a:t>Responsable des projets : équipe de 8 personnes en France et Bulgarie</a:t>
                       </a:r>
-                      <a:endParaRPr lang="fr-FR" sz="1050" dirty="0" smtClean="0">
+                      <a:endParaRPr lang="fr-FR" sz="1050" dirty="0">
                         <a:solidFill>
                           <a:srgbClr val="595959"/>
                         </a:solidFill>
@@ -10968,7 +10938,7 @@
                         </a:tabLst>
                       </a:pPr>
                       <a:r>
-                        <a:rPr lang="fr-FR" sz="1050" dirty="0" smtClean="0">
+                        <a:rPr lang="fr-FR" sz="1050" dirty="0">
                           <a:solidFill>
                             <a:srgbClr val="595959"/>
                           </a:solidFill>
@@ -10979,7 +10949,7 @@
                         </a:rPr>
                         <a:t>Job Manager : Logiciel de Lancement et d’organisation de processus asynchrones lors du traitement de contrats d’assurances </a:t>
                       </a:r>
-                      <a:endParaRPr lang="fr-FR" sz="1050" dirty="0" smtClean="0">
+                      <a:endParaRPr lang="fr-FR" sz="1050" dirty="0">
                         <a:solidFill>
                           <a:srgbClr val="595959"/>
                         </a:solidFill>
@@ -11002,7 +10972,7 @@
                         </a:tabLst>
                       </a:pPr>
                       <a:r>
-                        <a:rPr lang="fr-FR" sz="1050" dirty="0" smtClean="0">
+                        <a:rPr lang="fr-FR" sz="1050" dirty="0">
                           <a:solidFill>
                             <a:srgbClr val="595959"/>
                           </a:solidFill>
@@ -11013,7 +10983,7 @@
                         </a:rPr>
                         <a:t>IPE : logiciel de gestion des environnements de production </a:t>
                       </a:r>
-                      <a:endParaRPr lang="fr-FR" sz="1050" dirty="0" smtClean="0">
+                      <a:endParaRPr lang="fr-FR" sz="1050" dirty="0">
                         <a:solidFill>
                           <a:srgbClr val="595959"/>
                         </a:solidFill>
@@ -11039,7 +11009,7 @@
                         </a:tabLst>
                       </a:pPr>
                       <a:r>
-                        <a:rPr lang="fr-FR" sz="1050" b="1" i="1" dirty="0" smtClean="0">
+                        <a:rPr lang="fr-FR" sz="1050" b="1" i="1" dirty="0">
                           <a:solidFill>
                             <a:srgbClr val="0070C0"/>
                           </a:solidFill>
@@ -11050,7 +11020,7 @@
                         </a:rPr>
                         <a:t>PROJET INTERFACE GRAPHIQUE (GUI) DE GRAPHTALK AIA 2000-2003</a:t>
                       </a:r>
-                      <a:endParaRPr lang="fr-FR" sz="1050" dirty="0" smtClean="0">
+                      <a:endParaRPr lang="fr-FR" sz="1050" dirty="0">
                         <a:solidFill>
                           <a:srgbClr val="595959"/>
                         </a:solidFill>
@@ -11078,7 +11048,7 @@
                         </a:tabLst>
                       </a:pPr>
                       <a:r>
-                        <a:rPr lang="fr-FR" sz="1050" b="1" i="1" dirty="0" smtClean="0">
+                        <a:rPr lang="fr-FR" sz="1050" b="1" i="1" dirty="0">
                           <a:solidFill>
                             <a:srgbClr val="595959"/>
                           </a:solidFill>
@@ -11089,7 +11059,7 @@
                         </a:rPr>
                         <a:t>Responsable du projet : équipe de 5 personnes en France</a:t>
                       </a:r>
-                      <a:endParaRPr lang="fr-FR" sz="1050" dirty="0" smtClean="0">
+                      <a:endParaRPr lang="fr-FR" sz="1050" dirty="0">
                         <a:solidFill>
                           <a:srgbClr val="595959"/>
                         </a:solidFill>
@@ -11115,7 +11085,7 @@
                         </a:tabLst>
                       </a:pPr>
                       <a:r>
-                        <a:rPr lang="fr-FR" sz="1050" dirty="0" smtClean="0">
+                        <a:rPr lang="fr-FR" sz="1050" dirty="0">
                           <a:solidFill>
                             <a:srgbClr val="595959"/>
                           </a:solidFill>
@@ -11127,7 +11097,7 @@
                         <a:t>Organisation et participation au développement de l’interface Graphique (Windows et Web) du logiciel GRAPHTALK AIA</a:t>
                       </a:r>
                       <a:r>
-                        <a:rPr lang="fr-FR" sz="1050" dirty="0" smtClean="0">
+                        <a:rPr lang="fr-FR" sz="1050" dirty="0">
                           <a:solidFill>
                             <a:srgbClr val="595959"/>
                           </a:solidFill>
@@ -11138,7 +11108,7 @@
                         </a:rPr>
                         <a:t>.</a:t>
                       </a:r>
-                      <a:endParaRPr lang="fr-FR" sz="1050" dirty="0" smtClean="0">
+                      <a:endParaRPr lang="fr-FR" sz="1050" dirty="0">
                         <a:solidFill>
                           <a:srgbClr val="595959"/>
                         </a:solidFill>
@@ -11180,6 +11150,11 @@
                     </a:lnBlToTr>
                   </a:tcPr>
                 </a:tc>
+                <a:extLst>
+                  <a:ext uri="{0D108BD9-81ED-4DB2-BD59-A6C34878D82A}">
+                    <a16:rowId xmlns:a16="http://schemas.microsoft.com/office/drawing/2014/main" val="10000"/>
+                  </a:ext>
+                </a:extLst>
               </a:tr>
               <a:tr h="2953265">
                 <a:tc>
@@ -11205,7 +11180,7 @@
                         <a:defRPr/>
                       </a:pPr>
                       <a:r>
-                        <a:rPr lang="fr-FR" sz="1200" b="1" i="0" dirty="0" smtClean="0">
+                        <a:rPr lang="fr-FR" sz="1200" b="1" i="0" dirty="0">
                           <a:solidFill>
                             <a:srgbClr val="58585A"/>
                           </a:solidFill>
@@ -11265,7 +11240,7 @@
                         </a:spcAft>
                       </a:pPr>
                       <a:r>
-                        <a:rPr lang="fr-FR" sz="1100" b="1" cap="all" dirty="0" smtClean="0">
+                        <a:rPr lang="fr-FR" sz="1100" b="1" cap="all" dirty="0">
                           <a:solidFill>
                             <a:srgbClr val="00000A"/>
                           </a:solidFill>
@@ -11277,7 +11252,7 @@
                         <a:t>TAGG informatique</a:t>
                       </a:r>
                       <a:r>
-                        <a:rPr lang="fr-FR" sz="1050" b="0" cap="all" dirty="0" smtClean="0">
+                        <a:rPr lang="fr-FR" sz="1050" b="0" cap="all" dirty="0">
                           <a:solidFill>
                             <a:srgbClr val="404040"/>
                           </a:solidFill>
@@ -11289,7 +11264,7 @@
                         <a:t> </a:t>
                       </a:r>
                       <a:r>
-                        <a:rPr lang="fr-FR" sz="900" b="0" kern="1200" cap="all" dirty="0" smtClean="0">
+                        <a:rPr lang="fr-FR" sz="900" b="0" kern="1200" cap="all" dirty="0">
                           <a:solidFill>
                             <a:srgbClr val="404040"/>
                           </a:solidFill>
@@ -11314,7 +11289,7 @@
                         </a:spcAft>
                       </a:pPr>
                       <a:r>
-                        <a:rPr lang="fr-FR" sz="1050" dirty="0" smtClean="0">
+                        <a:rPr lang="fr-FR" sz="1050" dirty="0">
                           <a:solidFill>
                             <a:srgbClr val="595959"/>
                           </a:solidFill>
@@ -11326,7 +11301,7 @@
                         <a:t>Postes occupés : </a:t>
                       </a:r>
                       <a:r>
-                        <a:rPr lang="fr-FR" sz="1200" b="1" cap="small" dirty="0" smtClean="0">
+                        <a:rPr lang="fr-FR" sz="1200" b="1" cap="small" dirty="0">
                           <a:solidFill>
                             <a:srgbClr val="4F81BD"/>
                           </a:solidFill>
@@ -11337,7 +11312,7 @@
                         </a:rPr>
                         <a:t>Développeur à Chef de projets</a:t>
                       </a:r>
-                      <a:endParaRPr lang="fr-FR" sz="1050" dirty="0" smtClean="0">
+                      <a:endParaRPr lang="fr-FR" sz="1050" dirty="0">
                         <a:solidFill>
                           <a:srgbClr val="595959"/>
                         </a:solidFill>
@@ -11360,7 +11335,7 @@
                         </a:spcAft>
                       </a:pPr>
                       <a:r>
-                        <a:rPr lang="fr-FR" sz="500" dirty="0" smtClean="0">
+                        <a:rPr lang="fr-FR" sz="500" dirty="0">
                           <a:solidFill>
                             <a:srgbClr val="595959"/>
                           </a:solidFill>
@@ -11371,7 +11346,7 @@
                         </a:rPr>
                         <a:t> </a:t>
                       </a:r>
-                      <a:endParaRPr lang="fr-FR" sz="1050" dirty="0" smtClean="0">
+                      <a:endParaRPr lang="fr-FR" sz="1050" dirty="0">
                         <a:solidFill>
                           <a:srgbClr val="595959"/>
                         </a:solidFill>
@@ -11400,7 +11375,7 @@
                         </a:tabLst>
                       </a:pPr>
                       <a:r>
-                        <a:rPr lang="fr-FR" sz="1050" dirty="0" smtClean="0">
+                        <a:rPr lang="fr-FR" sz="1050" dirty="0">
                           <a:solidFill>
                             <a:srgbClr val="0070C0"/>
                           </a:solidFill>
@@ -11412,7 +11387,7 @@
                         <a:t>Responsable de l'équipe de développement</a:t>
                       </a:r>
                       <a:r>
-                        <a:rPr lang="fr-FR" sz="1050" dirty="0" smtClean="0">
+                        <a:rPr lang="fr-FR" sz="1050" dirty="0">
                           <a:solidFill>
                             <a:srgbClr val="595959"/>
                           </a:solidFill>
@@ -11423,7 +11398,7 @@
                         </a:rPr>
                         <a:t> : animation d’une équipe de 7 personnes.</a:t>
                       </a:r>
-                      <a:endParaRPr lang="fr-FR" sz="1050" dirty="0" smtClean="0">
+                      <a:endParaRPr lang="fr-FR" sz="1050" dirty="0">
                         <a:solidFill>
                           <a:srgbClr val="595959"/>
                         </a:solidFill>
@@ -11452,7 +11427,7 @@
                         </a:tabLst>
                       </a:pPr>
                       <a:r>
-                        <a:rPr lang="fr-FR" sz="1050" dirty="0" smtClean="0">
+                        <a:rPr lang="fr-FR" sz="1050" dirty="0">
                           <a:solidFill>
                             <a:srgbClr val="0070C0"/>
                           </a:solidFill>
@@ -11464,7 +11439,7 @@
                         <a:t>Responsable du projet </a:t>
                       </a:r>
                       <a:r>
-                        <a:rPr lang="fr-FR" sz="1050" dirty="0" err="1" smtClean="0">
+                        <a:rPr lang="fr-FR" sz="1050" dirty="0" err="1">
                           <a:solidFill>
                             <a:srgbClr val="0070C0"/>
                           </a:solidFill>
@@ -11476,7 +11451,7 @@
                         <a:t>TaggImage</a:t>
                       </a:r>
                       <a:r>
-                        <a:rPr lang="fr-FR" sz="1050" dirty="0" smtClean="0">
+                        <a:rPr lang="fr-FR" sz="1050" dirty="0">
                           <a:solidFill>
                             <a:srgbClr val="595959"/>
                           </a:solidFill>
@@ -11487,7 +11462,7 @@
                         </a:rPr>
                         <a:t> : Informatisation d'un contrôle caméra de documents imprimés par comparaison de modèles. Contrôle qualité sur des impressions en très grosses quantités (plusieurs dizaines de milliers) à très grande vitesse. </a:t>
                       </a:r>
-                      <a:endParaRPr lang="fr-FR" sz="1050" dirty="0" smtClean="0">
+                      <a:endParaRPr lang="fr-FR" sz="1050" dirty="0">
                         <a:solidFill>
                           <a:srgbClr val="595959"/>
                         </a:solidFill>
@@ -11516,7 +11491,7 @@
                         </a:tabLst>
                       </a:pPr>
                       <a:r>
-                        <a:rPr lang="fr-FR" sz="1050" dirty="0" smtClean="0">
+                        <a:rPr lang="fr-FR" sz="1050" dirty="0">
                           <a:solidFill>
                             <a:srgbClr val="0070C0"/>
                           </a:solidFill>
@@ -11528,7 +11503,7 @@
                         <a:t>Développement et Exploitation</a:t>
                       </a:r>
                       <a:r>
-                        <a:rPr lang="fr-FR" sz="1050" dirty="0" smtClean="0">
+                        <a:rPr lang="fr-FR" sz="1050" dirty="0">
                           <a:solidFill>
                             <a:srgbClr val="595959"/>
                           </a:solidFill>
@@ -11540,7 +11515,7 @@
                         <a:t> du logiciel </a:t>
                       </a:r>
                       <a:r>
-                        <a:rPr lang="fr-FR" sz="1050" dirty="0" err="1" smtClean="0">
+                        <a:rPr lang="fr-FR" sz="1050" dirty="0" err="1">
                           <a:solidFill>
                             <a:srgbClr val="595959"/>
                           </a:solidFill>
@@ -11552,7 +11527,7 @@
                         <a:t>VotExpress</a:t>
                       </a:r>
                       <a:r>
-                        <a:rPr lang="fr-FR" sz="1050" dirty="0" smtClean="0">
+                        <a:rPr lang="fr-FR" sz="1050" dirty="0">
                           <a:solidFill>
                             <a:srgbClr val="595959"/>
                           </a:solidFill>
@@ -11605,6 +11580,11 @@
                     </a:lnBlToTr>
                   </a:tcPr>
                 </a:tc>
+                <a:extLst>
+                  <a:ext uri="{0D108BD9-81ED-4DB2-BD59-A6C34878D82A}">
+                    <a16:rowId xmlns:a16="http://schemas.microsoft.com/office/drawing/2014/main" val="10001"/>
+                  </a:ext>
+                </a:extLst>
               </a:tr>
             </a:tbl>
           </a:graphicData>
@@ -11776,18 +11756,13 @@
           <a:p>
             <a:pPr marL="711200"/>
             <a:r>
-              <a:rPr lang="en-US" sz="1400" b="1" dirty="0" smtClean="0">
+              <a:rPr lang="en-US" sz="1400" b="1" dirty="0">
                 <a:solidFill>
                   <a:schemeClr val="tx1"/>
                 </a:solidFill>
               </a:rPr>
               <a:t>Divers</a:t>
             </a:r>
-            <a:endParaRPr lang="en-US" sz="1400" b="1" dirty="0">
-              <a:solidFill>
-                <a:schemeClr val="tx1"/>
-              </a:solidFill>
-            </a:endParaRPr>
           </a:p>
         </p:txBody>
       </p:sp>
@@ -11861,7 +11836,13 @@
                 <a:tableStyleId>{2D5ABB26-0587-4C30-8999-92F81FD0307C}</a:tableStyleId>
               </a:tblPr>
               <a:tblGrid>
-                <a:gridCol w="2771775"/>
+                <a:gridCol w="2771775">
+                  <a:extLst>
+                    <a:ext uri="{9D8B030D-6E8A-4147-A177-3AD203B41FA5}">
+                      <a16:colId xmlns:a16="http://schemas.microsoft.com/office/drawing/2014/main" val="20000"/>
+                    </a:ext>
+                  </a:extLst>
+                </a:gridCol>
               </a:tblGrid>
               <a:tr h="624014">
                 <a:tc>
@@ -11878,7 +11859,7 @@
                         <a:tabLst/>
                       </a:pPr>
                       <a:r>
-                        <a:rPr lang="fr-FR" sz="1100" kern="1200" dirty="0" smtClean="0">
+                        <a:rPr lang="fr-FR" sz="1100" kern="1200" dirty="0">
                           <a:solidFill>
                             <a:schemeClr val="bg1"/>
                           </a:solidFill>
@@ -11887,19 +11868,7 @@
                           <a:ea typeface="Cambria" panose="02040503050406030204" pitchFamily="18" charset="0"/>
                           <a:cs typeface="+mn-cs"/>
                         </a:rPr>
-                        <a:t>Sport : ancien nageur de compétition (niveau national) ; pratique de la course à pied en </a:t>
-                      </a:r>
-                      <a:r>
-                        <a:rPr lang="fr-FR" sz="1100" kern="1200" dirty="0" smtClean="0">
-                          <a:solidFill>
-                            <a:schemeClr val="bg1"/>
-                          </a:solidFill>
-                          <a:effectLst/>
-                          <a:latin typeface="Cambria" panose="02040503050406030204" pitchFamily="18" charset="0"/>
-                          <a:ea typeface="Cambria" panose="02040503050406030204" pitchFamily="18" charset="0"/>
-                          <a:cs typeface="+mn-cs"/>
-                        </a:rPr>
-                        <a:t>compétition</a:t>
+                        <a:t>Sport : ancien nageur de compétition (niveau national) ; pratique de la course à pied en compétition</a:t>
                       </a:r>
                     </a:p>
                     <a:p>
@@ -11911,7 +11880,7 @@
                         <a:buNone/>
                         <a:tabLst/>
                       </a:pPr>
-                      <a:endParaRPr lang="fr-FR" sz="1050" kern="1200" dirty="0" smtClean="0">
+                      <a:endParaRPr lang="fr-FR" sz="1050" kern="1200" dirty="0">
                         <a:solidFill>
                           <a:schemeClr val="bg1"/>
                         </a:solidFill>
@@ -11924,6 +11893,11 @@
                   </a:txBody>
                   <a:tcPr anchor="ctr"/>
                 </a:tc>
+                <a:extLst>
+                  <a:ext uri="{0D108BD9-81ED-4DB2-BD59-A6C34878D82A}">
+                    <a16:rowId xmlns:a16="http://schemas.microsoft.com/office/drawing/2014/main" val="10000"/>
+                  </a:ext>
+                </a:extLst>
               </a:tr>
               <a:tr h="624014">
                 <a:tc>
@@ -11940,7 +11914,7 @@
                         <a:tabLst/>
                       </a:pPr>
                       <a:r>
-                        <a:rPr lang="fr-FR" sz="1100" kern="1200" dirty="0" smtClean="0">
+                        <a:rPr lang="fr-FR" sz="1100" kern="1200" dirty="0">
                           <a:solidFill>
                             <a:schemeClr val="bg1"/>
                           </a:solidFill>
@@ -11963,6 +11937,11 @@
                   </a:txBody>
                   <a:tcPr anchor="ctr"/>
                 </a:tc>
+                <a:extLst>
+                  <a:ext uri="{0D108BD9-81ED-4DB2-BD59-A6C34878D82A}">
+                    <a16:rowId xmlns:a16="http://schemas.microsoft.com/office/drawing/2014/main" val="10001"/>
+                  </a:ext>
+                </a:extLst>
               </a:tr>
             </a:tbl>
           </a:graphicData>
@@ -11992,7 +11971,7 @@
           <a:p>
             <a:pPr algn="just"/>
             <a:r>
-              <a:rPr lang="fr-FR" sz="1000" b="1" cap="all" dirty="0" smtClean="0">
+              <a:rPr lang="fr-FR" sz="1000" b="1" cap="all" dirty="0">
                 <a:solidFill>
                   <a:schemeClr val="bg1"/>
                 </a:solidFill>
@@ -12059,36 +12038,7 @@
                 <a:latin typeface="+mj-lt"/>
                 <a:ea typeface="Cambria" panose="02040503050406030204" pitchFamily="18" charset="0"/>
               </a:rPr>
-              <a:t>UNIV.  J. FOURIER, Grenoble </a:t>
-            </a:r>
-            <a:r>
-              <a:rPr lang="fr-FR" sz="1000" cap="small" dirty="0" smtClean="0">
-                <a:solidFill>
-                  <a:schemeClr val="bg1"/>
-                </a:solidFill>
-                <a:latin typeface="+mj-lt"/>
-                <a:ea typeface="Cambria" panose="02040503050406030204" pitchFamily="18" charset="0"/>
-              </a:rPr>
-              <a:t>(Stage 6 mois – SOPRA Annecy-le-Vieux) </a:t>
-            </a:r>
-            <a:r>
-              <a:rPr lang="fr-FR" sz="1000" cap="small" dirty="0" smtClean="0">
-                <a:solidFill>
-                  <a:schemeClr val="bg1"/>
-                </a:solidFill>
-                <a:latin typeface="+mj-lt"/>
-                <a:ea typeface="Cambria" panose="02040503050406030204" pitchFamily="18" charset="0"/>
-              </a:rPr>
-              <a:t>)</a:t>
-            </a:r>
-            <a:r>
-              <a:rPr lang="fr-FR" sz="1000" dirty="0" smtClean="0">
-                <a:solidFill>
-                  <a:schemeClr val="bg1"/>
-                </a:solidFill>
-                <a:latin typeface="+mj-lt"/>
-              </a:rPr>
-              <a:t>Développement </a:t>
+              <a:t>UNIV.  J. FOURIER, Grenoble (Stage 6 mois – SOPRA Annecy-le-Vieux) )</a:t>
             </a:r>
             <a:r>
               <a:rPr lang="fr-FR" sz="1000" dirty="0">
@@ -12097,16 +12047,7 @@
                 </a:solidFill>
                 <a:latin typeface="+mj-lt"/>
               </a:rPr>
-              <a:t>en langage C sous Unix d’un programme d’échange de données entre plusieurs applications sous forme </a:t>
-            </a:r>
-            <a:r>
-              <a:rPr lang="fr-FR" sz="1000" dirty="0" smtClean="0">
-                <a:solidFill>
-                  <a:schemeClr val="bg1"/>
-                </a:solidFill>
-                <a:latin typeface="+mj-lt"/>
-              </a:rPr>
-              <a:t>transactionnel</a:t>
+              <a:t>Développement en langage C sous Unix d’un programme d’échange de données entre plusieurs applications sous forme transactionnel</a:t>
             </a:r>
           </a:p>
           <a:p>
@@ -12122,16 +12063,6 @@
           <a:p>
             <a:pPr algn="just"/>
             <a:r>
-              <a:rPr lang="fr-FR" sz="1000" b="1" cap="all" dirty="0" smtClean="0">
-                <a:solidFill>
-                  <a:schemeClr val="bg1"/>
-                </a:solidFill>
-                <a:latin typeface="+mj-lt"/>
-                <a:ea typeface="Cambria" panose="02040503050406030204" pitchFamily="18" charset="0"/>
-              </a:rPr>
-              <a:t>1995 - maîtrise </a:t>
-            </a:r>
-            <a:r>
               <a:rPr lang="fr-FR" sz="1000" b="1" cap="all" dirty="0">
                 <a:solidFill>
                   <a:schemeClr val="bg1"/>
@@ -12139,7 +12070,7 @@
                 <a:latin typeface="+mj-lt"/>
                 <a:ea typeface="Cambria" panose="02040503050406030204" pitchFamily="18" charset="0"/>
               </a:rPr>
-              <a:t>GENIE MATHEMATIQUE ET INFORMATIQUE, </a:t>
+              <a:t>1995 - maîtrise GENIE MATHEMATIQUE ET INFORMATIQUE, </a:t>
             </a:r>
             <a:r>
               <a:rPr lang="fr-FR" sz="1000" b="1" cap="all" dirty="0" err="1">
@@ -12169,20 +12100,10 @@
                 <a:latin typeface="+mj-lt"/>
                 <a:ea typeface="Cambria" panose="02040503050406030204" pitchFamily="18" charset="0"/>
               </a:rPr>
-              <a:t>, UNIV. J. FOURIER, Grenoble </a:t>
+              <a:t>, UNIV. J. FOURIER, Grenoble  </a:t>
             </a:r>
             <a:r>
-              <a:rPr lang="fr-FR" sz="1000" cap="small" dirty="0" smtClean="0">
-                <a:solidFill>
-                  <a:schemeClr val="bg1"/>
-                </a:solidFill>
-                <a:latin typeface="+mj-lt"/>
-                <a:ea typeface="Cambria" panose="02040503050406030204" pitchFamily="18" charset="0"/>
-              </a:rPr>
-              <a:t> </a:t>
-            </a:r>
-            <a:r>
-              <a:rPr lang="fr-FR" sz="1000" b="1" cap="small" dirty="0" smtClean="0">
+              <a:rPr lang="fr-FR" sz="1000" b="1" cap="small" dirty="0">
                 <a:solidFill>
                   <a:schemeClr val="bg1"/>
                 </a:solidFill>
@@ -12192,7 +12113,7 @@
               <a:t>(Stage 6 mois – CNRS  Hôpital Michalon </a:t>
             </a:r>
             <a:r>
-              <a:rPr lang="fr-FR" sz="1000" b="1" cap="small" dirty="0" err="1" smtClean="0">
+              <a:rPr lang="fr-FR" sz="1000" b="1" cap="small" dirty="0" err="1">
                 <a:solidFill>
                   <a:schemeClr val="bg1"/>
                 </a:solidFill>
@@ -12202,7 +12123,7 @@
               <a:t>Grenole</a:t>
             </a:r>
             <a:r>
-              <a:rPr lang="fr-FR" sz="1000" b="1" cap="small" dirty="0" smtClean="0">
+              <a:rPr lang="fr-FR" sz="1000" b="1" cap="small" dirty="0">
                 <a:solidFill>
                   <a:schemeClr val="bg1"/>
                 </a:solidFill>
@@ -12212,31 +12133,13 @@
               <a:t>) </a:t>
             </a:r>
             <a:r>
-              <a:rPr lang="fr-FR" sz="1000" dirty="0" smtClean="0">
-                <a:solidFill>
-                  <a:schemeClr val="bg1"/>
-                </a:solidFill>
-                <a:latin typeface="+mj-lt"/>
-              </a:rPr>
-              <a:t>Réalisation </a:t>
-            </a:r>
-            <a:r>
               <a:rPr lang="fr-FR" sz="1000" dirty="0">
                 <a:solidFill>
                   <a:schemeClr val="bg1"/>
                 </a:solidFill>
                 <a:latin typeface="+mj-lt"/>
               </a:rPr>
-              <a:t>sous UNIX d’un programme de simulation de la croissance de tumeurs cérébrales ; Représentations graphiques des résultats sous forme de courbes et d’images numériques 3D</a:t>
-            </a:r>
-            <a:r>
-              <a:rPr lang="fr-FR" sz="1000" dirty="0" smtClean="0">
-                <a:solidFill>
-                  <a:schemeClr val="bg1"/>
-                </a:solidFill>
-                <a:latin typeface="+mj-lt"/>
-              </a:rPr>
-              <a:t>.</a:t>
+              <a:t>Réalisation sous UNIX d’un programme de simulation de la croissance de tumeurs cérébrales ; Représentations graphiques des résultats sous forme de courbes et d’images numériques 3D.</a:t>
             </a:r>
           </a:p>
           <a:p>
@@ -12252,16 +12155,6 @@
           <a:p>
             <a:pPr algn="just"/>
             <a:r>
-              <a:rPr lang="fr-FR" sz="1000" b="1" cap="all" dirty="0" smtClean="0">
-                <a:solidFill>
-                  <a:schemeClr val="bg1"/>
-                </a:solidFill>
-                <a:latin typeface="+mj-lt"/>
-                <a:ea typeface="Cambria" panose="02040503050406030204" pitchFamily="18" charset="0"/>
-              </a:rPr>
-              <a:t>1993 - Licence </a:t>
-            </a:r>
-            <a:r>
               <a:rPr lang="fr-FR" sz="1000" b="1" cap="all" dirty="0">
                 <a:solidFill>
                   <a:schemeClr val="bg1"/>
@@ -12269,7 +12162,7 @@
                 <a:latin typeface="+mj-lt"/>
                 <a:ea typeface="Cambria" panose="02040503050406030204" pitchFamily="18" charset="0"/>
               </a:rPr>
-              <a:t>Génie Mathématique et Informatique</a:t>
+              <a:t>1993 - Licence Génie Mathématique et Informatique</a:t>
             </a:r>
             <a:r>
               <a:rPr lang="fr-FR" sz="1000" cap="small" dirty="0">
@@ -12279,40 +12172,10 @@
                 <a:latin typeface="+mj-lt"/>
                 <a:ea typeface="Cambria" panose="02040503050406030204" pitchFamily="18" charset="0"/>
               </a:rPr>
-              <a:t>, UNIV. J. FOURIER, </a:t>
+              <a:t>, UNIV. J. FOURIER, Gr.</a:t>
             </a:r>
-            <a:r>
-              <a:rPr lang="fr-FR" sz="1000" cap="small" dirty="0" smtClean="0">
-                <a:solidFill>
-                  <a:schemeClr val="bg1"/>
-                </a:solidFill>
-                <a:latin typeface="+mj-lt"/>
-                <a:ea typeface="Cambria" panose="02040503050406030204" pitchFamily="18" charset="0"/>
-              </a:rPr>
-              <a:t>Gr.</a:t>
-            </a:r>
-          </a:p>
-          <a:p>
-            <a:r>
-              <a:rPr lang="fr-FR" sz="1000" b="1" dirty="0" smtClean="0">
-                <a:solidFill>
-                  <a:schemeClr val="bg1"/>
-                </a:solidFill>
-                <a:latin typeface="+mj-lt"/>
-                <a:ea typeface="Cambria" panose="02040503050406030204" pitchFamily="18" charset="0"/>
-              </a:rPr>
-              <a:t>1992 </a:t>
-            </a:r>
-            <a:r>
-              <a:rPr lang="fr-FR" sz="1000" b="1" dirty="0" smtClean="0">
-                <a:solidFill>
-                  <a:schemeClr val="bg1"/>
-                </a:solidFill>
-                <a:latin typeface="+mj-lt"/>
-                <a:ea typeface="Cambria" panose="02040503050406030204" pitchFamily="18" charset="0"/>
-              </a:rPr>
-              <a:t>- D.E.U.G </a:t>
-            </a:r>
+          </a:p>
+          <a:p>
             <a:r>
               <a:rPr lang="fr-FR" sz="1000" b="1" dirty="0">
                 <a:solidFill>
@@ -12321,7 +12184,7 @@
                 <a:latin typeface="+mj-lt"/>
                 <a:ea typeface="Cambria" panose="02040503050406030204" pitchFamily="18" charset="0"/>
               </a:rPr>
-              <a:t>MASS </a:t>
+              <a:t>1992 - D.E.U.G MASS </a:t>
             </a:r>
             <a:r>
               <a:rPr lang="fr-FR" sz="1000" dirty="0">
@@ -12472,10 +12335,9 @@
           <a:p>
             <a:pPr marL="711200"/>
             <a:r>
-              <a:rPr lang="en-US" sz="1400" b="1" dirty="0" smtClean="0"/>
+              <a:rPr lang="en-US" sz="1400" b="1" dirty="0"/>
               <a:t>Formation</a:t>
             </a:r>
-            <a:endParaRPr lang="en-US" sz="1400" b="1" dirty="0"/>
           </a:p>
         </p:txBody>
       </p:sp>
@@ -12678,13 +12540,6 @@
   <p:clrMapOvr>
     <a:masterClrMapping/>
   </p:clrMapOvr>
-  <p:timing>
-    <p:tnLst>
-      <p:par>
-        <p:cTn id="1" dur="indefinite" restart="never" nodeType="tmRoot"/>
-      </p:par>
-    </p:tnLst>
-  </p:timing>
 </p:sld>
 </file>
 

--- a/CV_FROMAGER.pptx
+++ b/CV_FROMAGER.pptx
@@ -208,7 +208,7 @@
           </a:lstStyle>
           <a:p>
             <a:fld id="{6BFF9852-8A9D-FA43-9BC6-1FE6D867865C}" type="datetimeFigureOut">
-              <a:t>14/02/2020</a:t>
+              <a:t>18/02/2020</a:t>
             </a:fld>
             <a:endParaRPr lang="en-US"/>
           </a:p>
@@ -819,7 +819,7 @@
           <a:p>
             <a:fld id="{8CF0904D-930F-FD46-A326-BF7152BF9E0A}" type="datetimeFigureOut">
               <a:rPr lang="fr-FR" smtClean="0"/>
-              <a:t>14/02/2020</a:t>
+              <a:t>18/02/2020</a:t>
             </a:fld>
             <a:endParaRPr lang="fr-FR"/>
           </a:p>
@@ -987,7 +987,7 @@
           <a:p>
             <a:fld id="{8CF0904D-930F-FD46-A326-BF7152BF9E0A}" type="datetimeFigureOut">
               <a:rPr lang="fr-FR" smtClean="0"/>
-              <a:t>14/02/2020</a:t>
+              <a:t>18/02/2020</a:t>
             </a:fld>
             <a:endParaRPr lang="fr-FR"/>
           </a:p>
@@ -1165,7 +1165,7 @@
           <a:p>
             <a:fld id="{8CF0904D-930F-FD46-A326-BF7152BF9E0A}" type="datetimeFigureOut">
               <a:rPr lang="fr-FR" smtClean="0"/>
-              <a:t>14/02/2020</a:t>
+              <a:t>18/02/2020</a:t>
             </a:fld>
             <a:endParaRPr lang="fr-FR"/>
           </a:p>
@@ -1333,7 +1333,7 @@
           <a:p>
             <a:fld id="{8CF0904D-930F-FD46-A326-BF7152BF9E0A}" type="datetimeFigureOut">
               <a:rPr lang="fr-FR" smtClean="0"/>
-              <a:t>14/02/2020</a:t>
+              <a:t>18/02/2020</a:t>
             </a:fld>
             <a:endParaRPr lang="fr-FR"/>
           </a:p>
@@ -1578,7 +1578,7 @@
           <a:p>
             <a:fld id="{8CF0904D-930F-FD46-A326-BF7152BF9E0A}" type="datetimeFigureOut">
               <a:rPr lang="fr-FR" smtClean="0"/>
-              <a:t>14/02/2020</a:t>
+              <a:t>18/02/2020</a:t>
             </a:fld>
             <a:endParaRPr lang="fr-FR"/>
           </a:p>
@@ -1863,7 +1863,7 @@
           <a:p>
             <a:fld id="{8CF0904D-930F-FD46-A326-BF7152BF9E0A}" type="datetimeFigureOut">
               <a:rPr lang="fr-FR" smtClean="0"/>
-              <a:t>14/02/2020</a:t>
+              <a:t>18/02/2020</a:t>
             </a:fld>
             <a:endParaRPr lang="fr-FR"/>
           </a:p>
@@ -2287,7 +2287,7 @@
           <a:p>
             <a:fld id="{8CF0904D-930F-FD46-A326-BF7152BF9E0A}" type="datetimeFigureOut">
               <a:rPr lang="fr-FR" smtClean="0"/>
-              <a:t>14/02/2020</a:t>
+              <a:t>18/02/2020</a:t>
             </a:fld>
             <a:endParaRPr lang="fr-FR"/>
           </a:p>
@@ -2404,7 +2404,7 @@
           <a:p>
             <a:fld id="{8CF0904D-930F-FD46-A326-BF7152BF9E0A}" type="datetimeFigureOut">
               <a:rPr lang="fr-FR" smtClean="0"/>
-              <a:t>14/02/2020</a:t>
+              <a:t>18/02/2020</a:t>
             </a:fld>
             <a:endParaRPr lang="fr-FR"/>
           </a:p>
@@ -2499,7 +2499,7 @@
           <a:p>
             <a:fld id="{8CF0904D-930F-FD46-A326-BF7152BF9E0A}" type="datetimeFigureOut">
               <a:rPr lang="fr-FR" smtClean="0"/>
-              <a:t>14/02/2020</a:t>
+              <a:t>18/02/2020</a:t>
             </a:fld>
             <a:endParaRPr lang="fr-FR"/>
           </a:p>
@@ -2774,7 +2774,7 @@
           <a:p>
             <a:fld id="{8CF0904D-930F-FD46-A326-BF7152BF9E0A}" type="datetimeFigureOut">
               <a:rPr lang="fr-FR" smtClean="0"/>
-              <a:t>14/02/2020</a:t>
+              <a:t>18/02/2020</a:t>
             </a:fld>
             <a:endParaRPr lang="fr-FR"/>
           </a:p>
@@ -3026,7 +3026,7 @@
           <a:p>
             <a:fld id="{8CF0904D-930F-FD46-A326-BF7152BF9E0A}" type="datetimeFigureOut">
               <a:rPr lang="fr-FR" smtClean="0"/>
-              <a:t>14/02/2020</a:t>
+              <a:t>18/02/2020</a:t>
             </a:fld>
             <a:endParaRPr lang="fr-FR"/>
           </a:p>
@@ -3237,7 +3237,7 @@
           <a:p>
             <a:fld id="{8CF0904D-930F-FD46-A326-BF7152BF9E0A}" type="datetimeFigureOut">
               <a:rPr lang="fr-FR" smtClean="0"/>
-              <a:t>14/02/2020</a:t>
+              <a:t>18/02/2020</a:t>
             </a:fld>
             <a:endParaRPr lang="fr-FR"/>
           </a:p>
@@ -10027,7 +10027,7 @@
           <p:nvPr>
             <p:extLst>
               <p:ext uri="{D42A27DB-BD31-4B8C-83A1-F6EECF244321}">
-                <p14:modId xmlns:p14="http://schemas.microsoft.com/office/powerpoint/2010/main" val="785551635"/>
+                <p14:modId xmlns:p14="http://schemas.microsoft.com/office/powerpoint/2010/main" val="1403514862"/>
               </p:ext>
             </p:extLst>
           </p:nvPr>
@@ -11491,6 +11491,18 @@
                         </a:tabLst>
                       </a:pPr>
                       <a:r>
+                        <a:rPr lang="fr-FR" sz="1050">
+                          <a:solidFill>
+                            <a:srgbClr val="0070C0"/>
+                          </a:solidFill>
+                          <a:effectLst/>
+                          <a:latin typeface="+mj-lt"/>
+                          <a:ea typeface="Cambria" panose="02040503050406030204" pitchFamily="18" charset="0"/>
+                          <a:cs typeface="Calibri" panose="020F0502020204030204" pitchFamily="34" charset="0"/>
+                        </a:rPr>
+                        <a:t>Création, Développement </a:t>
+                      </a:r>
+                      <a:r>
                         <a:rPr lang="fr-FR" sz="1050" dirty="0">
                           <a:solidFill>
                             <a:srgbClr val="0070C0"/>
@@ -11500,7 +11512,7 @@
                           <a:ea typeface="Cambria" panose="02040503050406030204" pitchFamily="18" charset="0"/>
                           <a:cs typeface="Calibri" panose="020F0502020204030204" pitchFamily="34" charset="0"/>
                         </a:rPr>
-                        <a:t>Développement et Exploitation</a:t>
+                        <a:t>et Exploitation</a:t>
                       </a:r>
                       <a:r>
                         <a:rPr lang="fr-FR" sz="1050" dirty="0">
@@ -12018,7 +12030,7 @@
                 <a:latin typeface="+mj-lt"/>
                 <a:ea typeface="Cambria" panose="02040503050406030204" pitchFamily="18" charset="0"/>
               </a:rPr>
-              <a:t>, option courbes surfaces &amp; images</a:t>
+              <a:t> (Master 2), option courbes surfaces &amp; images</a:t>
             </a:r>
             <a:r>
               <a:rPr lang="fr-FR" sz="1000" cap="all" dirty="0">
